--- a/titanic.pptx
+++ b/titanic.pptx
@@ -17,6 +17,10 @@
     <p:sldId id="263" r:id="rId11"/>
     <p:sldId id="264" r:id="rId12"/>
     <p:sldId id="266" r:id="rId13"/>
+    <p:sldId id="268" r:id="rId14"/>
+    <p:sldId id="270" r:id="rId15"/>
+    <p:sldId id="272" r:id="rId16"/>
+    <p:sldId id="271" r:id="rId17"/>
   </p:sldIdLst>
   <p:sldSz cx="12192000" cy="6858000"/>
   <p:notesSz cx="6858000" cy="9144000"/>
@@ -2464,6 +2468,1502 @@
     <dgm:fillClrLst meth="repeat">
       <a:schemeClr val="bg1">
         <a:lumMod val="95000"/>
+      </a:schemeClr>
+    </dgm:fillClrLst>
+    <dgm:linClrLst meth="repeat">
+      <a:schemeClr val="accent1"/>
+    </dgm:linClrLst>
+    <dgm:effectClrLst/>
+    <dgm:txLinClrLst/>
+    <dgm:txFillClrLst meth="repeat">
+      <a:schemeClr val="dk1"/>
+    </dgm:txFillClrLst>
+    <dgm:txEffectClrLst/>
+  </dgm:styleLbl>
+  <dgm:styleLbl name="dkBgShp">
+    <dgm:fillClrLst meth="repeat">
+      <a:schemeClr val="accent1">
+        <a:shade val="80000"/>
+      </a:schemeClr>
+    </dgm:fillClrLst>
+    <dgm:linClrLst meth="repeat">
+      <a:schemeClr val="accent1"/>
+    </dgm:linClrLst>
+    <dgm:effectClrLst/>
+    <dgm:txLinClrLst/>
+    <dgm:txFillClrLst meth="repeat">
+      <a:schemeClr val="lt1"/>
+    </dgm:txFillClrLst>
+    <dgm:txEffectClrLst/>
+  </dgm:styleLbl>
+  <dgm:styleLbl name="trBgShp">
+    <dgm:fillClrLst meth="repeat">
+      <a:schemeClr val="accent1">
+        <a:tint val="50000"/>
+        <a:alpha val="40000"/>
+      </a:schemeClr>
+    </dgm:fillClrLst>
+    <dgm:linClrLst meth="repeat">
+      <a:schemeClr val="accent1"/>
+    </dgm:linClrLst>
+    <dgm:effectClrLst/>
+    <dgm:txLinClrLst/>
+    <dgm:txFillClrLst meth="repeat">
+      <a:schemeClr val="lt1"/>
+    </dgm:txFillClrLst>
+    <dgm:txEffectClrLst/>
+  </dgm:styleLbl>
+  <dgm:styleLbl name="fgShp">
+    <dgm:fillClrLst meth="repeat">
+      <a:schemeClr val="accent1">
+        <a:tint val="60000"/>
+      </a:schemeClr>
+    </dgm:fillClrLst>
+    <dgm:linClrLst meth="repeat">
+      <a:schemeClr val="lt1"/>
+    </dgm:linClrLst>
+    <dgm:effectClrLst/>
+    <dgm:txLinClrLst/>
+    <dgm:txFillClrLst meth="repeat">
+      <a:schemeClr val="dk1"/>
+    </dgm:txFillClrLst>
+    <dgm:txEffectClrLst/>
+  </dgm:styleLbl>
+  <dgm:styleLbl name="revTx">
+    <dgm:fillClrLst meth="repeat">
+      <a:schemeClr val="lt1">
+        <a:alpha val="0"/>
+      </a:schemeClr>
+    </dgm:fillClrLst>
+    <dgm:linClrLst meth="repeat">
+      <a:schemeClr val="dk1">
+        <a:alpha val="0"/>
+      </a:schemeClr>
+    </dgm:linClrLst>
+    <dgm:effectClrLst/>
+    <dgm:txLinClrLst/>
+    <dgm:txFillClrLst meth="repeat">
+      <a:schemeClr val="tx1"/>
+    </dgm:txFillClrLst>
+    <dgm:txEffectClrLst/>
+  </dgm:styleLbl>
+</dgm:colorsDef>
+</file>
+
+<file path=ppt/diagrams/colors4.xml><?xml version="1.0" encoding="utf-8"?>
+<dgm:colorsDef xmlns:dgm="http://schemas.openxmlformats.org/drawingml/2006/diagram" xmlns:a="http://schemas.openxmlformats.org/drawingml/2006/main" uniqueId="urn:microsoft.com/office/officeart/2018/5/colors/Iconchunking_neutralbg_accent1_2">
+  <dgm:title val=""/>
+  <dgm:desc val=""/>
+  <dgm:catLst>
+    <dgm:cat type="accent1" pri="11200"/>
+  </dgm:catLst>
+  <dgm:styleLbl name="node0">
+    <dgm:fillClrLst meth="repeat">
+      <a:schemeClr val="accent1"/>
+    </dgm:fillClrLst>
+    <dgm:linClrLst meth="repeat">
+      <a:schemeClr val="lt1"/>
+    </dgm:linClrLst>
+    <dgm:effectClrLst/>
+    <dgm:txLinClrLst/>
+    <dgm:txFillClrLst/>
+    <dgm:txEffectClrLst/>
+  </dgm:styleLbl>
+  <dgm:styleLbl name="alignNode1">
+    <dgm:fillClrLst meth="repeat">
+      <a:schemeClr val="accent1"/>
+    </dgm:fillClrLst>
+    <dgm:linClrLst meth="repeat">
+      <a:schemeClr val="accent1"/>
+    </dgm:linClrLst>
+    <dgm:effectClrLst/>
+    <dgm:txLinClrLst/>
+    <dgm:txFillClrLst/>
+    <dgm:txEffectClrLst/>
+  </dgm:styleLbl>
+  <dgm:styleLbl name="node1">
+    <dgm:fillClrLst meth="repeat">
+      <a:schemeClr val="accent1"/>
+    </dgm:fillClrLst>
+    <dgm:linClrLst meth="repeat">
+      <a:schemeClr val="lt1">
+        <a:alpha val="0"/>
+      </a:schemeClr>
+    </dgm:linClrLst>
+    <dgm:effectClrLst/>
+    <dgm:txLinClrLst/>
+    <dgm:txFillClrLst/>
+    <dgm:txEffectClrLst/>
+  </dgm:styleLbl>
+  <dgm:styleLbl name="lnNode1">
+    <dgm:fillClrLst meth="repeat">
+      <a:schemeClr val="accent1"/>
+    </dgm:fillClrLst>
+    <dgm:linClrLst meth="repeat">
+      <a:schemeClr val="lt1"/>
+    </dgm:linClrLst>
+    <dgm:effectClrLst/>
+    <dgm:txLinClrLst/>
+    <dgm:txFillClrLst/>
+    <dgm:txEffectClrLst/>
+  </dgm:styleLbl>
+  <dgm:styleLbl name="vennNode1">
+    <dgm:fillClrLst meth="repeat">
+      <a:schemeClr val="accent1">
+        <a:alpha val="50000"/>
+      </a:schemeClr>
+    </dgm:fillClrLst>
+    <dgm:linClrLst meth="repeat">
+      <a:schemeClr val="lt1"/>
+    </dgm:linClrLst>
+    <dgm:effectClrLst/>
+    <dgm:txLinClrLst/>
+    <dgm:txFillClrLst/>
+    <dgm:txEffectClrLst/>
+  </dgm:styleLbl>
+  <dgm:styleLbl name="node2">
+    <dgm:fillClrLst meth="repeat">
+      <a:schemeClr val="accent1"/>
+    </dgm:fillClrLst>
+    <dgm:linClrLst meth="repeat">
+      <a:schemeClr val="lt1"/>
+    </dgm:linClrLst>
+    <dgm:effectClrLst/>
+    <dgm:txLinClrLst/>
+    <dgm:txFillClrLst/>
+    <dgm:txEffectClrLst/>
+  </dgm:styleLbl>
+  <dgm:styleLbl name="node3">
+    <dgm:fillClrLst meth="repeat">
+      <a:schemeClr val="accent1"/>
+    </dgm:fillClrLst>
+    <dgm:linClrLst meth="repeat">
+      <a:schemeClr val="lt1"/>
+    </dgm:linClrLst>
+    <dgm:effectClrLst/>
+    <dgm:txLinClrLst/>
+    <dgm:txFillClrLst/>
+    <dgm:txEffectClrLst/>
+  </dgm:styleLbl>
+  <dgm:styleLbl name="node4">
+    <dgm:fillClrLst meth="repeat">
+      <a:schemeClr val="accent1"/>
+    </dgm:fillClrLst>
+    <dgm:linClrLst meth="repeat">
+      <a:schemeClr val="lt1"/>
+    </dgm:linClrLst>
+    <dgm:effectClrLst/>
+    <dgm:txLinClrLst/>
+    <dgm:txFillClrLst/>
+    <dgm:txEffectClrLst/>
+  </dgm:styleLbl>
+  <dgm:styleLbl name="fgImgPlace1">
+    <dgm:fillClrLst meth="repeat">
+      <a:schemeClr val="accent1">
+        <a:tint val="50000"/>
+      </a:schemeClr>
+    </dgm:fillClrLst>
+    <dgm:linClrLst meth="repeat">
+      <a:schemeClr val="lt1"/>
+    </dgm:linClrLst>
+    <dgm:effectClrLst/>
+    <dgm:txLinClrLst/>
+    <dgm:txFillClrLst meth="repeat">
+      <a:schemeClr val="lt1"/>
+    </dgm:txFillClrLst>
+    <dgm:txEffectClrLst/>
+  </dgm:styleLbl>
+  <dgm:styleLbl name="alignImgPlace1">
+    <dgm:fillClrLst meth="repeat">
+      <a:schemeClr val="accent1">
+        <a:tint val="50000"/>
+      </a:schemeClr>
+    </dgm:fillClrLst>
+    <dgm:linClrLst meth="repeat">
+      <a:schemeClr val="lt1"/>
+    </dgm:linClrLst>
+    <dgm:effectClrLst/>
+    <dgm:txLinClrLst/>
+    <dgm:txFillClrLst meth="repeat">
+      <a:schemeClr val="lt1"/>
+    </dgm:txFillClrLst>
+    <dgm:txEffectClrLst/>
+  </dgm:styleLbl>
+  <dgm:styleLbl name="bgImgPlace1">
+    <dgm:fillClrLst meth="repeat">
+      <a:schemeClr val="accent1">
+        <a:tint val="50000"/>
+      </a:schemeClr>
+    </dgm:fillClrLst>
+    <dgm:linClrLst meth="repeat">
+      <a:schemeClr val="lt1"/>
+    </dgm:linClrLst>
+    <dgm:effectClrLst/>
+    <dgm:txLinClrLst/>
+    <dgm:txFillClrLst meth="repeat">
+      <a:schemeClr val="lt1"/>
+    </dgm:txFillClrLst>
+    <dgm:txEffectClrLst/>
+  </dgm:styleLbl>
+  <dgm:styleLbl name="sibTrans2D1">
+    <dgm:fillClrLst meth="repeat">
+      <a:schemeClr val="accent1">
+        <a:tint val="60000"/>
+      </a:schemeClr>
+    </dgm:fillClrLst>
+    <dgm:linClrLst meth="repeat">
+      <a:schemeClr val="accent1">
+        <a:tint val="60000"/>
+      </a:schemeClr>
+    </dgm:linClrLst>
+    <dgm:effectClrLst/>
+    <dgm:txLinClrLst/>
+    <dgm:txFillClrLst/>
+    <dgm:txEffectClrLst/>
+  </dgm:styleLbl>
+  <dgm:styleLbl name="fgSibTrans2D1">
+    <dgm:fillClrLst meth="repeat">
+      <a:schemeClr val="accent1">
+        <a:tint val="60000"/>
+      </a:schemeClr>
+    </dgm:fillClrLst>
+    <dgm:linClrLst meth="repeat">
+      <a:schemeClr val="accent1">
+        <a:tint val="60000"/>
+      </a:schemeClr>
+    </dgm:linClrLst>
+    <dgm:effectClrLst/>
+    <dgm:txLinClrLst/>
+    <dgm:txFillClrLst/>
+    <dgm:txEffectClrLst/>
+  </dgm:styleLbl>
+  <dgm:styleLbl name="bgSibTrans2D1">
+    <dgm:fillClrLst meth="repeat">
+      <a:schemeClr val="accent1">
+        <a:tint val="60000"/>
+      </a:schemeClr>
+    </dgm:fillClrLst>
+    <dgm:linClrLst meth="repeat">
+      <a:schemeClr val="accent1">
+        <a:tint val="60000"/>
+      </a:schemeClr>
+    </dgm:linClrLst>
+    <dgm:effectClrLst/>
+    <dgm:txLinClrLst/>
+    <dgm:txFillClrLst/>
+    <dgm:txEffectClrLst/>
+  </dgm:styleLbl>
+  <dgm:styleLbl name="sibTrans1D1">
+    <dgm:fillClrLst meth="repeat">
+      <a:schemeClr val="accent1"/>
+    </dgm:fillClrLst>
+    <dgm:linClrLst meth="repeat">
+      <a:schemeClr val="accent1"/>
+    </dgm:linClrLst>
+    <dgm:effectClrLst/>
+    <dgm:txLinClrLst/>
+    <dgm:txFillClrLst meth="repeat">
+      <a:schemeClr val="tx1"/>
+    </dgm:txFillClrLst>
+    <dgm:txEffectClrLst/>
+  </dgm:styleLbl>
+  <dgm:styleLbl name="callout">
+    <dgm:fillClrLst meth="repeat">
+      <a:schemeClr val="accent1"/>
+    </dgm:fillClrLst>
+    <dgm:linClrLst meth="repeat">
+      <a:schemeClr val="accent1">
+        <a:tint val="50000"/>
+      </a:schemeClr>
+    </dgm:linClrLst>
+    <dgm:effectClrLst/>
+    <dgm:txLinClrLst/>
+    <dgm:txFillClrLst meth="repeat">
+      <a:schemeClr val="tx1"/>
+    </dgm:txFillClrLst>
+    <dgm:txEffectClrLst/>
+  </dgm:styleLbl>
+  <dgm:styleLbl name="asst0">
+    <dgm:fillClrLst meth="repeat">
+      <a:schemeClr val="accent1"/>
+    </dgm:fillClrLst>
+    <dgm:linClrLst meth="repeat">
+      <a:schemeClr val="lt1"/>
+    </dgm:linClrLst>
+    <dgm:effectClrLst/>
+    <dgm:txLinClrLst/>
+    <dgm:txFillClrLst/>
+    <dgm:txEffectClrLst/>
+  </dgm:styleLbl>
+  <dgm:styleLbl name="asst1">
+    <dgm:fillClrLst meth="repeat">
+      <a:schemeClr val="accent1"/>
+    </dgm:fillClrLst>
+    <dgm:linClrLst meth="repeat">
+      <a:schemeClr val="lt1"/>
+    </dgm:linClrLst>
+    <dgm:effectClrLst/>
+    <dgm:txLinClrLst/>
+    <dgm:txFillClrLst/>
+    <dgm:txEffectClrLst/>
+  </dgm:styleLbl>
+  <dgm:styleLbl name="asst2">
+    <dgm:fillClrLst meth="repeat">
+      <a:schemeClr val="accent1"/>
+    </dgm:fillClrLst>
+    <dgm:linClrLst meth="repeat">
+      <a:schemeClr val="lt1"/>
+    </dgm:linClrLst>
+    <dgm:effectClrLst/>
+    <dgm:txLinClrLst/>
+    <dgm:txFillClrLst/>
+    <dgm:txEffectClrLst/>
+  </dgm:styleLbl>
+  <dgm:styleLbl name="asst3">
+    <dgm:fillClrLst meth="repeat">
+      <a:schemeClr val="accent1"/>
+    </dgm:fillClrLst>
+    <dgm:linClrLst meth="repeat">
+      <a:schemeClr val="lt1"/>
+    </dgm:linClrLst>
+    <dgm:effectClrLst/>
+    <dgm:txLinClrLst/>
+    <dgm:txFillClrLst/>
+    <dgm:txEffectClrLst/>
+  </dgm:styleLbl>
+  <dgm:styleLbl name="asst4">
+    <dgm:fillClrLst meth="repeat">
+      <a:schemeClr val="accent1"/>
+    </dgm:fillClrLst>
+    <dgm:linClrLst meth="repeat">
+      <a:schemeClr val="lt1"/>
+    </dgm:linClrLst>
+    <dgm:effectClrLst/>
+    <dgm:txLinClrLst/>
+    <dgm:txFillClrLst/>
+    <dgm:txEffectClrLst/>
+  </dgm:styleLbl>
+  <dgm:styleLbl name="parChTrans2D1">
+    <dgm:fillClrLst meth="repeat">
+      <a:schemeClr val="accent1">
+        <a:tint val="60000"/>
+      </a:schemeClr>
+    </dgm:fillClrLst>
+    <dgm:linClrLst meth="repeat">
+      <a:schemeClr val="accent1">
+        <a:tint val="60000"/>
+      </a:schemeClr>
+    </dgm:linClrLst>
+    <dgm:effectClrLst/>
+    <dgm:txLinClrLst/>
+    <dgm:txFillClrLst meth="repeat">
+      <a:schemeClr val="lt1"/>
+    </dgm:txFillClrLst>
+    <dgm:txEffectClrLst/>
+  </dgm:styleLbl>
+  <dgm:styleLbl name="parChTrans2D2">
+    <dgm:fillClrLst meth="repeat">
+      <a:schemeClr val="accent1"/>
+    </dgm:fillClrLst>
+    <dgm:linClrLst meth="repeat">
+      <a:schemeClr val="accent1"/>
+    </dgm:linClrLst>
+    <dgm:effectClrLst/>
+    <dgm:txLinClrLst/>
+    <dgm:txFillClrLst meth="repeat">
+      <a:schemeClr val="lt1"/>
+    </dgm:txFillClrLst>
+    <dgm:txEffectClrLst/>
+  </dgm:styleLbl>
+  <dgm:styleLbl name="parChTrans2D3">
+    <dgm:fillClrLst meth="repeat">
+      <a:schemeClr val="accent1"/>
+    </dgm:fillClrLst>
+    <dgm:linClrLst meth="repeat">
+      <a:schemeClr val="accent1"/>
+    </dgm:linClrLst>
+    <dgm:effectClrLst/>
+    <dgm:txLinClrLst/>
+    <dgm:txFillClrLst meth="repeat">
+      <a:schemeClr val="lt1"/>
+    </dgm:txFillClrLst>
+    <dgm:txEffectClrLst/>
+  </dgm:styleLbl>
+  <dgm:styleLbl name="parChTrans2D4">
+    <dgm:fillClrLst meth="repeat">
+      <a:schemeClr val="accent1"/>
+    </dgm:fillClrLst>
+    <dgm:linClrLst meth="repeat">
+      <a:schemeClr val="accent1"/>
+    </dgm:linClrLst>
+    <dgm:effectClrLst/>
+    <dgm:txLinClrLst/>
+    <dgm:txFillClrLst meth="repeat">
+      <a:schemeClr val="lt1"/>
+    </dgm:txFillClrLst>
+    <dgm:txEffectClrLst/>
+  </dgm:styleLbl>
+  <dgm:styleLbl name="parChTrans1D1">
+    <dgm:fillClrLst meth="repeat">
+      <a:schemeClr val="accent1"/>
+    </dgm:fillClrLst>
+    <dgm:linClrLst meth="repeat">
+      <a:schemeClr val="accent1">
+        <a:shade val="60000"/>
+      </a:schemeClr>
+    </dgm:linClrLst>
+    <dgm:effectClrLst/>
+    <dgm:txLinClrLst/>
+    <dgm:txFillClrLst meth="repeat">
+      <a:schemeClr val="tx1"/>
+    </dgm:txFillClrLst>
+    <dgm:txEffectClrLst/>
+  </dgm:styleLbl>
+  <dgm:styleLbl name="parChTrans1D2">
+    <dgm:fillClrLst meth="repeat">
+      <a:schemeClr val="accent1"/>
+    </dgm:fillClrLst>
+    <dgm:linClrLst meth="repeat">
+      <a:schemeClr val="accent1">
+        <a:shade val="60000"/>
+      </a:schemeClr>
+    </dgm:linClrLst>
+    <dgm:effectClrLst/>
+    <dgm:txLinClrLst/>
+    <dgm:txFillClrLst meth="repeat">
+      <a:schemeClr val="tx1"/>
+    </dgm:txFillClrLst>
+    <dgm:txEffectClrLst/>
+  </dgm:styleLbl>
+  <dgm:styleLbl name="parChTrans1D3">
+    <dgm:fillClrLst meth="repeat">
+      <a:schemeClr val="accent1"/>
+    </dgm:fillClrLst>
+    <dgm:linClrLst meth="repeat">
+      <a:schemeClr val="accent1">
+        <a:shade val="80000"/>
+      </a:schemeClr>
+    </dgm:linClrLst>
+    <dgm:effectClrLst/>
+    <dgm:txLinClrLst/>
+    <dgm:txFillClrLst meth="repeat">
+      <a:schemeClr val="tx1"/>
+    </dgm:txFillClrLst>
+    <dgm:txEffectClrLst/>
+  </dgm:styleLbl>
+  <dgm:styleLbl name="parChTrans1D4">
+    <dgm:fillClrLst meth="repeat">
+      <a:schemeClr val="accent1"/>
+    </dgm:fillClrLst>
+    <dgm:linClrLst meth="repeat">
+      <a:schemeClr val="accent1">
+        <a:shade val="80000"/>
+      </a:schemeClr>
+    </dgm:linClrLst>
+    <dgm:effectClrLst/>
+    <dgm:txLinClrLst/>
+    <dgm:txFillClrLst meth="repeat">
+      <a:schemeClr val="tx1"/>
+    </dgm:txFillClrLst>
+    <dgm:txEffectClrLst/>
+  </dgm:styleLbl>
+  <dgm:styleLbl name="fgAcc1">
+    <dgm:fillClrLst meth="repeat">
+      <a:schemeClr val="lt1">
+        <a:alpha val="90000"/>
+      </a:schemeClr>
+    </dgm:fillClrLst>
+    <dgm:linClrLst meth="repeat">
+      <a:schemeClr val="accent1"/>
+    </dgm:linClrLst>
+    <dgm:effectClrLst/>
+    <dgm:txLinClrLst/>
+    <dgm:txFillClrLst meth="repeat">
+      <a:schemeClr val="dk1"/>
+    </dgm:txFillClrLst>
+    <dgm:txEffectClrLst/>
+  </dgm:styleLbl>
+  <dgm:styleLbl name="conFgAcc1">
+    <dgm:fillClrLst meth="repeat">
+      <a:schemeClr val="lt1">
+        <a:alpha val="90000"/>
+      </a:schemeClr>
+    </dgm:fillClrLst>
+    <dgm:linClrLst meth="repeat">
+      <a:schemeClr val="accent1"/>
+    </dgm:linClrLst>
+    <dgm:effectClrLst/>
+    <dgm:txLinClrLst/>
+    <dgm:txFillClrLst meth="repeat">
+      <a:schemeClr val="dk1"/>
+    </dgm:txFillClrLst>
+    <dgm:txEffectClrLst/>
+  </dgm:styleLbl>
+  <dgm:styleLbl name="alignAcc1">
+    <dgm:fillClrLst meth="repeat">
+      <a:schemeClr val="lt1">
+        <a:alpha val="90000"/>
+      </a:schemeClr>
+    </dgm:fillClrLst>
+    <dgm:linClrLst meth="repeat">
+      <a:schemeClr val="accent1"/>
+    </dgm:linClrLst>
+    <dgm:effectClrLst/>
+    <dgm:txLinClrLst/>
+    <dgm:txFillClrLst meth="repeat">
+      <a:schemeClr val="dk1"/>
+    </dgm:txFillClrLst>
+    <dgm:txEffectClrLst/>
+  </dgm:styleLbl>
+  <dgm:styleLbl name="trAlignAcc1">
+    <dgm:fillClrLst meth="repeat">
+      <a:schemeClr val="lt1">
+        <a:alpha val="40000"/>
+      </a:schemeClr>
+    </dgm:fillClrLst>
+    <dgm:linClrLst meth="repeat">
+      <a:schemeClr val="accent1"/>
+    </dgm:linClrLst>
+    <dgm:effectClrLst/>
+    <dgm:txLinClrLst/>
+    <dgm:txFillClrLst meth="repeat">
+      <a:schemeClr val="dk1"/>
+    </dgm:txFillClrLst>
+    <dgm:txEffectClrLst/>
+  </dgm:styleLbl>
+  <dgm:styleLbl name="bgAcc1">
+    <dgm:fillClrLst meth="repeat">
+      <a:schemeClr val="lt1">
+        <a:alpha val="90000"/>
+      </a:schemeClr>
+    </dgm:fillClrLst>
+    <dgm:linClrLst meth="repeat">
+      <a:schemeClr val="accent1"/>
+    </dgm:linClrLst>
+    <dgm:effectClrLst/>
+    <dgm:txLinClrLst/>
+    <dgm:txFillClrLst meth="repeat">
+      <a:schemeClr val="dk1"/>
+    </dgm:txFillClrLst>
+    <dgm:txEffectClrLst/>
+  </dgm:styleLbl>
+  <dgm:styleLbl name="solidFgAcc1">
+    <dgm:fillClrLst meth="repeat">
+      <a:schemeClr val="lt1"/>
+    </dgm:fillClrLst>
+    <dgm:linClrLst meth="repeat">
+      <a:schemeClr val="accent1"/>
+    </dgm:linClrLst>
+    <dgm:effectClrLst/>
+    <dgm:txLinClrLst/>
+    <dgm:txFillClrLst meth="repeat">
+      <a:schemeClr val="dk1"/>
+    </dgm:txFillClrLst>
+    <dgm:txEffectClrLst/>
+  </dgm:styleLbl>
+  <dgm:styleLbl name="solidAlignAcc1">
+    <dgm:fillClrLst meth="repeat">
+      <a:schemeClr val="lt1"/>
+    </dgm:fillClrLst>
+    <dgm:linClrLst meth="repeat">
+      <a:schemeClr val="accent1"/>
+    </dgm:linClrLst>
+    <dgm:effectClrLst/>
+    <dgm:txLinClrLst/>
+    <dgm:txFillClrLst meth="repeat">
+      <a:schemeClr val="dk1"/>
+    </dgm:txFillClrLst>
+    <dgm:txEffectClrLst/>
+  </dgm:styleLbl>
+  <dgm:styleLbl name="solidBgAcc1">
+    <dgm:fillClrLst meth="repeat">
+      <a:schemeClr val="lt1"/>
+    </dgm:fillClrLst>
+    <dgm:linClrLst meth="repeat">
+      <a:schemeClr val="accent1"/>
+    </dgm:linClrLst>
+    <dgm:effectClrLst/>
+    <dgm:txLinClrLst/>
+    <dgm:txFillClrLst meth="repeat">
+      <a:schemeClr val="dk1"/>
+    </dgm:txFillClrLst>
+    <dgm:txEffectClrLst/>
+  </dgm:styleLbl>
+  <dgm:styleLbl name="fgAccFollowNode1">
+    <dgm:fillClrLst meth="repeat">
+      <a:schemeClr val="accent1">
+        <a:alpha val="90000"/>
+        <a:tint val="40000"/>
+      </a:schemeClr>
+    </dgm:fillClrLst>
+    <dgm:linClrLst meth="repeat">
+      <a:schemeClr val="accent1">
+        <a:alpha val="90000"/>
+        <a:tint val="40000"/>
+      </a:schemeClr>
+    </dgm:linClrLst>
+    <dgm:effectClrLst/>
+    <dgm:txLinClrLst/>
+    <dgm:txFillClrLst meth="repeat">
+      <a:schemeClr val="dk1"/>
+    </dgm:txFillClrLst>
+    <dgm:txEffectClrLst/>
+  </dgm:styleLbl>
+  <dgm:styleLbl name="alignAccFollowNode1">
+    <dgm:fillClrLst meth="repeat">
+      <a:schemeClr val="accent1">
+        <a:alpha val="90000"/>
+        <a:tint val="40000"/>
+      </a:schemeClr>
+    </dgm:fillClrLst>
+    <dgm:linClrLst meth="repeat">
+      <a:schemeClr val="accent1">
+        <a:alpha val="90000"/>
+        <a:tint val="40000"/>
+      </a:schemeClr>
+    </dgm:linClrLst>
+    <dgm:effectClrLst/>
+    <dgm:txLinClrLst/>
+    <dgm:txFillClrLst meth="repeat">
+      <a:schemeClr val="dk1"/>
+    </dgm:txFillClrLst>
+    <dgm:txEffectClrLst/>
+  </dgm:styleLbl>
+  <dgm:styleLbl name="bgAccFollowNode1">
+    <dgm:fillClrLst meth="repeat">
+      <a:schemeClr val="accent1">
+        <a:alpha val="90000"/>
+        <a:tint val="40000"/>
+      </a:schemeClr>
+    </dgm:fillClrLst>
+    <dgm:linClrLst meth="repeat">
+      <a:schemeClr val="accent1">
+        <a:alpha val="90000"/>
+        <a:tint val="40000"/>
+      </a:schemeClr>
+    </dgm:linClrLst>
+    <dgm:effectClrLst/>
+    <dgm:txLinClrLst/>
+    <dgm:txFillClrLst meth="repeat">
+      <a:schemeClr val="dk1"/>
+    </dgm:txFillClrLst>
+    <dgm:txEffectClrLst/>
+  </dgm:styleLbl>
+  <dgm:styleLbl name="fgAcc0">
+    <dgm:fillClrLst meth="repeat">
+      <a:schemeClr val="lt1">
+        <a:alpha val="90000"/>
+      </a:schemeClr>
+    </dgm:fillClrLst>
+    <dgm:linClrLst meth="repeat">
+      <a:schemeClr val="accent1"/>
+    </dgm:linClrLst>
+    <dgm:effectClrLst/>
+    <dgm:txLinClrLst/>
+    <dgm:txFillClrLst meth="repeat">
+      <a:schemeClr val="dk1"/>
+    </dgm:txFillClrLst>
+    <dgm:txEffectClrLst/>
+  </dgm:styleLbl>
+  <dgm:styleLbl name="fgAcc2">
+    <dgm:fillClrLst meth="repeat">
+      <a:schemeClr val="lt1">
+        <a:alpha val="90000"/>
+      </a:schemeClr>
+    </dgm:fillClrLst>
+    <dgm:linClrLst meth="repeat">
+      <a:schemeClr val="accent1"/>
+    </dgm:linClrLst>
+    <dgm:effectClrLst/>
+    <dgm:txLinClrLst/>
+    <dgm:txFillClrLst meth="repeat">
+      <a:schemeClr val="dk1"/>
+    </dgm:txFillClrLst>
+    <dgm:txEffectClrLst/>
+  </dgm:styleLbl>
+  <dgm:styleLbl name="fgAcc3">
+    <dgm:fillClrLst meth="repeat">
+      <a:schemeClr val="lt1">
+        <a:alpha val="90000"/>
+      </a:schemeClr>
+    </dgm:fillClrLst>
+    <dgm:linClrLst meth="repeat">
+      <a:schemeClr val="accent1"/>
+    </dgm:linClrLst>
+    <dgm:effectClrLst/>
+    <dgm:txLinClrLst/>
+    <dgm:txFillClrLst meth="repeat">
+      <a:schemeClr val="dk1"/>
+    </dgm:txFillClrLst>
+    <dgm:txEffectClrLst/>
+  </dgm:styleLbl>
+  <dgm:styleLbl name="fgAcc4">
+    <dgm:fillClrLst meth="repeat">
+      <a:schemeClr val="lt1">
+        <a:alpha val="90000"/>
+      </a:schemeClr>
+    </dgm:fillClrLst>
+    <dgm:linClrLst meth="repeat">
+      <a:schemeClr val="accent1"/>
+    </dgm:linClrLst>
+    <dgm:effectClrLst/>
+    <dgm:txLinClrLst/>
+    <dgm:txFillClrLst meth="repeat">
+      <a:schemeClr val="dk1"/>
+    </dgm:txFillClrLst>
+    <dgm:txEffectClrLst/>
+  </dgm:styleLbl>
+  <dgm:styleLbl name="bgShp">
+    <dgm:fillClrLst meth="repeat">
+      <a:schemeClr val="bg1">
+        <a:lumMod val="95000"/>
+      </a:schemeClr>
+    </dgm:fillClrLst>
+    <dgm:linClrLst meth="repeat">
+      <a:schemeClr val="accent1"/>
+    </dgm:linClrLst>
+    <dgm:effectClrLst/>
+    <dgm:txLinClrLst/>
+    <dgm:txFillClrLst meth="repeat">
+      <a:schemeClr val="dk1"/>
+    </dgm:txFillClrLst>
+    <dgm:txEffectClrLst/>
+  </dgm:styleLbl>
+  <dgm:styleLbl name="dkBgShp">
+    <dgm:fillClrLst meth="repeat">
+      <a:schemeClr val="accent1">
+        <a:shade val="80000"/>
+      </a:schemeClr>
+    </dgm:fillClrLst>
+    <dgm:linClrLst meth="repeat">
+      <a:schemeClr val="accent1"/>
+    </dgm:linClrLst>
+    <dgm:effectClrLst/>
+    <dgm:txLinClrLst/>
+    <dgm:txFillClrLst meth="repeat">
+      <a:schemeClr val="lt1"/>
+    </dgm:txFillClrLst>
+    <dgm:txEffectClrLst/>
+  </dgm:styleLbl>
+  <dgm:styleLbl name="trBgShp">
+    <dgm:fillClrLst meth="repeat">
+      <a:schemeClr val="accent1">
+        <a:tint val="50000"/>
+        <a:alpha val="40000"/>
+      </a:schemeClr>
+    </dgm:fillClrLst>
+    <dgm:linClrLst meth="repeat">
+      <a:schemeClr val="accent1"/>
+    </dgm:linClrLst>
+    <dgm:effectClrLst/>
+    <dgm:txLinClrLst/>
+    <dgm:txFillClrLst meth="repeat">
+      <a:schemeClr val="lt1"/>
+    </dgm:txFillClrLst>
+    <dgm:txEffectClrLst/>
+  </dgm:styleLbl>
+  <dgm:styleLbl name="fgShp">
+    <dgm:fillClrLst meth="repeat">
+      <a:schemeClr val="accent1">
+        <a:tint val="60000"/>
+      </a:schemeClr>
+    </dgm:fillClrLst>
+    <dgm:linClrLst meth="repeat">
+      <a:schemeClr val="lt1"/>
+    </dgm:linClrLst>
+    <dgm:effectClrLst/>
+    <dgm:txLinClrLst/>
+    <dgm:txFillClrLst meth="repeat">
+      <a:schemeClr val="dk1"/>
+    </dgm:txFillClrLst>
+    <dgm:txEffectClrLst/>
+  </dgm:styleLbl>
+  <dgm:styleLbl name="revTx">
+    <dgm:fillClrLst meth="repeat">
+      <a:schemeClr val="lt1">
+        <a:alpha val="0"/>
+      </a:schemeClr>
+    </dgm:fillClrLst>
+    <dgm:linClrLst meth="repeat">
+      <a:schemeClr val="dk1">
+        <a:alpha val="0"/>
+      </a:schemeClr>
+    </dgm:linClrLst>
+    <dgm:effectClrLst/>
+    <dgm:txLinClrLst/>
+    <dgm:txFillClrLst meth="repeat">
+      <a:schemeClr val="tx1"/>
+    </dgm:txFillClrLst>
+    <dgm:txEffectClrLst/>
+  </dgm:styleLbl>
+</dgm:colorsDef>
+</file>
+
+<file path=ppt/diagrams/colors5.xml><?xml version="1.0" encoding="utf-8"?>
+<dgm:colorsDef xmlns:dgm="http://schemas.openxmlformats.org/drawingml/2006/diagram" xmlns:a="http://schemas.openxmlformats.org/drawingml/2006/main" uniqueId="urn:microsoft.com/office/officeart/2005/8/colors/accent1_2">
+  <dgm:title val=""/>
+  <dgm:desc val=""/>
+  <dgm:catLst>
+    <dgm:cat type="accent1" pri="11200"/>
+  </dgm:catLst>
+  <dgm:styleLbl name="node0">
+    <dgm:fillClrLst meth="repeat">
+      <a:schemeClr val="accent1"/>
+    </dgm:fillClrLst>
+    <dgm:linClrLst meth="repeat">
+      <a:schemeClr val="lt1"/>
+    </dgm:linClrLst>
+    <dgm:effectClrLst/>
+    <dgm:txLinClrLst/>
+    <dgm:txFillClrLst/>
+    <dgm:txEffectClrLst/>
+  </dgm:styleLbl>
+  <dgm:styleLbl name="alignNode1">
+    <dgm:fillClrLst meth="repeat">
+      <a:schemeClr val="accent1"/>
+    </dgm:fillClrLst>
+    <dgm:linClrLst meth="repeat">
+      <a:schemeClr val="accent1"/>
+    </dgm:linClrLst>
+    <dgm:effectClrLst/>
+    <dgm:txLinClrLst/>
+    <dgm:txFillClrLst/>
+    <dgm:txEffectClrLst/>
+  </dgm:styleLbl>
+  <dgm:styleLbl name="node1">
+    <dgm:fillClrLst meth="repeat">
+      <a:schemeClr val="accent1"/>
+    </dgm:fillClrLst>
+    <dgm:linClrLst meth="repeat">
+      <a:schemeClr val="lt1"/>
+    </dgm:linClrLst>
+    <dgm:effectClrLst/>
+    <dgm:txLinClrLst/>
+    <dgm:txFillClrLst/>
+    <dgm:txEffectClrLst/>
+  </dgm:styleLbl>
+  <dgm:styleLbl name="lnNode1">
+    <dgm:fillClrLst meth="repeat">
+      <a:schemeClr val="accent1"/>
+    </dgm:fillClrLst>
+    <dgm:linClrLst meth="repeat">
+      <a:schemeClr val="lt1"/>
+    </dgm:linClrLst>
+    <dgm:effectClrLst/>
+    <dgm:txLinClrLst/>
+    <dgm:txFillClrLst/>
+    <dgm:txEffectClrLst/>
+  </dgm:styleLbl>
+  <dgm:styleLbl name="vennNode1">
+    <dgm:fillClrLst meth="repeat">
+      <a:schemeClr val="accent1">
+        <a:alpha val="50000"/>
+      </a:schemeClr>
+    </dgm:fillClrLst>
+    <dgm:linClrLst meth="repeat">
+      <a:schemeClr val="lt1"/>
+    </dgm:linClrLst>
+    <dgm:effectClrLst/>
+    <dgm:txLinClrLst/>
+    <dgm:txFillClrLst/>
+    <dgm:txEffectClrLst/>
+  </dgm:styleLbl>
+  <dgm:styleLbl name="node2">
+    <dgm:fillClrLst meth="repeat">
+      <a:schemeClr val="accent1"/>
+    </dgm:fillClrLst>
+    <dgm:linClrLst meth="repeat">
+      <a:schemeClr val="lt1"/>
+    </dgm:linClrLst>
+    <dgm:effectClrLst/>
+    <dgm:txLinClrLst/>
+    <dgm:txFillClrLst/>
+    <dgm:txEffectClrLst/>
+  </dgm:styleLbl>
+  <dgm:styleLbl name="node3">
+    <dgm:fillClrLst meth="repeat">
+      <a:schemeClr val="accent1"/>
+    </dgm:fillClrLst>
+    <dgm:linClrLst meth="repeat">
+      <a:schemeClr val="lt1"/>
+    </dgm:linClrLst>
+    <dgm:effectClrLst/>
+    <dgm:txLinClrLst/>
+    <dgm:txFillClrLst/>
+    <dgm:txEffectClrLst/>
+  </dgm:styleLbl>
+  <dgm:styleLbl name="node4">
+    <dgm:fillClrLst meth="repeat">
+      <a:schemeClr val="accent1"/>
+    </dgm:fillClrLst>
+    <dgm:linClrLst meth="repeat">
+      <a:schemeClr val="lt1"/>
+    </dgm:linClrLst>
+    <dgm:effectClrLst/>
+    <dgm:txLinClrLst/>
+    <dgm:txFillClrLst/>
+    <dgm:txEffectClrLst/>
+  </dgm:styleLbl>
+  <dgm:styleLbl name="fgImgPlace1">
+    <dgm:fillClrLst meth="repeat">
+      <a:schemeClr val="accent1">
+        <a:tint val="50000"/>
+      </a:schemeClr>
+    </dgm:fillClrLst>
+    <dgm:linClrLst meth="repeat">
+      <a:schemeClr val="lt1"/>
+    </dgm:linClrLst>
+    <dgm:effectClrLst/>
+    <dgm:txLinClrLst/>
+    <dgm:txFillClrLst meth="repeat">
+      <a:schemeClr val="lt1"/>
+    </dgm:txFillClrLst>
+    <dgm:txEffectClrLst/>
+  </dgm:styleLbl>
+  <dgm:styleLbl name="alignImgPlace1">
+    <dgm:fillClrLst meth="repeat">
+      <a:schemeClr val="accent1">
+        <a:tint val="50000"/>
+      </a:schemeClr>
+    </dgm:fillClrLst>
+    <dgm:linClrLst meth="repeat">
+      <a:schemeClr val="lt1"/>
+    </dgm:linClrLst>
+    <dgm:effectClrLst/>
+    <dgm:txLinClrLst/>
+    <dgm:txFillClrLst meth="repeat">
+      <a:schemeClr val="lt1"/>
+    </dgm:txFillClrLst>
+    <dgm:txEffectClrLst/>
+  </dgm:styleLbl>
+  <dgm:styleLbl name="bgImgPlace1">
+    <dgm:fillClrLst meth="repeat">
+      <a:schemeClr val="accent1">
+        <a:tint val="50000"/>
+      </a:schemeClr>
+    </dgm:fillClrLst>
+    <dgm:linClrLst meth="repeat">
+      <a:schemeClr val="lt1"/>
+    </dgm:linClrLst>
+    <dgm:effectClrLst/>
+    <dgm:txLinClrLst/>
+    <dgm:txFillClrLst meth="repeat">
+      <a:schemeClr val="lt1"/>
+    </dgm:txFillClrLst>
+    <dgm:txEffectClrLst/>
+  </dgm:styleLbl>
+  <dgm:styleLbl name="sibTrans2D1">
+    <dgm:fillClrLst meth="repeat">
+      <a:schemeClr val="accent1">
+        <a:tint val="60000"/>
+      </a:schemeClr>
+    </dgm:fillClrLst>
+    <dgm:linClrLst meth="repeat">
+      <a:schemeClr val="accent1">
+        <a:tint val="60000"/>
+      </a:schemeClr>
+    </dgm:linClrLst>
+    <dgm:effectClrLst/>
+    <dgm:txLinClrLst/>
+    <dgm:txFillClrLst/>
+    <dgm:txEffectClrLst/>
+  </dgm:styleLbl>
+  <dgm:styleLbl name="fgSibTrans2D1">
+    <dgm:fillClrLst meth="repeat">
+      <a:schemeClr val="accent1">
+        <a:tint val="60000"/>
+      </a:schemeClr>
+    </dgm:fillClrLst>
+    <dgm:linClrLst meth="repeat">
+      <a:schemeClr val="accent1">
+        <a:tint val="60000"/>
+      </a:schemeClr>
+    </dgm:linClrLst>
+    <dgm:effectClrLst/>
+    <dgm:txLinClrLst/>
+    <dgm:txFillClrLst/>
+    <dgm:txEffectClrLst/>
+  </dgm:styleLbl>
+  <dgm:styleLbl name="bgSibTrans2D1">
+    <dgm:fillClrLst meth="repeat">
+      <a:schemeClr val="accent1">
+        <a:tint val="60000"/>
+      </a:schemeClr>
+    </dgm:fillClrLst>
+    <dgm:linClrLst meth="repeat">
+      <a:schemeClr val="accent1">
+        <a:tint val="60000"/>
+      </a:schemeClr>
+    </dgm:linClrLst>
+    <dgm:effectClrLst/>
+    <dgm:txLinClrLst/>
+    <dgm:txFillClrLst/>
+    <dgm:txEffectClrLst/>
+  </dgm:styleLbl>
+  <dgm:styleLbl name="sibTrans1D1">
+    <dgm:fillClrLst meth="repeat">
+      <a:schemeClr val="accent1"/>
+    </dgm:fillClrLst>
+    <dgm:linClrLst meth="repeat">
+      <a:schemeClr val="accent1"/>
+    </dgm:linClrLst>
+    <dgm:effectClrLst/>
+    <dgm:txLinClrLst/>
+    <dgm:txFillClrLst meth="repeat">
+      <a:schemeClr val="tx1"/>
+    </dgm:txFillClrLst>
+    <dgm:txEffectClrLst/>
+  </dgm:styleLbl>
+  <dgm:styleLbl name="callout">
+    <dgm:fillClrLst meth="repeat">
+      <a:schemeClr val="accent1"/>
+    </dgm:fillClrLst>
+    <dgm:linClrLst meth="repeat">
+      <a:schemeClr val="accent1">
+        <a:tint val="50000"/>
+      </a:schemeClr>
+    </dgm:linClrLst>
+    <dgm:effectClrLst/>
+    <dgm:txLinClrLst/>
+    <dgm:txFillClrLst meth="repeat">
+      <a:schemeClr val="tx1"/>
+    </dgm:txFillClrLst>
+    <dgm:txEffectClrLst/>
+  </dgm:styleLbl>
+  <dgm:styleLbl name="asst0">
+    <dgm:fillClrLst meth="repeat">
+      <a:schemeClr val="accent1"/>
+    </dgm:fillClrLst>
+    <dgm:linClrLst meth="repeat">
+      <a:schemeClr val="lt1"/>
+    </dgm:linClrLst>
+    <dgm:effectClrLst/>
+    <dgm:txLinClrLst/>
+    <dgm:txFillClrLst/>
+    <dgm:txEffectClrLst/>
+  </dgm:styleLbl>
+  <dgm:styleLbl name="asst1">
+    <dgm:fillClrLst meth="repeat">
+      <a:schemeClr val="accent1"/>
+    </dgm:fillClrLst>
+    <dgm:linClrLst meth="repeat">
+      <a:schemeClr val="lt1"/>
+    </dgm:linClrLst>
+    <dgm:effectClrLst/>
+    <dgm:txLinClrLst/>
+    <dgm:txFillClrLst/>
+    <dgm:txEffectClrLst/>
+  </dgm:styleLbl>
+  <dgm:styleLbl name="asst2">
+    <dgm:fillClrLst meth="repeat">
+      <a:schemeClr val="accent1"/>
+    </dgm:fillClrLst>
+    <dgm:linClrLst meth="repeat">
+      <a:schemeClr val="lt1"/>
+    </dgm:linClrLst>
+    <dgm:effectClrLst/>
+    <dgm:txLinClrLst/>
+    <dgm:txFillClrLst/>
+    <dgm:txEffectClrLst/>
+  </dgm:styleLbl>
+  <dgm:styleLbl name="asst3">
+    <dgm:fillClrLst meth="repeat">
+      <a:schemeClr val="accent1"/>
+    </dgm:fillClrLst>
+    <dgm:linClrLst meth="repeat">
+      <a:schemeClr val="lt1"/>
+    </dgm:linClrLst>
+    <dgm:effectClrLst/>
+    <dgm:txLinClrLst/>
+    <dgm:txFillClrLst/>
+    <dgm:txEffectClrLst/>
+  </dgm:styleLbl>
+  <dgm:styleLbl name="asst4">
+    <dgm:fillClrLst meth="repeat">
+      <a:schemeClr val="accent1"/>
+    </dgm:fillClrLst>
+    <dgm:linClrLst meth="repeat">
+      <a:schemeClr val="lt1"/>
+    </dgm:linClrLst>
+    <dgm:effectClrLst/>
+    <dgm:txLinClrLst/>
+    <dgm:txFillClrLst/>
+    <dgm:txEffectClrLst/>
+  </dgm:styleLbl>
+  <dgm:styleLbl name="parChTrans2D1">
+    <dgm:fillClrLst meth="repeat">
+      <a:schemeClr val="accent1">
+        <a:tint val="60000"/>
+      </a:schemeClr>
+    </dgm:fillClrLst>
+    <dgm:linClrLst meth="repeat">
+      <a:schemeClr val="accent1">
+        <a:tint val="60000"/>
+      </a:schemeClr>
+    </dgm:linClrLst>
+    <dgm:effectClrLst/>
+    <dgm:txLinClrLst/>
+    <dgm:txFillClrLst meth="repeat">
+      <a:schemeClr val="lt1"/>
+    </dgm:txFillClrLst>
+    <dgm:txEffectClrLst/>
+  </dgm:styleLbl>
+  <dgm:styleLbl name="parChTrans2D2">
+    <dgm:fillClrLst meth="repeat">
+      <a:schemeClr val="accent1"/>
+    </dgm:fillClrLst>
+    <dgm:linClrLst meth="repeat">
+      <a:schemeClr val="accent1"/>
+    </dgm:linClrLst>
+    <dgm:effectClrLst/>
+    <dgm:txLinClrLst/>
+    <dgm:txFillClrLst meth="repeat">
+      <a:schemeClr val="lt1"/>
+    </dgm:txFillClrLst>
+    <dgm:txEffectClrLst/>
+  </dgm:styleLbl>
+  <dgm:styleLbl name="parChTrans2D3">
+    <dgm:fillClrLst meth="repeat">
+      <a:schemeClr val="accent1"/>
+    </dgm:fillClrLst>
+    <dgm:linClrLst meth="repeat">
+      <a:schemeClr val="accent1"/>
+    </dgm:linClrLst>
+    <dgm:effectClrLst/>
+    <dgm:txLinClrLst/>
+    <dgm:txFillClrLst meth="repeat">
+      <a:schemeClr val="lt1"/>
+    </dgm:txFillClrLst>
+    <dgm:txEffectClrLst/>
+  </dgm:styleLbl>
+  <dgm:styleLbl name="parChTrans2D4">
+    <dgm:fillClrLst meth="repeat">
+      <a:schemeClr val="accent1"/>
+    </dgm:fillClrLst>
+    <dgm:linClrLst meth="repeat">
+      <a:schemeClr val="accent1"/>
+    </dgm:linClrLst>
+    <dgm:effectClrLst/>
+    <dgm:txLinClrLst/>
+    <dgm:txFillClrLst meth="repeat">
+      <a:schemeClr val="lt1"/>
+    </dgm:txFillClrLst>
+    <dgm:txEffectClrLst/>
+  </dgm:styleLbl>
+  <dgm:styleLbl name="parChTrans1D1">
+    <dgm:fillClrLst meth="repeat">
+      <a:schemeClr val="accent1"/>
+    </dgm:fillClrLst>
+    <dgm:linClrLst meth="repeat">
+      <a:schemeClr val="accent1">
+        <a:shade val="60000"/>
+      </a:schemeClr>
+    </dgm:linClrLst>
+    <dgm:effectClrLst/>
+    <dgm:txLinClrLst/>
+    <dgm:txFillClrLst meth="repeat">
+      <a:schemeClr val="tx1"/>
+    </dgm:txFillClrLst>
+    <dgm:txEffectClrLst/>
+  </dgm:styleLbl>
+  <dgm:styleLbl name="parChTrans1D2">
+    <dgm:fillClrLst meth="repeat">
+      <a:schemeClr val="accent1"/>
+    </dgm:fillClrLst>
+    <dgm:linClrLst meth="repeat">
+      <a:schemeClr val="accent1">
+        <a:shade val="60000"/>
+      </a:schemeClr>
+    </dgm:linClrLst>
+    <dgm:effectClrLst/>
+    <dgm:txLinClrLst/>
+    <dgm:txFillClrLst meth="repeat">
+      <a:schemeClr val="tx1"/>
+    </dgm:txFillClrLst>
+    <dgm:txEffectClrLst/>
+  </dgm:styleLbl>
+  <dgm:styleLbl name="parChTrans1D3">
+    <dgm:fillClrLst meth="repeat">
+      <a:schemeClr val="accent1"/>
+    </dgm:fillClrLst>
+    <dgm:linClrLst meth="repeat">
+      <a:schemeClr val="accent1">
+        <a:shade val="80000"/>
+      </a:schemeClr>
+    </dgm:linClrLst>
+    <dgm:effectClrLst/>
+    <dgm:txLinClrLst/>
+    <dgm:txFillClrLst meth="repeat">
+      <a:schemeClr val="tx1"/>
+    </dgm:txFillClrLst>
+    <dgm:txEffectClrLst/>
+  </dgm:styleLbl>
+  <dgm:styleLbl name="parChTrans1D4">
+    <dgm:fillClrLst meth="repeat">
+      <a:schemeClr val="accent1"/>
+    </dgm:fillClrLst>
+    <dgm:linClrLst meth="repeat">
+      <a:schemeClr val="accent1">
+        <a:shade val="80000"/>
+      </a:schemeClr>
+    </dgm:linClrLst>
+    <dgm:effectClrLst/>
+    <dgm:txLinClrLst/>
+    <dgm:txFillClrLst meth="repeat">
+      <a:schemeClr val="tx1"/>
+    </dgm:txFillClrLst>
+    <dgm:txEffectClrLst/>
+  </dgm:styleLbl>
+  <dgm:styleLbl name="fgAcc1">
+    <dgm:fillClrLst meth="repeat">
+      <a:schemeClr val="lt1">
+        <a:alpha val="90000"/>
+      </a:schemeClr>
+    </dgm:fillClrLst>
+    <dgm:linClrLst meth="repeat">
+      <a:schemeClr val="accent1"/>
+    </dgm:linClrLst>
+    <dgm:effectClrLst/>
+    <dgm:txLinClrLst/>
+    <dgm:txFillClrLst meth="repeat">
+      <a:schemeClr val="dk1"/>
+    </dgm:txFillClrLst>
+    <dgm:txEffectClrLst/>
+  </dgm:styleLbl>
+  <dgm:styleLbl name="conFgAcc1">
+    <dgm:fillClrLst meth="repeat">
+      <a:schemeClr val="lt1">
+        <a:alpha val="90000"/>
+      </a:schemeClr>
+    </dgm:fillClrLst>
+    <dgm:linClrLst meth="repeat">
+      <a:schemeClr val="accent1"/>
+    </dgm:linClrLst>
+    <dgm:effectClrLst/>
+    <dgm:txLinClrLst/>
+    <dgm:txFillClrLst meth="repeat">
+      <a:schemeClr val="dk1"/>
+    </dgm:txFillClrLst>
+    <dgm:txEffectClrLst/>
+  </dgm:styleLbl>
+  <dgm:styleLbl name="alignAcc1">
+    <dgm:fillClrLst meth="repeat">
+      <a:schemeClr val="lt1">
+        <a:alpha val="90000"/>
+      </a:schemeClr>
+    </dgm:fillClrLst>
+    <dgm:linClrLst meth="repeat">
+      <a:schemeClr val="accent1"/>
+    </dgm:linClrLst>
+    <dgm:effectClrLst/>
+    <dgm:txLinClrLst/>
+    <dgm:txFillClrLst meth="repeat">
+      <a:schemeClr val="dk1"/>
+    </dgm:txFillClrLst>
+    <dgm:txEffectClrLst/>
+  </dgm:styleLbl>
+  <dgm:styleLbl name="trAlignAcc1">
+    <dgm:fillClrLst meth="repeat">
+      <a:schemeClr val="lt1">
+        <a:alpha val="40000"/>
+      </a:schemeClr>
+    </dgm:fillClrLst>
+    <dgm:linClrLst meth="repeat">
+      <a:schemeClr val="accent1"/>
+    </dgm:linClrLst>
+    <dgm:effectClrLst/>
+    <dgm:txLinClrLst/>
+    <dgm:txFillClrLst meth="repeat">
+      <a:schemeClr val="dk1"/>
+    </dgm:txFillClrLst>
+    <dgm:txEffectClrLst/>
+  </dgm:styleLbl>
+  <dgm:styleLbl name="bgAcc1">
+    <dgm:fillClrLst meth="repeat">
+      <a:schemeClr val="lt1">
+        <a:alpha val="90000"/>
+      </a:schemeClr>
+    </dgm:fillClrLst>
+    <dgm:linClrLst meth="repeat">
+      <a:schemeClr val="accent1"/>
+    </dgm:linClrLst>
+    <dgm:effectClrLst/>
+    <dgm:txLinClrLst/>
+    <dgm:txFillClrLst meth="repeat">
+      <a:schemeClr val="dk1"/>
+    </dgm:txFillClrLst>
+    <dgm:txEffectClrLst/>
+  </dgm:styleLbl>
+  <dgm:styleLbl name="solidFgAcc1">
+    <dgm:fillClrLst meth="repeat">
+      <a:schemeClr val="lt1"/>
+    </dgm:fillClrLst>
+    <dgm:linClrLst meth="repeat">
+      <a:schemeClr val="accent1"/>
+    </dgm:linClrLst>
+    <dgm:effectClrLst/>
+    <dgm:txLinClrLst/>
+    <dgm:txFillClrLst meth="repeat">
+      <a:schemeClr val="dk1"/>
+    </dgm:txFillClrLst>
+    <dgm:txEffectClrLst/>
+  </dgm:styleLbl>
+  <dgm:styleLbl name="solidAlignAcc1">
+    <dgm:fillClrLst meth="repeat">
+      <a:schemeClr val="lt1"/>
+    </dgm:fillClrLst>
+    <dgm:linClrLst meth="repeat">
+      <a:schemeClr val="accent1"/>
+    </dgm:linClrLst>
+    <dgm:effectClrLst/>
+    <dgm:txLinClrLst/>
+    <dgm:txFillClrLst meth="repeat">
+      <a:schemeClr val="dk1"/>
+    </dgm:txFillClrLst>
+    <dgm:txEffectClrLst/>
+  </dgm:styleLbl>
+  <dgm:styleLbl name="solidBgAcc1">
+    <dgm:fillClrLst meth="repeat">
+      <a:schemeClr val="lt1"/>
+    </dgm:fillClrLst>
+    <dgm:linClrLst meth="repeat">
+      <a:schemeClr val="accent1"/>
+    </dgm:linClrLst>
+    <dgm:effectClrLst/>
+    <dgm:txLinClrLst/>
+    <dgm:txFillClrLst meth="repeat">
+      <a:schemeClr val="dk1"/>
+    </dgm:txFillClrLst>
+    <dgm:txEffectClrLst/>
+  </dgm:styleLbl>
+  <dgm:styleLbl name="fgAccFollowNode1">
+    <dgm:fillClrLst meth="repeat">
+      <a:schemeClr val="accent1">
+        <a:alpha val="90000"/>
+        <a:tint val="40000"/>
+      </a:schemeClr>
+    </dgm:fillClrLst>
+    <dgm:linClrLst meth="repeat">
+      <a:schemeClr val="accent1">
+        <a:alpha val="90000"/>
+        <a:tint val="40000"/>
+      </a:schemeClr>
+    </dgm:linClrLst>
+    <dgm:effectClrLst/>
+    <dgm:txLinClrLst/>
+    <dgm:txFillClrLst meth="repeat">
+      <a:schemeClr val="dk1"/>
+    </dgm:txFillClrLst>
+    <dgm:txEffectClrLst/>
+  </dgm:styleLbl>
+  <dgm:styleLbl name="alignAccFollowNode1">
+    <dgm:fillClrLst meth="repeat">
+      <a:schemeClr val="accent1">
+        <a:alpha val="90000"/>
+        <a:tint val="40000"/>
+      </a:schemeClr>
+    </dgm:fillClrLst>
+    <dgm:linClrLst meth="repeat">
+      <a:schemeClr val="accent1">
+        <a:alpha val="90000"/>
+        <a:tint val="40000"/>
+      </a:schemeClr>
+    </dgm:linClrLst>
+    <dgm:effectClrLst/>
+    <dgm:txLinClrLst/>
+    <dgm:txFillClrLst meth="repeat">
+      <a:schemeClr val="dk1"/>
+    </dgm:txFillClrLst>
+    <dgm:txEffectClrLst/>
+  </dgm:styleLbl>
+  <dgm:styleLbl name="bgAccFollowNode1">
+    <dgm:fillClrLst meth="repeat">
+      <a:schemeClr val="accent1">
+        <a:alpha val="90000"/>
+        <a:tint val="40000"/>
+      </a:schemeClr>
+    </dgm:fillClrLst>
+    <dgm:linClrLst meth="repeat">
+      <a:schemeClr val="accent1">
+        <a:alpha val="90000"/>
+        <a:tint val="40000"/>
+      </a:schemeClr>
+    </dgm:linClrLst>
+    <dgm:effectClrLst/>
+    <dgm:txLinClrLst/>
+    <dgm:txFillClrLst meth="repeat">
+      <a:schemeClr val="dk1"/>
+    </dgm:txFillClrLst>
+    <dgm:txEffectClrLst/>
+  </dgm:styleLbl>
+  <dgm:styleLbl name="fgAcc0">
+    <dgm:fillClrLst meth="repeat">
+      <a:schemeClr val="lt1">
+        <a:alpha val="90000"/>
+      </a:schemeClr>
+    </dgm:fillClrLst>
+    <dgm:linClrLst meth="repeat">
+      <a:schemeClr val="accent1"/>
+    </dgm:linClrLst>
+    <dgm:effectClrLst/>
+    <dgm:txLinClrLst/>
+    <dgm:txFillClrLst meth="repeat">
+      <a:schemeClr val="dk1"/>
+    </dgm:txFillClrLst>
+    <dgm:txEffectClrLst/>
+  </dgm:styleLbl>
+  <dgm:styleLbl name="fgAcc2">
+    <dgm:fillClrLst meth="repeat">
+      <a:schemeClr val="lt1">
+        <a:alpha val="90000"/>
+      </a:schemeClr>
+    </dgm:fillClrLst>
+    <dgm:linClrLst meth="repeat">
+      <a:schemeClr val="accent1"/>
+    </dgm:linClrLst>
+    <dgm:effectClrLst/>
+    <dgm:txLinClrLst/>
+    <dgm:txFillClrLst meth="repeat">
+      <a:schemeClr val="dk1"/>
+    </dgm:txFillClrLst>
+    <dgm:txEffectClrLst/>
+  </dgm:styleLbl>
+  <dgm:styleLbl name="fgAcc3">
+    <dgm:fillClrLst meth="repeat">
+      <a:schemeClr val="lt1">
+        <a:alpha val="90000"/>
+      </a:schemeClr>
+    </dgm:fillClrLst>
+    <dgm:linClrLst meth="repeat">
+      <a:schemeClr val="accent1"/>
+    </dgm:linClrLst>
+    <dgm:effectClrLst/>
+    <dgm:txLinClrLst/>
+    <dgm:txFillClrLst meth="repeat">
+      <a:schemeClr val="dk1"/>
+    </dgm:txFillClrLst>
+    <dgm:txEffectClrLst/>
+  </dgm:styleLbl>
+  <dgm:styleLbl name="fgAcc4">
+    <dgm:fillClrLst meth="repeat">
+      <a:schemeClr val="lt1">
+        <a:alpha val="90000"/>
+      </a:schemeClr>
+    </dgm:fillClrLst>
+    <dgm:linClrLst meth="repeat">
+      <a:schemeClr val="accent1"/>
+    </dgm:linClrLst>
+    <dgm:effectClrLst/>
+    <dgm:txLinClrLst/>
+    <dgm:txFillClrLst meth="repeat">
+      <a:schemeClr val="dk1"/>
+    </dgm:txFillClrLst>
+    <dgm:txEffectClrLst/>
+  </dgm:styleLbl>
+  <dgm:styleLbl name="bgShp">
+    <dgm:fillClrLst meth="repeat">
+      <a:schemeClr val="accent1">
+        <a:tint val="40000"/>
       </a:schemeClr>
     </dgm:fillClrLst>
     <dgm:linClrLst meth="repeat">
@@ -3577,6 +5077,496 @@
   <dgm:extLst>
     <a:ext uri="http://schemas.microsoft.com/office/drawing/2008/diagram">
       <dsp:dataModelExt xmlns:dsp="http://schemas.microsoft.com/office/drawing/2008/diagram" relId="rId7" minVer="http://schemas.openxmlformats.org/drawingml/2006/diagram"/>
+    </a:ext>
+  </dgm:extLst>
+</dgm:dataModel>
+</file>
+
+<file path=ppt/diagrams/data4.xml><?xml version="1.0" encoding="utf-8"?>
+<dgm:dataModel xmlns:dgm="http://schemas.openxmlformats.org/drawingml/2006/diagram" xmlns:a="http://schemas.openxmlformats.org/drawingml/2006/main">
+  <dgm:ptLst>
+    <dgm:pt modelId="{BBC87786-62C5-4F36-BE74-03FBB42A1F04}" type="doc">
+      <dgm:prSet loTypeId="urn:microsoft.com/office/officeart/2005/8/layout/gear1" loCatId="icon" qsTypeId="urn:microsoft.com/office/officeart/2005/8/quickstyle/simple1" qsCatId="simple" csTypeId="urn:microsoft.com/office/officeart/2018/5/colors/Iconchunking_neutralbg_accent1_2" csCatId="accent1" phldr="1"/>
+      <dgm:spPr/>
+      <dgm:t>
+        <a:bodyPr/>
+        <a:lstStyle/>
+        <a:p>
+          <a:endParaRPr lang="en-US"/>
+        </a:p>
+      </dgm:t>
+    </dgm:pt>
+    <dgm:pt modelId="{3D788F9D-F33B-44C2-9A7F-2AFD0A2EF856}">
+      <dgm:prSet/>
+      <dgm:spPr/>
+      <dgm:t>
+        <a:bodyPr/>
+        <a:lstStyle/>
+        <a:p>
+          <a:pPr>
+            <a:defRPr cap="all"/>
+          </a:pPr>
+          <a:r>
+            <a:rPr lang="en-US"/>
+            <a:t>Logit Regression</a:t>
+          </a:r>
+        </a:p>
+      </dgm:t>
+    </dgm:pt>
+    <dgm:pt modelId="{7CA64946-97B0-4B7E-8759-F4300066896B}" type="parTrans" cxnId="{2D6ED15E-778A-4C19-ACA1-997C458D1586}">
+      <dgm:prSet/>
+      <dgm:spPr/>
+      <dgm:t>
+        <a:bodyPr/>
+        <a:lstStyle/>
+        <a:p>
+          <a:endParaRPr lang="en-US"/>
+        </a:p>
+      </dgm:t>
+    </dgm:pt>
+    <dgm:pt modelId="{FEA51929-7188-40B9-B7AC-69FE37A47D97}" type="sibTrans" cxnId="{2D6ED15E-778A-4C19-ACA1-997C458D1586}">
+      <dgm:prSet/>
+      <dgm:spPr/>
+      <dgm:t>
+        <a:bodyPr/>
+        <a:lstStyle/>
+        <a:p>
+          <a:endParaRPr lang="en-US"/>
+        </a:p>
+      </dgm:t>
+    </dgm:pt>
+    <dgm:pt modelId="{A1138915-FF89-4A25-8F78-AC0B3FB6231D}">
+      <dgm:prSet/>
+      <dgm:spPr/>
+      <dgm:t>
+        <a:bodyPr/>
+        <a:lstStyle/>
+        <a:p>
+          <a:pPr>
+            <a:defRPr cap="all"/>
+          </a:pPr>
+          <a:r>
+            <a:rPr lang="en-US"/>
+            <a:t>Random Forest</a:t>
+          </a:r>
+        </a:p>
+      </dgm:t>
+    </dgm:pt>
+    <dgm:pt modelId="{78C34C91-D60A-4DFF-85F3-F857F35D6074}" type="parTrans" cxnId="{5EED24DB-928C-4C28-89F1-4962CC4CED9C}">
+      <dgm:prSet/>
+      <dgm:spPr/>
+      <dgm:t>
+        <a:bodyPr/>
+        <a:lstStyle/>
+        <a:p>
+          <a:endParaRPr lang="en-US"/>
+        </a:p>
+      </dgm:t>
+    </dgm:pt>
+    <dgm:pt modelId="{F0065EE3-98BF-4095-B4C4-E0093CC495B5}" type="sibTrans" cxnId="{5EED24DB-928C-4C28-89F1-4962CC4CED9C}">
+      <dgm:prSet/>
+      <dgm:spPr/>
+      <dgm:t>
+        <a:bodyPr/>
+        <a:lstStyle/>
+        <a:p>
+          <a:endParaRPr lang="en-US"/>
+        </a:p>
+      </dgm:t>
+    </dgm:pt>
+    <dgm:pt modelId="{C4830EB8-3BFD-4606-899D-182FE40B133E}">
+      <dgm:prSet/>
+      <dgm:spPr/>
+      <dgm:t>
+        <a:bodyPr/>
+        <a:lstStyle/>
+        <a:p>
+          <a:pPr>
+            <a:defRPr cap="all"/>
+          </a:pPr>
+          <a:r>
+            <a:rPr lang="en-US"/>
+            <a:t>Caret</a:t>
+          </a:r>
+        </a:p>
+      </dgm:t>
+    </dgm:pt>
+    <dgm:pt modelId="{B4ECAD8C-2DF0-453E-B8A6-2C317EAFFB16}" type="parTrans" cxnId="{12FCEDB9-FD85-40C5-BE95-847C97794CF2}">
+      <dgm:prSet/>
+      <dgm:spPr/>
+      <dgm:t>
+        <a:bodyPr/>
+        <a:lstStyle/>
+        <a:p>
+          <a:endParaRPr lang="en-US"/>
+        </a:p>
+      </dgm:t>
+    </dgm:pt>
+    <dgm:pt modelId="{0E92FACB-7150-4EB9-B984-DFF306FB1C5E}" type="sibTrans" cxnId="{12FCEDB9-FD85-40C5-BE95-847C97794CF2}">
+      <dgm:prSet/>
+      <dgm:spPr/>
+      <dgm:t>
+        <a:bodyPr/>
+        <a:lstStyle/>
+        <a:p>
+          <a:endParaRPr lang="en-US"/>
+        </a:p>
+      </dgm:t>
+    </dgm:pt>
+    <dgm:pt modelId="{54F390E1-072B-804A-8827-F53D296D3351}" type="pres">
+      <dgm:prSet presAssocID="{BBC87786-62C5-4F36-BE74-03FBB42A1F04}" presName="composite" presStyleCnt="0">
+        <dgm:presLayoutVars>
+          <dgm:chMax val="3"/>
+          <dgm:animLvl val="lvl"/>
+          <dgm:resizeHandles val="exact"/>
+        </dgm:presLayoutVars>
+      </dgm:prSet>
+      <dgm:spPr/>
+    </dgm:pt>
+    <dgm:pt modelId="{9CFD04FD-7F93-904A-A210-39DC44CFF767}" type="pres">
+      <dgm:prSet presAssocID="{3D788F9D-F33B-44C2-9A7F-2AFD0A2EF856}" presName="gear1" presStyleLbl="node1" presStyleIdx="0" presStyleCnt="3">
+        <dgm:presLayoutVars>
+          <dgm:chMax val="1"/>
+          <dgm:bulletEnabled val="1"/>
+        </dgm:presLayoutVars>
+      </dgm:prSet>
+      <dgm:spPr/>
+    </dgm:pt>
+    <dgm:pt modelId="{A11208E4-7C83-FF4B-BA40-A5EE30A46137}" type="pres">
+      <dgm:prSet presAssocID="{3D788F9D-F33B-44C2-9A7F-2AFD0A2EF856}" presName="gear1srcNode" presStyleLbl="node1" presStyleIdx="0" presStyleCnt="3"/>
+      <dgm:spPr/>
+    </dgm:pt>
+    <dgm:pt modelId="{15F04537-1517-D342-AD27-469055CA0953}" type="pres">
+      <dgm:prSet presAssocID="{3D788F9D-F33B-44C2-9A7F-2AFD0A2EF856}" presName="gear1dstNode" presStyleLbl="node1" presStyleIdx="0" presStyleCnt="3"/>
+      <dgm:spPr/>
+    </dgm:pt>
+    <dgm:pt modelId="{5DB6F427-800F-AB41-8077-3320892FD179}" type="pres">
+      <dgm:prSet presAssocID="{A1138915-FF89-4A25-8F78-AC0B3FB6231D}" presName="gear2" presStyleLbl="node1" presStyleIdx="1" presStyleCnt="3">
+        <dgm:presLayoutVars>
+          <dgm:chMax val="1"/>
+          <dgm:bulletEnabled val="1"/>
+        </dgm:presLayoutVars>
+      </dgm:prSet>
+      <dgm:spPr/>
+    </dgm:pt>
+    <dgm:pt modelId="{EEAABFF4-8473-6247-9D27-B3E4636B0F4C}" type="pres">
+      <dgm:prSet presAssocID="{A1138915-FF89-4A25-8F78-AC0B3FB6231D}" presName="gear2srcNode" presStyleLbl="node1" presStyleIdx="1" presStyleCnt="3"/>
+      <dgm:spPr/>
+    </dgm:pt>
+    <dgm:pt modelId="{82F97268-3C20-C248-8F0D-CB9DA84E0DC8}" type="pres">
+      <dgm:prSet presAssocID="{A1138915-FF89-4A25-8F78-AC0B3FB6231D}" presName="gear2dstNode" presStyleLbl="node1" presStyleIdx="1" presStyleCnt="3"/>
+      <dgm:spPr/>
+    </dgm:pt>
+    <dgm:pt modelId="{212AB7BA-CC56-C54F-81B7-415FB91A1EE1}" type="pres">
+      <dgm:prSet presAssocID="{C4830EB8-3BFD-4606-899D-182FE40B133E}" presName="gear3" presStyleLbl="node1" presStyleIdx="2" presStyleCnt="3"/>
+      <dgm:spPr/>
+    </dgm:pt>
+    <dgm:pt modelId="{92973A33-42A8-D741-AF4E-3F6B279EFEB9}" type="pres">
+      <dgm:prSet presAssocID="{C4830EB8-3BFD-4606-899D-182FE40B133E}" presName="gear3tx" presStyleLbl="node1" presStyleIdx="2" presStyleCnt="3">
+        <dgm:presLayoutVars>
+          <dgm:chMax val="1"/>
+          <dgm:bulletEnabled val="1"/>
+        </dgm:presLayoutVars>
+      </dgm:prSet>
+      <dgm:spPr/>
+    </dgm:pt>
+    <dgm:pt modelId="{D85AC390-554E-3B41-96A3-7E00F064FA8A}" type="pres">
+      <dgm:prSet presAssocID="{C4830EB8-3BFD-4606-899D-182FE40B133E}" presName="gear3srcNode" presStyleLbl="node1" presStyleIdx="2" presStyleCnt="3"/>
+      <dgm:spPr/>
+    </dgm:pt>
+    <dgm:pt modelId="{96603EC7-0670-404A-BB62-660FA9A771D1}" type="pres">
+      <dgm:prSet presAssocID="{C4830EB8-3BFD-4606-899D-182FE40B133E}" presName="gear3dstNode" presStyleLbl="node1" presStyleIdx="2" presStyleCnt="3"/>
+      <dgm:spPr/>
+    </dgm:pt>
+    <dgm:pt modelId="{58F19FE2-88AB-5248-8FC8-194A81C6BAD6}" type="pres">
+      <dgm:prSet presAssocID="{FEA51929-7188-40B9-B7AC-69FE37A47D97}" presName="connector1" presStyleLbl="sibTrans2D1" presStyleIdx="0" presStyleCnt="3"/>
+      <dgm:spPr/>
+    </dgm:pt>
+    <dgm:pt modelId="{1852B133-1AF6-A44E-880E-68008AB27446}" type="pres">
+      <dgm:prSet presAssocID="{F0065EE3-98BF-4095-B4C4-E0093CC495B5}" presName="connector2" presStyleLbl="sibTrans2D1" presStyleIdx="1" presStyleCnt="3"/>
+      <dgm:spPr/>
+    </dgm:pt>
+    <dgm:pt modelId="{69955D84-609F-C84A-AA63-58CDFCCB4B33}" type="pres">
+      <dgm:prSet presAssocID="{0E92FACB-7150-4EB9-B984-DFF306FB1C5E}" presName="connector3" presStyleLbl="sibTrans2D1" presStyleIdx="2" presStyleCnt="3"/>
+      <dgm:spPr/>
+    </dgm:pt>
+  </dgm:ptLst>
+  <dgm:cxnLst>
+    <dgm:cxn modelId="{B79D6C16-74E9-FC4B-B6F2-B1129FA211CD}" type="presOf" srcId="{A1138915-FF89-4A25-8F78-AC0B3FB6231D}" destId="{82F97268-3C20-C248-8F0D-CB9DA84E0DC8}" srcOrd="2" destOrd="0" presId="urn:microsoft.com/office/officeart/2005/8/layout/gear1"/>
+    <dgm:cxn modelId="{AF2CD426-29C7-9244-876C-DB01A546ED63}" type="presOf" srcId="{3D788F9D-F33B-44C2-9A7F-2AFD0A2EF856}" destId="{9CFD04FD-7F93-904A-A210-39DC44CFF767}" srcOrd="0" destOrd="0" presId="urn:microsoft.com/office/officeart/2005/8/layout/gear1"/>
+    <dgm:cxn modelId="{0A4B0733-B77C-9044-9B71-9D7251617DF1}" type="presOf" srcId="{FEA51929-7188-40B9-B7AC-69FE37A47D97}" destId="{58F19FE2-88AB-5248-8FC8-194A81C6BAD6}" srcOrd="0" destOrd="0" presId="urn:microsoft.com/office/officeart/2005/8/layout/gear1"/>
+    <dgm:cxn modelId="{7182513C-1AC5-104A-B409-A20383B29888}" type="presOf" srcId="{3D788F9D-F33B-44C2-9A7F-2AFD0A2EF856}" destId="{15F04537-1517-D342-AD27-469055CA0953}" srcOrd="2" destOrd="0" presId="urn:microsoft.com/office/officeart/2005/8/layout/gear1"/>
+    <dgm:cxn modelId="{8137C150-C53D-DE47-A1FE-7D8F0B590D0E}" type="presOf" srcId="{0E92FACB-7150-4EB9-B984-DFF306FB1C5E}" destId="{69955D84-609F-C84A-AA63-58CDFCCB4B33}" srcOrd="0" destOrd="0" presId="urn:microsoft.com/office/officeart/2005/8/layout/gear1"/>
+    <dgm:cxn modelId="{2D6ED15E-778A-4C19-ACA1-997C458D1586}" srcId="{BBC87786-62C5-4F36-BE74-03FBB42A1F04}" destId="{3D788F9D-F33B-44C2-9A7F-2AFD0A2EF856}" srcOrd="0" destOrd="0" parTransId="{7CA64946-97B0-4B7E-8759-F4300066896B}" sibTransId="{FEA51929-7188-40B9-B7AC-69FE37A47D97}"/>
+    <dgm:cxn modelId="{B9098E60-9922-474A-A8DA-B5A87157EACE}" type="presOf" srcId="{3D788F9D-F33B-44C2-9A7F-2AFD0A2EF856}" destId="{A11208E4-7C83-FF4B-BA40-A5EE30A46137}" srcOrd="1" destOrd="0" presId="urn:microsoft.com/office/officeart/2005/8/layout/gear1"/>
+    <dgm:cxn modelId="{2BB90D66-8550-DC41-A239-79FD3EFF9274}" type="presOf" srcId="{C4830EB8-3BFD-4606-899D-182FE40B133E}" destId="{92973A33-42A8-D741-AF4E-3F6B279EFEB9}" srcOrd="1" destOrd="0" presId="urn:microsoft.com/office/officeart/2005/8/layout/gear1"/>
+    <dgm:cxn modelId="{27376167-31FF-AB4C-ACAD-8264B8BB3AB5}" type="presOf" srcId="{A1138915-FF89-4A25-8F78-AC0B3FB6231D}" destId="{EEAABFF4-8473-6247-9D27-B3E4636B0F4C}" srcOrd="1" destOrd="0" presId="urn:microsoft.com/office/officeart/2005/8/layout/gear1"/>
+    <dgm:cxn modelId="{72FA1F7B-48D9-304E-A364-8726DA1D9429}" type="presOf" srcId="{C4830EB8-3BFD-4606-899D-182FE40B133E}" destId="{D85AC390-554E-3B41-96A3-7E00F064FA8A}" srcOrd="2" destOrd="0" presId="urn:microsoft.com/office/officeart/2005/8/layout/gear1"/>
+    <dgm:cxn modelId="{6DD22A82-07CB-4246-A2D6-89C16CC818C5}" type="presOf" srcId="{C4830EB8-3BFD-4606-899D-182FE40B133E}" destId="{212AB7BA-CC56-C54F-81B7-415FB91A1EE1}" srcOrd="0" destOrd="0" presId="urn:microsoft.com/office/officeart/2005/8/layout/gear1"/>
+    <dgm:cxn modelId="{2153C39A-7534-FC49-AE00-56E50BE48320}" type="presOf" srcId="{C4830EB8-3BFD-4606-899D-182FE40B133E}" destId="{96603EC7-0670-404A-BB62-660FA9A771D1}" srcOrd="3" destOrd="0" presId="urn:microsoft.com/office/officeart/2005/8/layout/gear1"/>
+    <dgm:cxn modelId="{12FCEDB9-FD85-40C5-BE95-847C97794CF2}" srcId="{BBC87786-62C5-4F36-BE74-03FBB42A1F04}" destId="{C4830EB8-3BFD-4606-899D-182FE40B133E}" srcOrd="2" destOrd="0" parTransId="{B4ECAD8C-2DF0-453E-B8A6-2C317EAFFB16}" sibTransId="{0E92FACB-7150-4EB9-B984-DFF306FB1C5E}"/>
+    <dgm:cxn modelId="{71D86CC2-7FAE-404F-B5D0-DF7ABA03D261}" type="presOf" srcId="{BBC87786-62C5-4F36-BE74-03FBB42A1F04}" destId="{54F390E1-072B-804A-8827-F53D296D3351}" srcOrd="0" destOrd="0" presId="urn:microsoft.com/office/officeart/2005/8/layout/gear1"/>
+    <dgm:cxn modelId="{5EED24DB-928C-4C28-89F1-4962CC4CED9C}" srcId="{BBC87786-62C5-4F36-BE74-03FBB42A1F04}" destId="{A1138915-FF89-4A25-8F78-AC0B3FB6231D}" srcOrd="1" destOrd="0" parTransId="{78C34C91-D60A-4DFF-85F3-F857F35D6074}" sibTransId="{F0065EE3-98BF-4095-B4C4-E0093CC495B5}"/>
+    <dgm:cxn modelId="{0432F3DD-61C3-274B-9B63-D7A246F1A253}" type="presOf" srcId="{A1138915-FF89-4A25-8F78-AC0B3FB6231D}" destId="{5DB6F427-800F-AB41-8077-3320892FD179}" srcOrd="0" destOrd="0" presId="urn:microsoft.com/office/officeart/2005/8/layout/gear1"/>
+    <dgm:cxn modelId="{5611FFE9-A223-314D-B8D9-328C780AF95B}" type="presOf" srcId="{F0065EE3-98BF-4095-B4C4-E0093CC495B5}" destId="{1852B133-1AF6-A44E-880E-68008AB27446}" srcOrd="0" destOrd="0" presId="urn:microsoft.com/office/officeart/2005/8/layout/gear1"/>
+    <dgm:cxn modelId="{188EE535-55CB-4A41-B1A4-D2C8A43C81D0}" type="presParOf" srcId="{54F390E1-072B-804A-8827-F53D296D3351}" destId="{9CFD04FD-7F93-904A-A210-39DC44CFF767}" srcOrd="0" destOrd="0" presId="urn:microsoft.com/office/officeart/2005/8/layout/gear1"/>
+    <dgm:cxn modelId="{0660B125-A527-0C44-AA5C-FF648D2C055F}" type="presParOf" srcId="{54F390E1-072B-804A-8827-F53D296D3351}" destId="{A11208E4-7C83-FF4B-BA40-A5EE30A46137}" srcOrd="1" destOrd="0" presId="urn:microsoft.com/office/officeart/2005/8/layout/gear1"/>
+    <dgm:cxn modelId="{67C57464-12F5-D74C-8948-B7781716FA30}" type="presParOf" srcId="{54F390E1-072B-804A-8827-F53D296D3351}" destId="{15F04537-1517-D342-AD27-469055CA0953}" srcOrd="2" destOrd="0" presId="urn:microsoft.com/office/officeart/2005/8/layout/gear1"/>
+    <dgm:cxn modelId="{8BCCD688-E7C3-CF4A-92B7-96A31B048BEA}" type="presParOf" srcId="{54F390E1-072B-804A-8827-F53D296D3351}" destId="{5DB6F427-800F-AB41-8077-3320892FD179}" srcOrd="3" destOrd="0" presId="urn:microsoft.com/office/officeart/2005/8/layout/gear1"/>
+    <dgm:cxn modelId="{ABFFF694-0911-8849-A52B-C1167323B867}" type="presParOf" srcId="{54F390E1-072B-804A-8827-F53D296D3351}" destId="{EEAABFF4-8473-6247-9D27-B3E4636B0F4C}" srcOrd="4" destOrd="0" presId="urn:microsoft.com/office/officeart/2005/8/layout/gear1"/>
+    <dgm:cxn modelId="{E8CFB932-544B-B74E-B3D3-E67412405728}" type="presParOf" srcId="{54F390E1-072B-804A-8827-F53D296D3351}" destId="{82F97268-3C20-C248-8F0D-CB9DA84E0DC8}" srcOrd="5" destOrd="0" presId="urn:microsoft.com/office/officeart/2005/8/layout/gear1"/>
+    <dgm:cxn modelId="{0D1CC585-E457-C64D-9572-62841C709DF2}" type="presParOf" srcId="{54F390E1-072B-804A-8827-F53D296D3351}" destId="{212AB7BA-CC56-C54F-81B7-415FB91A1EE1}" srcOrd="6" destOrd="0" presId="urn:microsoft.com/office/officeart/2005/8/layout/gear1"/>
+    <dgm:cxn modelId="{F44274C6-3733-A842-929B-54D61128E612}" type="presParOf" srcId="{54F390E1-072B-804A-8827-F53D296D3351}" destId="{92973A33-42A8-D741-AF4E-3F6B279EFEB9}" srcOrd="7" destOrd="0" presId="urn:microsoft.com/office/officeart/2005/8/layout/gear1"/>
+    <dgm:cxn modelId="{D4D81CB8-806D-434A-9004-4AADCC925486}" type="presParOf" srcId="{54F390E1-072B-804A-8827-F53D296D3351}" destId="{D85AC390-554E-3B41-96A3-7E00F064FA8A}" srcOrd="8" destOrd="0" presId="urn:microsoft.com/office/officeart/2005/8/layout/gear1"/>
+    <dgm:cxn modelId="{6133DB09-E2B1-3D41-8073-F045430AAA68}" type="presParOf" srcId="{54F390E1-072B-804A-8827-F53D296D3351}" destId="{96603EC7-0670-404A-BB62-660FA9A771D1}" srcOrd="9" destOrd="0" presId="urn:microsoft.com/office/officeart/2005/8/layout/gear1"/>
+    <dgm:cxn modelId="{E3041162-F073-6B4C-85B4-E22BB4BB2D16}" type="presParOf" srcId="{54F390E1-072B-804A-8827-F53D296D3351}" destId="{58F19FE2-88AB-5248-8FC8-194A81C6BAD6}" srcOrd="10" destOrd="0" presId="urn:microsoft.com/office/officeart/2005/8/layout/gear1"/>
+    <dgm:cxn modelId="{08F78DAC-0261-E64D-AF59-3F256E878BF8}" type="presParOf" srcId="{54F390E1-072B-804A-8827-F53D296D3351}" destId="{1852B133-1AF6-A44E-880E-68008AB27446}" srcOrd="11" destOrd="0" presId="urn:microsoft.com/office/officeart/2005/8/layout/gear1"/>
+    <dgm:cxn modelId="{5EB0B38B-38D2-8847-9D5F-55647F57986B}" type="presParOf" srcId="{54F390E1-072B-804A-8827-F53D296D3351}" destId="{69955D84-609F-C84A-AA63-58CDFCCB4B33}" srcOrd="12" destOrd="0" presId="urn:microsoft.com/office/officeart/2005/8/layout/gear1"/>
+  </dgm:cxnLst>
+  <dgm:bg/>
+  <dgm:whole/>
+  <dgm:extLst>
+    <a:ext uri="http://schemas.microsoft.com/office/drawing/2008/diagram">
+      <dsp:dataModelExt xmlns:dsp="http://schemas.microsoft.com/office/drawing/2008/diagram" relId="rId6" minVer="http://schemas.openxmlformats.org/drawingml/2006/diagram"/>
+    </a:ext>
+  </dgm:extLst>
+</dgm:dataModel>
+</file>
+
+<file path=ppt/diagrams/data5.xml><?xml version="1.0" encoding="utf-8"?>
+<dgm:dataModel xmlns:dgm="http://schemas.openxmlformats.org/drawingml/2006/diagram" xmlns:a="http://schemas.openxmlformats.org/drawingml/2006/main">
+  <dgm:ptLst>
+    <dgm:pt modelId="{F75736E9-3148-4F87-8B16-03241FDB81A8}" type="doc">
+      <dgm:prSet loTypeId="urn:microsoft.com/office/officeart/2005/8/layout/matrix3" loCatId="matrix" qsTypeId="urn:microsoft.com/office/officeart/2005/8/quickstyle/simple1" qsCatId="simple" csTypeId="urn:microsoft.com/office/officeart/2005/8/colors/accent1_2" csCatId="accent1"/>
+      <dgm:spPr/>
+      <dgm:t>
+        <a:bodyPr/>
+        <a:lstStyle/>
+        <a:p>
+          <a:endParaRPr lang="en-US"/>
+        </a:p>
+      </dgm:t>
+    </dgm:pt>
+    <dgm:pt modelId="{ABC759EA-34CF-47BF-BA55-CF60FCE84280}">
+      <dgm:prSet/>
+      <dgm:spPr/>
+      <dgm:t>
+        <a:bodyPr/>
+        <a:lstStyle/>
+        <a:p>
+          <a:r>
+            <a:rPr lang="en-US"/>
+            <a:t>Young</a:t>
+          </a:r>
+        </a:p>
+      </dgm:t>
+    </dgm:pt>
+    <dgm:pt modelId="{08B81251-015B-4548-8947-9FD48D0C2CE4}" type="parTrans" cxnId="{478FDF11-B581-4D2F-951E-5A6F2B634889}">
+      <dgm:prSet/>
+      <dgm:spPr/>
+      <dgm:t>
+        <a:bodyPr/>
+        <a:lstStyle/>
+        <a:p>
+          <a:endParaRPr lang="en-US"/>
+        </a:p>
+      </dgm:t>
+    </dgm:pt>
+    <dgm:pt modelId="{FA001718-560E-4330-8254-710AD70C639C}" type="sibTrans" cxnId="{478FDF11-B581-4D2F-951E-5A6F2B634889}">
+      <dgm:prSet/>
+      <dgm:spPr/>
+      <dgm:t>
+        <a:bodyPr/>
+        <a:lstStyle/>
+        <a:p>
+          <a:endParaRPr lang="en-US"/>
+        </a:p>
+      </dgm:t>
+    </dgm:pt>
+    <dgm:pt modelId="{9DC3995B-4312-4308-9D92-2624E0AAFBB5}">
+      <dgm:prSet/>
+      <dgm:spPr/>
+      <dgm:t>
+        <a:bodyPr/>
+        <a:lstStyle/>
+        <a:p>
+          <a:r>
+            <a:rPr lang="en-US"/>
+            <a:t>Women</a:t>
+          </a:r>
+        </a:p>
+      </dgm:t>
+    </dgm:pt>
+    <dgm:pt modelId="{4E4C1B8F-527A-434E-AE96-C413FCE3CB67}" type="parTrans" cxnId="{4ACA6408-39E7-4585-84AF-8C9986B6CEB4}">
+      <dgm:prSet/>
+      <dgm:spPr/>
+      <dgm:t>
+        <a:bodyPr/>
+        <a:lstStyle/>
+        <a:p>
+          <a:endParaRPr lang="en-US"/>
+        </a:p>
+      </dgm:t>
+    </dgm:pt>
+    <dgm:pt modelId="{65A2DD63-55F0-42CA-91E5-009421D9AB18}" type="sibTrans" cxnId="{4ACA6408-39E7-4585-84AF-8C9986B6CEB4}">
+      <dgm:prSet/>
+      <dgm:spPr/>
+      <dgm:t>
+        <a:bodyPr/>
+        <a:lstStyle/>
+        <a:p>
+          <a:endParaRPr lang="en-US"/>
+        </a:p>
+      </dgm:t>
+    </dgm:pt>
+    <dgm:pt modelId="{3D647517-7CF7-4AB0-B81A-E7AE1389F6C9}">
+      <dgm:prSet/>
+      <dgm:spPr/>
+      <dgm:t>
+        <a:bodyPr/>
+        <a:lstStyle/>
+        <a:p>
+          <a:r>
+            <a:rPr lang="en-US"/>
+            <a:t>Reach</a:t>
+          </a:r>
+        </a:p>
+      </dgm:t>
+    </dgm:pt>
+    <dgm:pt modelId="{2A16D054-5605-45AE-9D4F-3E10EDFF5D21}" type="parTrans" cxnId="{94B9F28E-6A2A-4691-9547-236B0D4013E7}">
+      <dgm:prSet/>
+      <dgm:spPr/>
+      <dgm:t>
+        <a:bodyPr/>
+        <a:lstStyle/>
+        <a:p>
+          <a:endParaRPr lang="en-US"/>
+        </a:p>
+      </dgm:t>
+    </dgm:pt>
+    <dgm:pt modelId="{7BCF8434-BB9E-41B1-816F-2F4B3A6BBF47}" type="sibTrans" cxnId="{94B9F28E-6A2A-4691-9547-236B0D4013E7}">
+      <dgm:prSet/>
+      <dgm:spPr/>
+      <dgm:t>
+        <a:bodyPr/>
+        <a:lstStyle/>
+        <a:p>
+          <a:endParaRPr lang="en-US"/>
+        </a:p>
+      </dgm:t>
+    </dgm:pt>
+    <dgm:pt modelId="{C9778D81-EA8A-4386-A7E0-AEC3BDE6E167}">
+      <dgm:prSet/>
+      <dgm:spPr/>
+      <dgm:t>
+        <a:bodyPr/>
+        <a:lstStyle/>
+        <a:p>
+          <a:r>
+            <a:rPr lang="en-US"/>
+            <a:t>Lonely</a:t>
+          </a:r>
+        </a:p>
+      </dgm:t>
+    </dgm:pt>
+    <dgm:pt modelId="{5567C38B-F9C8-4532-A57B-4373C28DA931}" type="parTrans" cxnId="{8C3E09B0-4A5C-4AEA-B852-4C27E730DD59}">
+      <dgm:prSet/>
+      <dgm:spPr/>
+      <dgm:t>
+        <a:bodyPr/>
+        <a:lstStyle/>
+        <a:p>
+          <a:endParaRPr lang="en-US"/>
+        </a:p>
+      </dgm:t>
+    </dgm:pt>
+    <dgm:pt modelId="{93F198A2-5B14-46B9-887A-E1CBF2A78CAF}" type="sibTrans" cxnId="{8C3E09B0-4A5C-4AEA-B852-4C27E730DD59}">
+      <dgm:prSet/>
+      <dgm:spPr/>
+      <dgm:t>
+        <a:bodyPr/>
+        <a:lstStyle/>
+        <a:p>
+          <a:endParaRPr lang="en-US"/>
+        </a:p>
+      </dgm:t>
+    </dgm:pt>
+    <dgm:pt modelId="{AB6391B8-D977-AF40-BAF9-6BD4787EE395}" type="pres">
+      <dgm:prSet presAssocID="{F75736E9-3148-4F87-8B16-03241FDB81A8}" presName="matrix" presStyleCnt="0">
+        <dgm:presLayoutVars>
+          <dgm:chMax val="1"/>
+          <dgm:dir/>
+          <dgm:resizeHandles val="exact"/>
+        </dgm:presLayoutVars>
+      </dgm:prSet>
+      <dgm:spPr/>
+    </dgm:pt>
+    <dgm:pt modelId="{129B6CA5-B4BD-2049-BF97-0C6266F02BD6}" type="pres">
+      <dgm:prSet presAssocID="{F75736E9-3148-4F87-8B16-03241FDB81A8}" presName="diamond" presStyleLbl="bgShp" presStyleIdx="0" presStyleCnt="1"/>
+      <dgm:spPr/>
+    </dgm:pt>
+    <dgm:pt modelId="{042B9670-378D-234E-A5C8-E75057EC2BF1}" type="pres">
+      <dgm:prSet presAssocID="{F75736E9-3148-4F87-8B16-03241FDB81A8}" presName="quad1" presStyleLbl="node1" presStyleIdx="0" presStyleCnt="4">
+        <dgm:presLayoutVars>
+          <dgm:chMax val="0"/>
+          <dgm:chPref val="0"/>
+          <dgm:bulletEnabled val="1"/>
+        </dgm:presLayoutVars>
+      </dgm:prSet>
+      <dgm:spPr/>
+    </dgm:pt>
+    <dgm:pt modelId="{4BB187EB-DB04-BE48-9C84-721A819AA04D}" type="pres">
+      <dgm:prSet presAssocID="{F75736E9-3148-4F87-8B16-03241FDB81A8}" presName="quad2" presStyleLbl="node1" presStyleIdx="1" presStyleCnt="4">
+        <dgm:presLayoutVars>
+          <dgm:chMax val="0"/>
+          <dgm:chPref val="0"/>
+          <dgm:bulletEnabled val="1"/>
+        </dgm:presLayoutVars>
+      </dgm:prSet>
+      <dgm:spPr/>
+    </dgm:pt>
+    <dgm:pt modelId="{09885B85-9CB0-CA4F-836A-01E8D6ACB5C8}" type="pres">
+      <dgm:prSet presAssocID="{F75736E9-3148-4F87-8B16-03241FDB81A8}" presName="quad3" presStyleLbl="node1" presStyleIdx="2" presStyleCnt="4">
+        <dgm:presLayoutVars>
+          <dgm:chMax val="0"/>
+          <dgm:chPref val="0"/>
+          <dgm:bulletEnabled val="1"/>
+        </dgm:presLayoutVars>
+      </dgm:prSet>
+      <dgm:spPr/>
+    </dgm:pt>
+    <dgm:pt modelId="{0A106C6B-6273-AE4B-86E2-233874134C79}" type="pres">
+      <dgm:prSet presAssocID="{F75736E9-3148-4F87-8B16-03241FDB81A8}" presName="quad4" presStyleLbl="node1" presStyleIdx="3" presStyleCnt="4">
+        <dgm:presLayoutVars>
+          <dgm:chMax val="0"/>
+          <dgm:chPref val="0"/>
+          <dgm:bulletEnabled val="1"/>
+        </dgm:presLayoutVars>
+      </dgm:prSet>
+      <dgm:spPr/>
+    </dgm:pt>
+  </dgm:ptLst>
+  <dgm:cxnLst>
+    <dgm:cxn modelId="{4ACA6408-39E7-4585-84AF-8C9986B6CEB4}" srcId="{F75736E9-3148-4F87-8B16-03241FDB81A8}" destId="{9DC3995B-4312-4308-9D92-2624E0AAFBB5}" srcOrd="1" destOrd="0" parTransId="{4E4C1B8F-527A-434E-AE96-C413FCE3CB67}" sibTransId="{65A2DD63-55F0-42CA-91E5-009421D9AB18}"/>
+    <dgm:cxn modelId="{478FDF11-B581-4D2F-951E-5A6F2B634889}" srcId="{F75736E9-3148-4F87-8B16-03241FDB81A8}" destId="{ABC759EA-34CF-47BF-BA55-CF60FCE84280}" srcOrd="0" destOrd="0" parTransId="{08B81251-015B-4548-8947-9FD48D0C2CE4}" sibTransId="{FA001718-560E-4330-8254-710AD70C639C}"/>
+    <dgm:cxn modelId="{83BA771B-CDDA-CC4A-8CD2-F7B17DB177E4}" type="presOf" srcId="{ABC759EA-34CF-47BF-BA55-CF60FCE84280}" destId="{042B9670-378D-234E-A5C8-E75057EC2BF1}" srcOrd="0" destOrd="0" presId="urn:microsoft.com/office/officeart/2005/8/layout/matrix3"/>
+    <dgm:cxn modelId="{E0307620-2014-5E40-A62E-E0E10319F45F}" type="presOf" srcId="{C9778D81-EA8A-4386-A7E0-AEC3BDE6E167}" destId="{0A106C6B-6273-AE4B-86E2-233874134C79}" srcOrd="0" destOrd="0" presId="urn:microsoft.com/office/officeart/2005/8/layout/matrix3"/>
+    <dgm:cxn modelId="{3D54182E-7C0B-814F-81E3-948CD894C07C}" type="presOf" srcId="{F75736E9-3148-4F87-8B16-03241FDB81A8}" destId="{AB6391B8-D977-AF40-BAF9-6BD4787EE395}" srcOrd="0" destOrd="0" presId="urn:microsoft.com/office/officeart/2005/8/layout/matrix3"/>
+    <dgm:cxn modelId="{94B9F28E-6A2A-4691-9547-236B0D4013E7}" srcId="{F75736E9-3148-4F87-8B16-03241FDB81A8}" destId="{3D647517-7CF7-4AB0-B81A-E7AE1389F6C9}" srcOrd="2" destOrd="0" parTransId="{2A16D054-5605-45AE-9D4F-3E10EDFF5D21}" sibTransId="{7BCF8434-BB9E-41B1-816F-2F4B3A6BBF47}"/>
+    <dgm:cxn modelId="{8C3E09B0-4A5C-4AEA-B852-4C27E730DD59}" srcId="{F75736E9-3148-4F87-8B16-03241FDB81A8}" destId="{C9778D81-EA8A-4386-A7E0-AEC3BDE6E167}" srcOrd="3" destOrd="0" parTransId="{5567C38B-F9C8-4532-A57B-4373C28DA931}" sibTransId="{93F198A2-5B14-46B9-887A-E1CBF2A78CAF}"/>
+    <dgm:cxn modelId="{6AC0CEE7-E1DE-C54B-B7D3-4726A1AAC37F}" type="presOf" srcId="{3D647517-7CF7-4AB0-B81A-E7AE1389F6C9}" destId="{09885B85-9CB0-CA4F-836A-01E8D6ACB5C8}" srcOrd="0" destOrd="0" presId="urn:microsoft.com/office/officeart/2005/8/layout/matrix3"/>
+    <dgm:cxn modelId="{B4BA11E9-CBF8-EC4A-AAFF-82981EE156AA}" type="presOf" srcId="{9DC3995B-4312-4308-9D92-2624E0AAFBB5}" destId="{4BB187EB-DB04-BE48-9C84-721A819AA04D}" srcOrd="0" destOrd="0" presId="urn:microsoft.com/office/officeart/2005/8/layout/matrix3"/>
+    <dgm:cxn modelId="{59CFC32C-FE15-614A-A7D3-95E338698513}" type="presParOf" srcId="{AB6391B8-D977-AF40-BAF9-6BD4787EE395}" destId="{129B6CA5-B4BD-2049-BF97-0C6266F02BD6}" srcOrd="0" destOrd="0" presId="urn:microsoft.com/office/officeart/2005/8/layout/matrix3"/>
+    <dgm:cxn modelId="{13A3C247-567F-EA45-9106-78653FF7FF1A}" type="presParOf" srcId="{AB6391B8-D977-AF40-BAF9-6BD4787EE395}" destId="{042B9670-378D-234E-A5C8-E75057EC2BF1}" srcOrd="1" destOrd="0" presId="urn:microsoft.com/office/officeart/2005/8/layout/matrix3"/>
+    <dgm:cxn modelId="{A92F8576-6840-F24A-92BC-A64303924693}" type="presParOf" srcId="{AB6391B8-D977-AF40-BAF9-6BD4787EE395}" destId="{4BB187EB-DB04-BE48-9C84-721A819AA04D}" srcOrd="2" destOrd="0" presId="urn:microsoft.com/office/officeart/2005/8/layout/matrix3"/>
+    <dgm:cxn modelId="{423BFAC9-9095-7645-B979-801DCEA96365}" type="presParOf" srcId="{AB6391B8-D977-AF40-BAF9-6BD4787EE395}" destId="{09885B85-9CB0-CA4F-836A-01E8D6ACB5C8}" srcOrd="3" destOrd="0" presId="urn:microsoft.com/office/officeart/2005/8/layout/matrix3"/>
+    <dgm:cxn modelId="{F92FA182-5A24-9B4A-8FB2-F682B3C7EEC3}" type="presParOf" srcId="{AB6391B8-D977-AF40-BAF9-6BD4787EE395}" destId="{0A106C6B-6273-AE4B-86E2-233874134C79}" srcOrd="4" destOrd="0" presId="urn:microsoft.com/office/officeart/2005/8/layout/matrix3"/>
+  </dgm:cxnLst>
+  <dgm:bg/>
+  <dgm:whole/>
+  <dgm:extLst>
+    <a:ext uri="http://schemas.microsoft.com/office/drawing/2008/diagram">
+      <dsp:dataModelExt xmlns:dsp="http://schemas.microsoft.com/office/drawing/2008/diagram" relId="rId6" minVer="http://schemas.openxmlformats.org/drawingml/2006/diagram"/>
     </a:ext>
   </dgm:extLst>
 </dgm:dataModel>
@@ -4982,6 +6972,766 @@
 </dsp:drawing>
 </file>
 
+<file path=ppt/diagrams/drawing4.xml><?xml version="1.0" encoding="utf-8"?>
+<dsp:drawing xmlns:dgm="http://schemas.openxmlformats.org/drawingml/2006/diagram" xmlns:dsp="http://schemas.microsoft.com/office/drawing/2008/diagram" xmlns:a="http://schemas.openxmlformats.org/drawingml/2006/main">
+  <dsp:spTree>
+    <dsp:nvGrpSpPr>
+      <dsp:cNvPr id="0" name=""/>
+      <dsp:cNvGrpSpPr/>
+    </dsp:nvGrpSpPr>
+    <dsp:grpSpPr/>
+    <dsp:sp modelId="{9CFD04FD-7F93-904A-A210-39DC44CFF767}">
+      <dsp:nvSpPr>
+        <dsp:cNvPr id="0" name=""/>
+        <dsp:cNvSpPr/>
+      </dsp:nvSpPr>
+      <dsp:spPr>
+        <a:xfrm>
+          <a:off x="5606575" y="2411215"/>
+          <a:ext cx="2947040" cy="2947040"/>
+        </a:xfrm>
+        <a:prstGeom prst="gear9">
+          <a:avLst/>
+        </a:prstGeom>
+        <a:solidFill>
+          <a:schemeClr val="accent1">
+            <a:hueOff val="0"/>
+            <a:satOff val="0"/>
+            <a:lumOff val="0"/>
+            <a:alphaOff val="0"/>
+          </a:schemeClr>
+        </a:solidFill>
+        <a:ln w="12700" cap="flat" cmpd="sng" algn="ctr">
+          <a:solidFill>
+            <a:schemeClr val="lt1">
+              <a:alpha val="0"/>
+              <a:hueOff val="0"/>
+              <a:satOff val="0"/>
+              <a:lumOff val="0"/>
+              <a:alphaOff val="0"/>
+            </a:schemeClr>
+          </a:solidFill>
+          <a:prstDash val="solid"/>
+          <a:miter lim="800000"/>
+        </a:ln>
+        <a:effectLst/>
+      </dsp:spPr>
+      <dsp:style>
+        <a:lnRef idx="2">
+          <a:scrgbClr r="0" g="0" b="0"/>
+        </a:lnRef>
+        <a:fillRef idx="1">
+          <a:scrgbClr r="0" g="0" b="0"/>
+        </a:fillRef>
+        <a:effectRef idx="0">
+          <a:scrgbClr r="0" g="0" b="0"/>
+        </a:effectRef>
+        <a:fontRef idx="minor">
+          <a:schemeClr val="lt1"/>
+        </a:fontRef>
+      </dsp:style>
+      <dsp:txBody>
+        <a:bodyPr spcFirstLastPara="0" vert="horz" wrap="square" lIns="25400" tIns="25400" rIns="25400" bIns="25400" numCol="1" spcCol="1270" anchor="ctr" anchorCtr="0">
+          <a:noAutofit/>
+        </a:bodyPr>
+        <a:lstStyle/>
+        <a:p>
+          <a:pPr marL="0" lvl="0" indent="0" algn="ctr" defTabSz="889000">
+            <a:lnSpc>
+              <a:spcPct val="90000"/>
+            </a:lnSpc>
+            <a:spcBef>
+              <a:spcPct val="0"/>
+            </a:spcBef>
+            <a:spcAft>
+              <a:spcPct val="35000"/>
+            </a:spcAft>
+            <a:buNone/>
+            <a:defRPr cap="all"/>
+          </a:pPr>
+          <a:r>
+            <a:rPr lang="en-US" sz="2000" kern="1200"/>
+            <a:t>Logit Regression</a:t>
+          </a:r>
+        </a:p>
+      </dsp:txBody>
+      <dsp:txXfrm>
+        <a:off x="6199061" y="3101545"/>
+        <a:ext cx="1762068" cy="1514839"/>
+      </dsp:txXfrm>
+    </dsp:sp>
+    <dsp:sp modelId="{5DB6F427-800F-AB41-8077-3320892FD179}">
+      <dsp:nvSpPr>
+        <dsp:cNvPr id="0" name=""/>
+        <dsp:cNvSpPr/>
+      </dsp:nvSpPr>
+      <dsp:spPr>
+        <a:xfrm>
+          <a:off x="3891933" y="1714641"/>
+          <a:ext cx="2143302" cy="2143302"/>
+        </a:xfrm>
+        <a:prstGeom prst="gear6">
+          <a:avLst/>
+        </a:prstGeom>
+        <a:solidFill>
+          <a:schemeClr val="accent1">
+            <a:hueOff val="0"/>
+            <a:satOff val="0"/>
+            <a:lumOff val="0"/>
+            <a:alphaOff val="0"/>
+          </a:schemeClr>
+        </a:solidFill>
+        <a:ln w="12700" cap="flat" cmpd="sng" algn="ctr">
+          <a:solidFill>
+            <a:schemeClr val="lt1">
+              <a:alpha val="0"/>
+              <a:hueOff val="0"/>
+              <a:satOff val="0"/>
+              <a:lumOff val="0"/>
+              <a:alphaOff val="0"/>
+            </a:schemeClr>
+          </a:solidFill>
+          <a:prstDash val="solid"/>
+          <a:miter lim="800000"/>
+        </a:ln>
+        <a:effectLst/>
+      </dsp:spPr>
+      <dsp:style>
+        <a:lnRef idx="2">
+          <a:scrgbClr r="0" g="0" b="0"/>
+        </a:lnRef>
+        <a:fillRef idx="1">
+          <a:scrgbClr r="0" g="0" b="0"/>
+        </a:fillRef>
+        <a:effectRef idx="0">
+          <a:scrgbClr r="0" g="0" b="0"/>
+        </a:effectRef>
+        <a:fontRef idx="minor">
+          <a:schemeClr val="lt1"/>
+        </a:fontRef>
+      </dsp:style>
+      <dsp:txBody>
+        <a:bodyPr spcFirstLastPara="0" vert="horz" wrap="square" lIns="25400" tIns="25400" rIns="25400" bIns="25400" numCol="1" spcCol="1270" anchor="ctr" anchorCtr="0">
+          <a:noAutofit/>
+        </a:bodyPr>
+        <a:lstStyle/>
+        <a:p>
+          <a:pPr marL="0" lvl="0" indent="0" algn="ctr" defTabSz="889000">
+            <a:lnSpc>
+              <a:spcPct val="90000"/>
+            </a:lnSpc>
+            <a:spcBef>
+              <a:spcPct val="0"/>
+            </a:spcBef>
+            <a:spcAft>
+              <a:spcPct val="35000"/>
+            </a:spcAft>
+            <a:buNone/>
+            <a:defRPr cap="all"/>
+          </a:pPr>
+          <a:r>
+            <a:rPr lang="en-US" sz="2000" kern="1200"/>
+            <a:t>Random Forest</a:t>
+          </a:r>
+        </a:p>
+      </dsp:txBody>
+      <dsp:txXfrm>
+        <a:off x="4431516" y="2257485"/>
+        <a:ext cx="1064136" cy="1057614"/>
+      </dsp:txXfrm>
+    </dsp:sp>
+    <dsp:sp modelId="{212AB7BA-CC56-C54F-81B7-415FB91A1EE1}">
+      <dsp:nvSpPr>
+        <dsp:cNvPr id="0" name=""/>
+        <dsp:cNvSpPr/>
+      </dsp:nvSpPr>
+      <dsp:spPr>
+        <a:xfrm rot="20700000">
+          <a:off x="5092401" y="235981"/>
+          <a:ext cx="2099998" cy="2099998"/>
+        </a:xfrm>
+        <a:prstGeom prst="gear6">
+          <a:avLst/>
+        </a:prstGeom>
+        <a:solidFill>
+          <a:schemeClr val="accent1">
+            <a:hueOff val="0"/>
+            <a:satOff val="0"/>
+            <a:lumOff val="0"/>
+            <a:alphaOff val="0"/>
+          </a:schemeClr>
+        </a:solidFill>
+        <a:ln w="12700" cap="flat" cmpd="sng" algn="ctr">
+          <a:solidFill>
+            <a:schemeClr val="lt1">
+              <a:alpha val="0"/>
+              <a:hueOff val="0"/>
+              <a:satOff val="0"/>
+              <a:lumOff val="0"/>
+              <a:alphaOff val="0"/>
+            </a:schemeClr>
+          </a:solidFill>
+          <a:prstDash val="solid"/>
+          <a:miter lim="800000"/>
+        </a:ln>
+        <a:effectLst/>
+      </dsp:spPr>
+      <dsp:style>
+        <a:lnRef idx="2">
+          <a:scrgbClr r="0" g="0" b="0"/>
+        </a:lnRef>
+        <a:fillRef idx="1">
+          <a:scrgbClr r="0" g="0" b="0"/>
+        </a:fillRef>
+        <a:effectRef idx="0">
+          <a:scrgbClr r="0" g="0" b="0"/>
+        </a:effectRef>
+        <a:fontRef idx="minor">
+          <a:schemeClr val="lt1"/>
+        </a:fontRef>
+      </dsp:style>
+      <dsp:txBody>
+        <a:bodyPr spcFirstLastPara="0" vert="horz" wrap="square" lIns="25400" tIns="25400" rIns="25400" bIns="25400" numCol="1" spcCol="1270" anchor="ctr" anchorCtr="0">
+          <a:noAutofit/>
+        </a:bodyPr>
+        <a:lstStyle/>
+        <a:p>
+          <a:pPr marL="0" lvl="0" indent="0" algn="ctr" defTabSz="889000">
+            <a:lnSpc>
+              <a:spcPct val="90000"/>
+            </a:lnSpc>
+            <a:spcBef>
+              <a:spcPct val="0"/>
+            </a:spcBef>
+            <a:spcAft>
+              <a:spcPct val="35000"/>
+            </a:spcAft>
+            <a:buNone/>
+            <a:defRPr cap="all"/>
+          </a:pPr>
+          <a:r>
+            <a:rPr lang="en-US" sz="2000" kern="1200"/>
+            <a:t>Caret</a:t>
+          </a:r>
+        </a:p>
+      </dsp:txBody>
+      <dsp:txXfrm rot="-20700000">
+        <a:off x="5552993" y="696573"/>
+        <a:ext cx="1178816" cy="1178816"/>
+      </dsp:txXfrm>
+    </dsp:sp>
+    <dsp:sp modelId="{58F19FE2-88AB-5248-8FC8-194A81C6BAD6}">
+      <dsp:nvSpPr>
+        <dsp:cNvPr id="0" name=""/>
+        <dsp:cNvSpPr/>
+      </dsp:nvSpPr>
+      <dsp:spPr>
+        <a:xfrm>
+          <a:off x="5392956" y="1959086"/>
+          <a:ext cx="3772212" cy="3772212"/>
+        </a:xfrm>
+        <a:prstGeom prst="circularArrow">
+          <a:avLst>
+            <a:gd name="adj1" fmla="val 4688"/>
+            <a:gd name="adj2" fmla="val 299029"/>
+            <a:gd name="adj3" fmla="val 2538379"/>
+            <a:gd name="adj4" fmla="val 15814228"/>
+            <a:gd name="adj5" fmla="val 5469"/>
+          </a:avLst>
+        </a:prstGeom>
+        <a:solidFill>
+          <a:schemeClr val="accent1">
+            <a:tint val="60000"/>
+            <a:hueOff val="0"/>
+            <a:satOff val="0"/>
+            <a:lumOff val="0"/>
+            <a:alphaOff val="0"/>
+          </a:schemeClr>
+        </a:solidFill>
+        <a:ln>
+          <a:noFill/>
+        </a:ln>
+        <a:effectLst/>
+      </dsp:spPr>
+      <dsp:style>
+        <a:lnRef idx="0">
+          <a:scrgbClr r="0" g="0" b="0"/>
+        </a:lnRef>
+        <a:fillRef idx="1">
+          <a:scrgbClr r="0" g="0" b="0"/>
+        </a:fillRef>
+        <a:effectRef idx="0">
+          <a:scrgbClr r="0" g="0" b="0"/>
+        </a:effectRef>
+        <a:fontRef idx="minor">
+          <a:schemeClr val="lt1"/>
+        </a:fontRef>
+      </dsp:style>
+    </dsp:sp>
+    <dsp:sp modelId="{1852B133-1AF6-A44E-880E-68008AB27446}">
+      <dsp:nvSpPr>
+        <dsp:cNvPr id="0" name=""/>
+        <dsp:cNvSpPr/>
+      </dsp:nvSpPr>
+      <dsp:spPr>
+        <a:xfrm>
+          <a:off x="3512359" y="1235415"/>
+          <a:ext cx="2740747" cy="2740747"/>
+        </a:xfrm>
+        <a:prstGeom prst="leftCircularArrow">
+          <a:avLst>
+            <a:gd name="adj1" fmla="val 6452"/>
+            <a:gd name="adj2" fmla="val 429999"/>
+            <a:gd name="adj3" fmla="val 10489124"/>
+            <a:gd name="adj4" fmla="val 14837806"/>
+            <a:gd name="adj5" fmla="val 7527"/>
+          </a:avLst>
+        </a:prstGeom>
+        <a:solidFill>
+          <a:schemeClr val="accent1">
+            <a:tint val="60000"/>
+            <a:hueOff val="0"/>
+            <a:satOff val="0"/>
+            <a:lumOff val="0"/>
+            <a:alphaOff val="0"/>
+          </a:schemeClr>
+        </a:solidFill>
+        <a:ln>
+          <a:noFill/>
+        </a:ln>
+        <a:effectLst/>
+      </dsp:spPr>
+      <dsp:style>
+        <a:lnRef idx="0">
+          <a:scrgbClr r="0" g="0" b="0"/>
+        </a:lnRef>
+        <a:fillRef idx="1">
+          <a:scrgbClr r="0" g="0" b="0"/>
+        </a:fillRef>
+        <a:effectRef idx="0">
+          <a:scrgbClr r="0" g="0" b="0"/>
+        </a:effectRef>
+        <a:fontRef idx="minor">
+          <a:schemeClr val="lt1"/>
+        </a:fontRef>
+      </dsp:style>
+    </dsp:sp>
+    <dsp:sp modelId="{69955D84-609F-C84A-AA63-58CDFCCB4B33}">
+      <dsp:nvSpPr>
+        <dsp:cNvPr id="0" name=""/>
+        <dsp:cNvSpPr/>
+      </dsp:nvSpPr>
+      <dsp:spPr>
+        <a:xfrm>
+          <a:off x="4606650" y="-228991"/>
+          <a:ext cx="2955078" cy="2955078"/>
+        </a:xfrm>
+        <a:prstGeom prst="circularArrow">
+          <a:avLst>
+            <a:gd name="adj1" fmla="val 5984"/>
+            <a:gd name="adj2" fmla="val 394124"/>
+            <a:gd name="adj3" fmla="val 13313824"/>
+            <a:gd name="adj4" fmla="val 10508221"/>
+            <a:gd name="adj5" fmla="val 6981"/>
+          </a:avLst>
+        </a:prstGeom>
+        <a:solidFill>
+          <a:schemeClr val="accent1">
+            <a:tint val="60000"/>
+            <a:hueOff val="0"/>
+            <a:satOff val="0"/>
+            <a:lumOff val="0"/>
+            <a:alphaOff val="0"/>
+          </a:schemeClr>
+        </a:solidFill>
+        <a:ln>
+          <a:noFill/>
+        </a:ln>
+        <a:effectLst/>
+      </dsp:spPr>
+      <dsp:style>
+        <a:lnRef idx="0">
+          <a:scrgbClr r="0" g="0" b="0"/>
+        </a:lnRef>
+        <a:fillRef idx="1">
+          <a:scrgbClr r="0" g="0" b="0"/>
+        </a:fillRef>
+        <a:effectRef idx="0">
+          <a:scrgbClr r="0" g="0" b="0"/>
+        </a:effectRef>
+        <a:fontRef idx="minor">
+          <a:schemeClr val="lt1"/>
+        </a:fontRef>
+      </dsp:style>
+    </dsp:sp>
+  </dsp:spTree>
+</dsp:drawing>
+</file>
+
+<file path=ppt/diagrams/drawing5.xml><?xml version="1.0" encoding="utf-8"?>
+<dsp:drawing xmlns:dgm="http://schemas.openxmlformats.org/drawingml/2006/diagram" xmlns:dsp="http://schemas.microsoft.com/office/drawing/2008/diagram" xmlns:a="http://schemas.openxmlformats.org/drawingml/2006/main">
+  <dsp:spTree>
+    <dsp:nvGrpSpPr>
+      <dsp:cNvPr id="0" name=""/>
+      <dsp:cNvGrpSpPr/>
+    </dsp:nvGrpSpPr>
+    <dsp:grpSpPr/>
+    <dsp:sp modelId="{129B6CA5-B4BD-2049-BF97-0C6266F02BD6}">
+      <dsp:nvSpPr>
+        <dsp:cNvPr id="0" name=""/>
+        <dsp:cNvSpPr/>
+      </dsp:nvSpPr>
+      <dsp:spPr>
+        <a:xfrm>
+          <a:off x="3286203" y="0"/>
+          <a:ext cx="3617845" cy="3617845"/>
+        </a:xfrm>
+        <a:prstGeom prst="diamond">
+          <a:avLst/>
+        </a:prstGeom>
+        <a:solidFill>
+          <a:schemeClr val="accent1">
+            <a:tint val="40000"/>
+            <a:hueOff val="0"/>
+            <a:satOff val="0"/>
+            <a:lumOff val="0"/>
+            <a:alphaOff val="0"/>
+          </a:schemeClr>
+        </a:solidFill>
+        <a:ln>
+          <a:noFill/>
+        </a:ln>
+        <a:effectLst/>
+      </dsp:spPr>
+      <dsp:style>
+        <a:lnRef idx="0">
+          <a:scrgbClr r="0" g="0" b="0"/>
+        </a:lnRef>
+        <a:fillRef idx="1">
+          <a:scrgbClr r="0" g="0" b="0"/>
+        </a:fillRef>
+        <a:effectRef idx="0">
+          <a:scrgbClr r="0" g="0" b="0"/>
+        </a:effectRef>
+        <a:fontRef idx="minor"/>
+      </dsp:style>
+    </dsp:sp>
+    <dsp:sp modelId="{042B9670-378D-234E-A5C8-E75057EC2BF1}">
+      <dsp:nvSpPr>
+        <dsp:cNvPr id="0" name=""/>
+        <dsp:cNvSpPr/>
+      </dsp:nvSpPr>
+      <dsp:spPr>
+        <a:xfrm>
+          <a:off x="3629898" y="343695"/>
+          <a:ext cx="1410959" cy="1410959"/>
+        </a:xfrm>
+        <a:prstGeom prst="roundRect">
+          <a:avLst/>
+        </a:prstGeom>
+        <a:solidFill>
+          <a:schemeClr val="accent1">
+            <a:hueOff val="0"/>
+            <a:satOff val="0"/>
+            <a:lumOff val="0"/>
+            <a:alphaOff val="0"/>
+          </a:schemeClr>
+        </a:solidFill>
+        <a:ln w="12700" cap="flat" cmpd="sng" algn="ctr">
+          <a:solidFill>
+            <a:schemeClr val="lt1">
+              <a:hueOff val="0"/>
+              <a:satOff val="0"/>
+              <a:lumOff val="0"/>
+              <a:alphaOff val="0"/>
+            </a:schemeClr>
+          </a:solidFill>
+          <a:prstDash val="solid"/>
+          <a:miter lim="800000"/>
+        </a:ln>
+        <a:effectLst/>
+      </dsp:spPr>
+      <dsp:style>
+        <a:lnRef idx="2">
+          <a:scrgbClr r="0" g="0" b="0"/>
+        </a:lnRef>
+        <a:fillRef idx="1">
+          <a:scrgbClr r="0" g="0" b="0"/>
+        </a:fillRef>
+        <a:effectRef idx="0">
+          <a:scrgbClr r="0" g="0" b="0"/>
+        </a:effectRef>
+        <a:fontRef idx="minor">
+          <a:schemeClr val="lt1"/>
+        </a:fontRef>
+      </dsp:style>
+      <dsp:txBody>
+        <a:bodyPr spcFirstLastPara="0" vert="horz" wrap="square" lIns="99060" tIns="99060" rIns="99060" bIns="99060" numCol="1" spcCol="1270" anchor="ctr" anchorCtr="0">
+          <a:noAutofit/>
+        </a:bodyPr>
+        <a:lstStyle/>
+        <a:p>
+          <a:pPr marL="0" lvl="0" indent="0" algn="ctr" defTabSz="1155700">
+            <a:lnSpc>
+              <a:spcPct val="90000"/>
+            </a:lnSpc>
+            <a:spcBef>
+              <a:spcPct val="0"/>
+            </a:spcBef>
+            <a:spcAft>
+              <a:spcPct val="35000"/>
+            </a:spcAft>
+            <a:buNone/>
+          </a:pPr>
+          <a:r>
+            <a:rPr lang="en-US" sz="2600" kern="1200"/>
+            <a:t>Young</a:t>
+          </a:r>
+        </a:p>
+      </dsp:txBody>
+      <dsp:txXfrm>
+        <a:off x="3698775" y="412572"/>
+        <a:ext cx="1273205" cy="1273205"/>
+      </dsp:txXfrm>
+    </dsp:sp>
+    <dsp:sp modelId="{4BB187EB-DB04-BE48-9C84-721A819AA04D}">
+      <dsp:nvSpPr>
+        <dsp:cNvPr id="0" name=""/>
+        <dsp:cNvSpPr/>
+      </dsp:nvSpPr>
+      <dsp:spPr>
+        <a:xfrm>
+          <a:off x="5149393" y="343695"/>
+          <a:ext cx="1410959" cy="1410959"/>
+        </a:xfrm>
+        <a:prstGeom prst="roundRect">
+          <a:avLst/>
+        </a:prstGeom>
+        <a:solidFill>
+          <a:schemeClr val="accent1">
+            <a:hueOff val="0"/>
+            <a:satOff val="0"/>
+            <a:lumOff val="0"/>
+            <a:alphaOff val="0"/>
+          </a:schemeClr>
+        </a:solidFill>
+        <a:ln w="12700" cap="flat" cmpd="sng" algn="ctr">
+          <a:solidFill>
+            <a:schemeClr val="lt1">
+              <a:hueOff val="0"/>
+              <a:satOff val="0"/>
+              <a:lumOff val="0"/>
+              <a:alphaOff val="0"/>
+            </a:schemeClr>
+          </a:solidFill>
+          <a:prstDash val="solid"/>
+          <a:miter lim="800000"/>
+        </a:ln>
+        <a:effectLst/>
+      </dsp:spPr>
+      <dsp:style>
+        <a:lnRef idx="2">
+          <a:scrgbClr r="0" g="0" b="0"/>
+        </a:lnRef>
+        <a:fillRef idx="1">
+          <a:scrgbClr r="0" g="0" b="0"/>
+        </a:fillRef>
+        <a:effectRef idx="0">
+          <a:scrgbClr r="0" g="0" b="0"/>
+        </a:effectRef>
+        <a:fontRef idx="minor">
+          <a:schemeClr val="lt1"/>
+        </a:fontRef>
+      </dsp:style>
+      <dsp:txBody>
+        <a:bodyPr spcFirstLastPara="0" vert="horz" wrap="square" lIns="99060" tIns="99060" rIns="99060" bIns="99060" numCol="1" spcCol="1270" anchor="ctr" anchorCtr="0">
+          <a:noAutofit/>
+        </a:bodyPr>
+        <a:lstStyle/>
+        <a:p>
+          <a:pPr marL="0" lvl="0" indent="0" algn="ctr" defTabSz="1155700">
+            <a:lnSpc>
+              <a:spcPct val="90000"/>
+            </a:lnSpc>
+            <a:spcBef>
+              <a:spcPct val="0"/>
+            </a:spcBef>
+            <a:spcAft>
+              <a:spcPct val="35000"/>
+            </a:spcAft>
+            <a:buNone/>
+          </a:pPr>
+          <a:r>
+            <a:rPr lang="en-US" sz="2600" kern="1200"/>
+            <a:t>Women</a:t>
+          </a:r>
+        </a:p>
+      </dsp:txBody>
+      <dsp:txXfrm>
+        <a:off x="5218270" y="412572"/>
+        <a:ext cx="1273205" cy="1273205"/>
+      </dsp:txXfrm>
+    </dsp:sp>
+    <dsp:sp modelId="{09885B85-9CB0-CA4F-836A-01E8D6ACB5C8}">
+      <dsp:nvSpPr>
+        <dsp:cNvPr id="0" name=""/>
+        <dsp:cNvSpPr/>
+      </dsp:nvSpPr>
+      <dsp:spPr>
+        <a:xfrm>
+          <a:off x="3629898" y="1863190"/>
+          <a:ext cx="1410959" cy="1410959"/>
+        </a:xfrm>
+        <a:prstGeom prst="roundRect">
+          <a:avLst/>
+        </a:prstGeom>
+        <a:solidFill>
+          <a:schemeClr val="accent1">
+            <a:hueOff val="0"/>
+            <a:satOff val="0"/>
+            <a:lumOff val="0"/>
+            <a:alphaOff val="0"/>
+          </a:schemeClr>
+        </a:solidFill>
+        <a:ln w="12700" cap="flat" cmpd="sng" algn="ctr">
+          <a:solidFill>
+            <a:schemeClr val="lt1">
+              <a:hueOff val="0"/>
+              <a:satOff val="0"/>
+              <a:lumOff val="0"/>
+              <a:alphaOff val="0"/>
+            </a:schemeClr>
+          </a:solidFill>
+          <a:prstDash val="solid"/>
+          <a:miter lim="800000"/>
+        </a:ln>
+        <a:effectLst/>
+      </dsp:spPr>
+      <dsp:style>
+        <a:lnRef idx="2">
+          <a:scrgbClr r="0" g="0" b="0"/>
+        </a:lnRef>
+        <a:fillRef idx="1">
+          <a:scrgbClr r="0" g="0" b="0"/>
+        </a:fillRef>
+        <a:effectRef idx="0">
+          <a:scrgbClr r="0" g="0" b="0"/>
+        </a:effectRef>
+        <a:fontRef idx="minor">
+          <a:schemeClr val="lt1"/>
+        </a:fontRef>
+      </dsp:style>
+      <dsp:txBody>
+        <a:bodyPr spcFirstLastPara="0" vert="horz" wrap="square" lIns="99060" tIns="99060" rIns="99060" bIns="99060" numCol="1" spcCol="1270" anchor="ctr" anchorCtr="0">
+          <a:noAutofit/>
+        </a:bodyPr>
+        <a:lstStyle/>
+        <a:p>
+          <a:pPr marL="0" lvl="0" indent="0" algn="ctr" defTabSz="1155700">
+            <a:lnSpc>
+              <a:spcPct val="90000"/>
+            </a:lnSpc>
+            <a:spcBef>
+              <a:spcPct val="0"/>
+            </a:spcBef>
+            <a:spcAft>
+              <a:spcPct val="35000"/>
+            </a:spcAft>
+            <a:buNone/>
+          </a:pPr>
+          <a:r>
+            <a:rPr lang="en-US" sz="2600" kern="1200"/>
+            <a:t>Reach</a:t>
+          </a:r>
+        </a:p>
+      </dsp:txBody>
+      <dsp:txXfrm>
+        <a:off x="3698775" y="1932067"/>
+        <a:ext cx="1273205" cy="1273205"/>
+      </dsp:txXfrm>
+    </dsp:sp>
+    <dsp:sp modelId="{0A106C6B-6273-AE4B-86E2-233874134C79}">
+      <dsp:nvSpPr>
+        <dsp:cNvPr id="0" name=""/>
+        <dsp:cNvSpPr/>
+      </dsp:nvSpPr>
+      <dsp:spPr>
+        <a:xfrm>
+          <a:off x="5149393" y="1863190"/>
+          <a:ext cx="1410959" cy="1410959"/>
+        </a:xfrm>
+        <a:prstGeom prst="roundRect">
+          <a:avLst/>
+        </a:prstGeom>
+        <a:solidFill>
+          <a:schemeClr val="accent1">
+            <a:hueOff val="0"/>
+            <a:satOff val="0"/>
+            <a:lumOff val="0"/>
+            <a:alphaOff val="0"/>
+          </a:schemeClr>
+        </a:solidFill>
+        <a:ln w="12700" cap="flat" cmpd="sng" algn="ctr">
+          <a:solidFill>
+            <a:schemeClr val="lt1">
+              <a:hueOff val="0"/>
+              <a:satOff val="0"/>
+              <a:lumOff val="0"/>
+              <a:alphaOff val="0"/>
+            </a:schemeClr>
+          </a:solidFill>
+          <a:prstDash val="solid"/>
+          <a:miter lim="800000"/>
+        </a:ln>
+        <a:effectLst/>
+      </dsp:spPr>
+      <dsp:style>
+        <a:lnRef idx="2">
+          <a:scrgbClr r="0" g="0" b="0"/>
+        </a:lnRef>
+        <a:fillRef idx="1">
+          <a:scrgbClr r="0" g="0" b="0"/>
+        </a:fillRef>
+        <a:effectRef idx="0">
+          <a:scrgbClr r="0" g="0" b="0"/>
+        </a:effectRef>
+        <a:fontRef idx="minor">
+          <a:schemeClr val="lt1"/>
+        </a:fontRef>
+      </dsp:style>
+      <dsp:txBody>
+        <a:bodyPr spcFirstLastPara="0" vert="horz" wrap="square" lIns="99060" tIns="99060" rIns="99060" bIns="99060" numCol="1" spcCol="1270" anchor="ctr" anchorCtr="0">
+          <a:noAutofit/>
+        </a:bodyPr>
+        <a:lstStyle/>
+        <a:p>
+          <a:pPr marL="0" lvl="0" indent="0" algn="ctr" defTabSz="1155700">
+            <a:lnSpc>
+              <a:spcPct val="90000"/>
+            </a:lnSpc>
+            <a:spcBef>
+              <a:spcPct val="0"/>
+            </a:spcBef>
+            <a:spcAft>
+              <a:spcPct val="35000"/>
+            </a:spcAft>
+            <a:buNone/>
+          </a:pPr>
+          <a:r>
+            <a:rPr lang="en-US" sz="2600" kern="1200"/>
+            <a:t>Lonely</a:t>
+          </a:r>
+        </a:p>
+      </dsp:txBody>
+      <dsp:txXfrm>
+        <a:off x="5218270" y="1932067"/>
+        <a:ext cx="1273205" cy="1273205"/>
+      </dsp:txXfrm>
+    </dsp:sp>
+  </dsp:spTree>
+</dsp:drawing>
+</file>
+
 <file path=ppt/diagrams/layout1.xml><?xml version="1.0" encoding="utf-8"?>
 <dgm:layoutDef xmlns:dgm="http://schemas.openxmlformats.org/drawingml/2006/diagram" xmlns:a="http://schemas.openxmlformats.org/drawingml/2006/main" uniqueId="urn:microsoft.com/office/officeart/2018/5/layout/IconCircleLabelList">
   <dgm:title val="Icon Circle Label List"/>
@@ -5639,6 +8389,698 @@
 </dgm:layoutDef>
 </file>
 
+<file path=ppt/diagrams/layout4.xml><?xml version="1.0" encoding="utf-8"?>
+<dgm:layoutDef xmlns:dgm="http://schemas.openxmlformats.org/drawingml/2006/diagram" xmlns:a="http://schemas.openxmlformats.org/drawingml/2006/main" uniqueId="urn:microsoft.com/office/officeart/2005/8/layout/gear1">
+  <dgm:title val=""/>
+  <dgm:desc val=""/>
+  <dgm:catLst>
+    <dgm:cat type="relationship" pri="3000"/>
+    <dgm:cat type="process" pri="28000"/>
+    <dgm:cat type="cycle" pri="14000"/>
+  </dgm:catLst>
+  <dgm:sampData useDef="1">
+    <dgm:dataModel>
+      <dgm:ptLst/>
+      <dgm:bg/>
+      <dgm:whole/>
+    </dgm:dataModel>
+  </dgm:sampData>
+  <dgm:styleData>
+    <dgm:dataModel>
+      <dgm:ptLst>
+        <dgm:pt modelId="0" type="doc"/>
+        <dgm:pt modelId="1"/>
+        <dgm:pt modelId="2"/>
+      </dgm:ptLst>
+      <dgm:cxnLst>
+        <dgm:cxn modelId="3" srcId="0" destId="1" srcOrd="0" destOrd="0"/>
+        <dgm:cxn modelId="4" srcId="0" destId="2" srcOrd="1" destOrd="0"/>
+      </dgm:cxnLst>
+      <dgm:bg/>
+      <dgm:whole/>
+    </dgm:dataModel>
+  </dgm:styleData>
+  <dgm:clrData useDef="1">
+    <dgm:dataModel>
+      <dgm:ptLst/>
+      <dgm:bg/>
+      <dgm:whole/>
+    </dgm:dataModel>
+  </dgm:clrData>
+  <dgm:layoutNode name="composite">
+    <dgm:varLst>
+      <dgm:chMax val="3"/>
+      <dgm:animLvl val="lvl"/>
+      <dgm:resizeHandles val="exact"/>
+    </dgm:varLst>
+    <dgm:alg type="composite">
+      <dgm:param type="ar" val="1"/>
+    </dgm:alg>
+    <dgm:shape xmlns:r="http://schemas.openxmlformats.org/officeDocument/2006/relationships" r:blip="">
+      <dgm:adjLst/>
+    </dgm:shape>
+    <dgm:presOf/>
+    <dgm:choose name="Name0">
+      <dgm:if name="Name1" axis="ch" ptType="node" func="cnt" op="lte" val="1">
+        <dgm:constrLst>
+          <dgm:constr type="primFontSz" for="ch" ptType="node" op="equ" val="65"/>
+          <dgm:constr type="w" for="ch" forName="gear1" refType="w" fact="0.55"/>
+          <dgm:constr type="h" for="ch" forName="gear1" refType="w" fact="0.55"/>
+          <dgm:constr type="l" for="ch" forName="gear1" refType="w" fact="0.05"/>
+          <dgm:constr type="t" for="ch" forName="gear1" refType="w" fact="0.05"/>
+          <dgm:constr type="w" for="ch" forName="gear1srcNode" val="1"/>
+          <dgm:constr type="h" for="ch" forName="gear1srcNode" val="1"/>
+          <dgm:constr type="l" for="ch" forName="gear1srcNode" refType="w" fact="0.32"/>
+          <dgm:constr type="t" for="ch" forName="gear1srcNode"/>
+          <dgm:constr type="w" for="ch" forName="gear1dstNode" val="1"/>
+          <dgm:constr type="h" for="ch" forName="gear1dstNode" val="1"/>
+          <dgm:constr type="r" for="ch" forName="gear1dstNode" refType="w" fact="0.58"/>
+          <dgm:constr type="t" for="ch" forName="gear1dstNode" refType="h" fact="0.55"/>
+          <dgm:constr type="diam" for="des" forName="connector1" refType="w" refFor="ch" refForName="gear1" op="equ" fact="1.1"/>
+          <dgm:constr type="h" for="des" forName="connector1" refType="w" refFor="ch" refForName="gear1" op="equ" fact="0.1"/>
+          <dgm:constr type="w" for="ch" forName="gear1ch" refType="w" fact="0.35"/>
+          <dgm:constr type="h" for="ch" forName="gear1ch" refType="w" refFor="ch" refForName="gear1ch" fact="0.6"/>
+          <dgm:constr type="l" for="ch" forName="gear1ch"/>
+          <dgm:constr type="b" for="ch" forName="gear1ch" refType="h" fact="0.6"/>
+        </dgm:constrLst>
+      </dgm:if>
+      <dgm:if name="Name2" axis="ch" ptType="node" func="cnt" op="equ" val="2">
+        <dgm:constrLst>
+          <dgm:constr type="primFontSz" for="ch" ptType="node" op="equ" val="65"/>
+          <dgm:constr type="w" for="ch" forName="gear1" refType="w" fact="0.55"/>
+          <dgm:constr type="h" for="ch" forName="gear1" refType="w" fact="0.55"/>
+          <dgm:constr type="l" for="ch" forName="gear1" refType="w" fact="0.45"/>
+          <dgm:constr type="t" for="ch" forName="gear1" refType="w" fact="0.25"/>
+          <dgm:constr type="w" for="ch" forName="gear1srcNode" val="1"/>
+          <dgm:constr type="h" for="ch" forName="gear1srcNode" val="1"/>
+          <dgm:constr type="l" for="ch" forName="gear1srcNode" refType="w" fact="0.72"/>
+          <dgm:constr type="t" for="ch" forName="gear1srcNode" refType="w" fact="0.2"/>
+          <dgm:constr type="w" for="ch" forName="gear1dstNode" val="1"/>
+          <dgm:constr type="h" for="ch" forName="gear1dstNode" val="1"/>
+          <dgm:constr type="r" for="ch" forName="gear1dstNode" refType="w" fact="0.98"/>
+          <dgm:constr type="t" for="ch" forName="gear1dstNode" refType="h" fact="0.75"/>
+          <dgm:constr type="diam" for="des" forName="connector1" refType="w" refFor="ch" refForName="gear1" op="equ" fact="1.1"/>
+          <dgm:constr type="h" for="des" forName="connector1" refType="w" refFor="ch" refForName="gear1" op="equ" fact="0.1"/>
+          <dgm:constr type="w" for="ch" forName="gear1ch" refType="w" fact="0.35"/>
+          <dgm:constr type="h" for="ch" forName="gear1ch" refType="w" refFor="ch" refForName="gear1ch" fact="0.6"/>
+          <dgm:constr type="l" for="ch" forName="gear1ch" refType="w" fact="0.38"/>
+          <dgm:constr type="b" for="ch" forName="gear1ch" refType="w" fact="0.8"/>
+          <dgm:constr type="w" for="ch" forName="gear2" refType="w" fact="0.4"/>
+          <dgm:constr type="h" for="ch" forName="gear2" refType="w" fact="0.4"/>
+          <dgm:constr type="l" for="ch" forName="gear2" refType="w" fact="0.13"/>
+          <dgm:constr type="t" for="ch" forName="gear2" refType="w" fact="0.12"/>
+          <dgm:constr type="w" for="ch" forName="gear2srcNode" val="1"/>
+          <dgm:constr type="h" for="ch" forName="gear2srcNode" val="1"/>
+          <dgm:constr type="l" for="ch" forName="gear2srcNode" refType="w" fact="0.23"/>
+          <dgm:constr type="t" for="ch" forName="gear2srcNode" refType="w" fact="0.08"/>
+          <dgm:constr type="w" for="ch" forName="gear2dstNode" val="1"/>
+          <dgm:constr type="h" for="ch" forName="gear2dstNode" val="1"/>
+          <dgm:constr type="l" for="ch" forName="gear2dstNode" refType="w" fact="0.1"/>
+          <dgm:constr type="t" for="ch" forName="gear2dstNode" refType="h" fact="0.33"/>
+          <dgm:constr type="diam" for="des" forName="connector2" refType="w" refFor="ch" refForName="gear2" op="equ" fact="-1.1"/>
+          <dgm:constr type="h" for="des" forName="connector2" refType="w" refFor="ch" refForName="gear1" op="equ" fact="0.1"/>
+          <dgm:constr type="w" for="ch" forName="gear2ch" refType="w" fact="0.35"/>
+          <dgm:constr type="h" for="ch" forName="gear2ch" refType="w" refFor="ch" refForName="gear2ch" fact="0.6"/>
+          <dgm:constr type="l" for="ch" forName="gear2ch" refType="w" fact="0.34"/>
+          <dgm:constr type="t" for="ch" forName="gear2ch" refType="w" fact="0.04"/>
+        </dgm:constrLst>
+      </dgm:if>
+      <dgm:else name="Name3">
+        <dgm:constrLst>
+          <dgm:constr type="primFontSz" for="ch" ptType="node" op="equ" val="65"/>
+          <dgm:constr type="w" for="ch" forName="gear1" refType="w" fact="0.55"/>
+          <dgm:constr type="h" for="ch" forName="gear1" refType="w" fact="0.55"/>
+          <dgm:constr type="l" for="ch" forName="gear1" refType="w" fact="0.45"/>
+          <dgm:constr type="t" for="ch" forName="gear1" refType="w" fact="0.45"/>
+          <dgm:constr type="w" for="ch" forName="gear1srcNode" val="1"/>
+          <dgm:constr type="h" for="ch" forName="gear1srcNode" val="1"/>
+          <dgm:constr type="l" for="ch" forName="gear1srcNode" refType="w" fact="0.72"/>
+          <dgm:constr type="t" for="ch" forName="gear1srcNode" refType="w" fact="0.4"/>
+          <dgm:constr type="w" for="ch" forName="gear1dstNode" val="1"/>
+          <dgm:constr type="h" for="ch" forName="gear1dstNode" val="1"/>
+          <dgm:constr type="r" for="ch" forName="gear1dstNode" refType="w" fact="0.98"/>
+          <dgm:constr type="t" for="ch" forName="gear1dstNode" refType="h" fact="0.95"/>
+          <dgm:constr type="diam" for="des" forName="connector1" refType="w" refFor="ch" refForName="gear1" op="equ" fact="1.15"/>
+          <dgm:constr type="h" for="des" forName="connector1" refType="w" refFor="ch" refForName="gear1" op="equ" fact="0.1"/>
+          <dgm:constr type="w" for="ch" forName="gear1ch" refType="w" fact="0.35"/>
+          <dgm:constr type="h" for="ch" forName="gear1ch" refType="w" refFor="ch" refForName="gear1ch" fact="0.6"/>
+          <dgm:constr type="l" for="ch" forName="gear1ch" refType="w" fact="0.38"/>
+          <dgm:constr type="b" for="ch" forName="gear1ch" refType="h"/>
+          <dgm:constr type="w" for="ch" forName="gear2" refType="w" fact="0.4"/>
+          <dgm:constr type="h" for="ch" forName="gear2" refType="w" fact="0.4"/>
+          <dgm:constr type="l" for="ch" forName="gear2" refType="w" fact="0.13"/>
+          <dgm:constr type="t" for="ch" forName="gear2" refType="w" fact="0.32"/>
+          <dgm:constr type="w" for="ch" forName="gear2srcNode" val="1"/>
+          <dgm:constr type="h" for="ch" forName="gear2srcNode" val="1"/>
+          <dgm:constr type="l" for="ch" forName="gear2srcNode" refType="w" fact="0.23"/>
+          <dgm:constr type="t" for="ch" forName="gear2srcNode" refType="w" fact="0.28"/>
+          <dgm:constr type="w" for="ch" forName="gear2dstNode" val="1"/>
+          <dgm:constr type="h" for="ch" forName="gear2dstNode" val="1"/>
+          <dgm:constr type="l" for="ch" forName="gear2dstNode" refType="w" fact="0.1"/>
+          <dgm:constr type="t" for="ch" forName="gear2dstNode" refType="h" fact="0.53"/>
+          <dgm:constr type="diam" for="des" forName="connector2" refType="w" refFor="ch" refForName="gear2" op="equ" fact="-1.1"/>
+          <dgm:constr type="h" for="des" forName="connector2" refType="w" refFor="ch" refForName="gear1" op="equ" fact="0.1"/>
+          <dgm:constr type="w" for="ch" forName="gear2ch" refType="w" fact="0.35"/>
+          <dgm:constr type="h" for="ch" forName="gear2ch" refType="w" refFor="ch" refForName="gear2ch" fact="0.6"/>
+          <dgm:constr type="l" for="ch" forName="gear2ch"/>
+          <dgm:constr type="t" for="ch" forName="gear2ch" refType="w" fact="0.58"/>
+          <dgm:constr type="w" for="ch" forName="gear3" refType="w" fact="0.48"/>
+          <dgm:constr type="h" for="ch" forName="gear3" refType="w" fact="0.48"/>
+          <dgm:constr type="l" for="ch" forName="gear3" refType="w" fact="0.31"/>
+          <dgm:constr type="t" for="ch" forName="gear3"/>
+          <dgm:constr type="w" for="ch" forName="gear3tx" refType="w" fact="0.22"/>
+          <dgm:constr type="h" for="ch" forName="gear3tx" refType="w" fact="0.22"/>
+          <dgm:constr type="ctrX" for="ch" forName="gear3tx" refType="ctrX" refFor="ch" refForName="gear3"/>
+          <dgm:constr type="ctrY" for="ch" forName="gear3tx" refType="ctrY" refFor="ch" refForName="gear3"/>
+          <dgm:constr type="w" for="ch" forName="gear3srcNode" val="1"/>
+          <dgm:constr type="h" for="ch" forName="gear3srcNode" val="1"/>
+          <dgm:constr type="l" for="ch" forName="gear3srcNode" refType="w" fact="0.3"/>
+          <dgm:constr type="t" for="ch" forName="gear3srcNode" refType="w" fact="0.25"/>
+          <dgm:constr type="w" for="ch" forName="gear3dstNode" val="1"/>
+          <dgm:constr type="h" for="ch" forName="gear3dstNode" val="1"/>
+          <dgm:constr type="l" for="ch" forName="gear3dstNode" refType="w" fact="0.38"/>
+          <dgm:constr type="t" for="ch" forName="gear3dstNode" refType="h" fact="0.05"/>
+          <dgm:constr type="diam" for="des" forName="connector3" refType="w" refFor="ch" refForName="gear3" op="equ"/>
+          <dgm:constr type="h" for="des" forName="connector3" refType="w" refFor="ch" refForName="gear1" op="equ" fact="0.1"/>
+          <dgm:constr type="w" for="ch" forName="gear3ch" refType="w" fact="0.35"/>
+          <dgm:constr type="h" for="ch" forName="gear3ch" refType="w" refFor="ch" refForName="gear3ch" fact="0.6"/>
+          <dgm:constr type="l" for="ch" forName="gear3ch" refType="w" fact="0.65"/>
+          <dgm:constr type="t" for="ch" forName="gear3ch" refType="h" fact="0.13"/>
+        </dgm:constrLst>
+      </dgm:else>
+    </dgm:choose>
+    <dgm:ruleLst/>
+    <dgm:forEach name="Name4" axis="ch" ptType="node" cnt="1">
+      <dgm:layoutNode name="gear1" styleLbl="node1">
+        <dgm:varLst>
+          <dgm:chMax val="1"/>
+          <dgm:bulletEnabled val="1"/>
+        </dgm:varLst>
+        <dgm:alg type="tx">
+          <dgm:param type="txAnchorVertCh" val="mid"/>
+        </dgm:alg>
+        <dgm:shape xmlns:r="http://schemas.openxmlformats.org/officeDocument/2006/relationships" type="gear9" r:blip="">
+          <dgm:adjLst/>
+        </dgm:shape>
+        <dgm:presOf axis="self"/>
+        <dgm:constrLst>
+          <dgm:constr type="tMarg" refType="primFontSz" fact="0.1"/>
+          <dgm:constr type="bMarg" refType="primFontSz" fact="0.1"/>
+          <dgm:constr type="lMarg" refType="primFontSz" fact="0.1"/>
+          <dgm:constr type="rMarg" refType="primFontSz" fact="0.1"/>
+        </dgm:constrLst>
+        <dgm:ruleLst>
+          <dgm:rule type="primFontSz" val="5" fact="NaN" max="NaN"/>
+        </dgm:ruleLst>
+      </dgm:layoutNode>
+      <dgm:layoutNode name="gear1srcNode">
+        <dgm:alg type="sp"/>
+        <dgm:shape xmlns:r="http://schemas.openxmlformats.org/officeDocument/2006/relationships" type="rect" r:blip="" hideGeom="1">
+          <dgm:adjLst/>
+        </dgm:shape>
+        <dgm:presOf axis="self"/>
+        <dgm:constrLst/>
+        <dgm:ruleLst/>
+      </dgm:layoutNode>
+      <dgm:layoutNode name="gear1dstNode">
+        <dgm:alg type="sp"/>
+        <dgm:shape xmlns:r="http://schemas.openxmlformats.org/officeDocument/2006/relationships" type="rect" r:blip="" hideGeom="1">
+          <dgm:adjLst/>
+        </dgm:shape>
+        <dgm:presOf axis="self"/>
+        <dgm:constrLst/>
+        <dgm:ruleLst/>
+      </dgm:layoutNode>
+      <dgm:choose name="Name5">
+        <dgm:if name="Name6" axis="ch" ptType="node" func="cnt" op="gte" val="1">
+          <dgm:layoutNode name="gear1ch" styleLbl="fgAcc1">
+            <dgm:varLst>
+              <dgm:chMax val="0"/>
+              <dgm:bulletEnabled val="1"/>
+            </dgm:varLst>
+            <dgm:alg type="tx">
+              <dgm:param type="stBulletLvl" val="1"/>
+            </dgm:alg>
+            <dgm:shape xmlns:r="http://schemas.openxmlformats.org/officeDocument/2006/relationships" type="roundRect" r:blip="">
+              <dgm:adjLst>
+                <dgm:adj idx="1" val="0.1"/>
+              </dgm:adjLst>
+            </dgm:shape>
+            <dgm:presOf axis="des" ptType="node"/>
+            <dgm:constrLst>
+              <dgm:constr type="tMarg" refType="primFontSz" fact="0.3"/>
+              <dgm:constr type="bMarg" refType="primFontSz" fact="0.3"/>
+              <dgm:constr type="lMarg" refType="primFontSz" fact="0.3"/>
+              <dgm:constr type="rMarg" refType="primFontSz" fact="0.3"/>
+            </dgm:constrLst>
+            <dgm:ruleLst>
+              <dgm:rule type="primFontSz" val="5" fact="NaN" max="NaN"/>
+            </dgm:ruleLst>
+          </dgm:layoutNode>
+        </dgm:if>
+        <dgm:else name="Name7"/>
+      </dgm:choose>
+    </dgm:forEach>
+    <dgm:forEach name="Name8" axis="ch" ptType="node" st="2" cnt="1">
+      <dgm:layoutNode name="gear2" styleLbl="node1">
+        <dgm:varLst>
+          <dgm:chMax val="1"/>
+          <dgm:bulletEnabled val="1"/>
+        </dgm:varLst>
+        <dgm:alg type="tx">
+          <dgm:param type="txAnchorVertCh" val="mid"/>
+        </dgm:alg>
+        <dgm:shape xmlns:r="http://schemas.openxmlformats.org/officeDocument/2006/relationships" type="gear6" r:blip="">
+          <dgm:adjLst/>
+        </dgm:shape>
+        <dgm:presOf axis="self"/>
+        <dgm:constrLst>
+          <dgm:constr type="tMarg" refType="primFontSz" fact="0.1"/>
+          <dgm:constr type="bMarg" refType="primFontSz" fact="0.1"/>
+          <dgm:constr type="lMarg" refType="primFontSz" fact="0.1"/>
+          <dgm:constr type="rMarg" refType="primFontSz" fact="0.1"/>
+        </dgm:constrLst>
+        <dgm:ruleLst>
+          <dgm:rule type="primFontSz" val="5" fact="NaN" max="NaN"/>
+        </dgm:ruleLst>
+      </dgm:layoutNode>
+      <dgm:layoutNode name="gear2srcNode">
+        <dgm:alg type="sp"/>
+        <dgm:shape xmlns:r="http://schemas.openxmlformats.org/officeDocument/2006/relationships" type="rect" r:blip="" hideGeom="1">
+          <dgm:adjLst/>
+        </dgm:shape>
+        <dgm:presOf axis="self"/>
+        <dgm:constrLst/>
+        <dgm:ruleLst/>
+      </dgm:layoutNode>
+      <dgm:layoutNode name="gear2dstNode">
+        <dgm:alg type="sp"/>
+        <dgm:shape xmlns:r="http://schemas.openxmlformats.org/officeDocument/2006/relationships" type="rect" r:blip="" hideGeom="1">
+          <dgm:adjLst/>
+        </dgm:shape>
+        <dgm:presOf axis="self"/>
+        <dgm:constrLst/>
+        <dgm:ruleLst/>
+      </dgm:layoutNode>
+      <dgm:choose name="Name9">
+        <dgm:if name="Name10" axis="ch" ptType="node" func="cnt" op="gte" val="1">
+          <dgm:layoutNode name="gear2ch" styleLbl="fgAcc1">
+            <dgm:varLst>
+              <dgm:chMax val="0"/>
+              <dgm:bulletEnabled val="1"/>
+            </dgm:varLst>
+            <dgm:alg type="tx">
+              <dgm:param type="stBulletLvl" val="1"/>
+            </dgm:alg>
+            <dgm:shape xmlns:r="http://schemas.openxmlformats.org/officeDocument/2006/relationships" type="roundRect" r:blip="">
+              <dgm:adjLst>
+                <dgm:adj idx="1" val="0.1"/>
+              </dgm:adjLst>
+            </dgm:shape>
+            <dgm:presOf axis="des" ptType="node"/>
+            <dgm:constrLst>
+              <dgm:constr type="tMarg" refType="primFontSz" fact="0.3"/>
+              <dgm:constr type="bMarg" refType="primFontSz" fact="0.3"/>
+              <dgm:constr type="lMarg" refType="primFontSz" fact="0.3"/>
+              <dgm:constr type="rMarg" refType="primFontSz" fact="0.3"/>
+            </dgm:constrLst>
+            <dgm:ruleLst>
+              <dgm:rule type="primFontSz" val="5" fact="NaN" max="NaN"/>
+            </dgm:ruleLst>
+          </dgm:layoutNode>
+        </dgm:if>
+        <dgm:else name="Name11"/>
+      </dgm:choose>
+    </dgm:forEach>
+    <dgm:forEach name="Name12" axis="ch" ptType="node" st="3" cnt="1">
+      <dgm:layoutNode name="gear3" styleLbl="node1">
+        <dgm:alg type="sp"/>
+        <dgm:shape xmlns:r="http://schemas.openxmlformats.org/officeDocument/2006/relationships" rot="-15" type="gear6" r:blip="">
+          <dgm:adjLst/>
+        </dgm:shape>
+        <dgm:presOf axis="self"/>
+        <dgm:constrLst/>
+        <dgm:ruleLst/>
+      </dgm:layoutNode>
+      <dgm:layoutNode name="gear3tx" styleLbl="node1">
+        <dgm:varLst>
+          <dgm:chMax val="1"/>
+          <dgm:bulletEnabled val="1"/>
+        </dgm:varLst>
+        <dgm:alg type="tx">
+          <dgm:param type="txAnchorVertCh" val="mid"/>
+        </dgm:alg>
+        <dgm:shape xmlns:r="http://schemas.openxmlformats.org/officeDocument/2006/relationships" type="rect" r:blip="" hideGeom="1">
+          <dgm:adjLst/>
+        </dgm:shape>
+        <dgm:presOf axis="self"/>
+        <dgm:constrLst>
+          <dgm:constr type="tMarg" refType="primFontSz" fact="0.1"/>
+          <dgm:constr type="bMarg" refType="primFontSz" fact="0.1"/>
+          <dgm:constr type="lMarg" refType="primFontSz" fact="0.1"/>
+          <dgm:constr type="rMarg" refType="primFontSz" fact="0.1"/>
+        </dgm:constrLst>
+        <dgm:ruleLst>
+          <dgm:rule type="primFontSz" val="5" fact="NaN" max="NaN"/>
+        </dgm:ruleLst>
+      </dgm:layoutNode>
+      <dgm:layoutNode name="gear3srcNode">
+        <dgm:alg type="sp"/>
+        <dgm:shape xmlns:r="http://schemas.openxmlformats.org/officeDocument/2006/relationships" type="rect" r:blip="" hideGeom="1">
+          <dgm:adjLst/>
+        </dgm:shape>
+        <dgm:presOf axis="self"/>
+        <dgm:constrLst/>
+        <dgm:ruleLst/>
+      </dgm:layoutNode>
+      <dgm:layoutNode name="gear3dstNode">
+        <dgm:alg type="sp"/>
+        <dgm:shape xmlns:r="http://schemas.openxmlformats.org/officeDocument/2006/relationships" type="rect" r:blip="" hideGeom="1">
+          <dgm:adjLst/>
+        </dgm:shape>
+        <dgm:presOf axis="self"/>
+        <dgm:constrLst/>
+        <dgm:ruleLst/>
+      </dgm:layoutNode>
+      <dgm:choose name="Name13">
+        <dgm:if name="Name14" axis="ch" ptType="node" func="cnt" op="gte" val="1">
+          <dgm:layoutNode name="gear3ch" styleLbl="fgAcc1">
+            <dgm:varLst>
+              <dgm:chMax val="0"/>
+              <dgm:bulletEnabled val="1"/>
+            </dgm:varLst>
+            <dgm:alg type="tx">
+              <dgm:param type="stBulletLvl" val="1"/>
+            </dgm:alg>
+            <dgm:shape xmlns:r="http://schemas.openxmlformats.org/officeDocument/2006/relationships" type="roundRect" r:blip="">
+              <dgm:adjLst>
+                <dgm:adj idx="1" val="0.1"/>
+              </dgm:adjLst>
+            </dgm:shape>
+            <dgm:presOf axis="des" ptType="node"/>
+            <dgm:constrLst>
+              <dgm:constr type="tMarg" refType="primFontSz" fact="0.3"/>
+              <dgm:constr type="bMarg" refType="primFontSz" fact="0.3"/>
+              <dgm:constr type="lMarg" refType="primFontSz" fact="0.3"/>
+              <dgm:constr type="rMarg" refType="primFontSz" fact="0.3"/>
+            </dgm:constrLst>
+            <dgm:ruleLst>
+              <dgm:rule type="primFontSz" val="5" fact="NaN" max="NaN"/>
+            </dgm:ruleLst>
+          </dgm:layoutNode>
+        </dgm:if>
+        <dgm:else name="Name15"/>
+      </dgm:choose>
+    </dgm:forEach>
+    <dgm:forEach name="Name16" axis="ch" ptType="sibTrans" hideLastTrans="0" cnt="1">
+      <dgm:layoutNode name="connector1" styleLbl="sibTrans2D1">
+        <dgm:alg type="conn">
+          <dgm:param type="connRout" val="curve"/>
+          <dgm:param type="srcNode" val="gear1srcNode"/>
+          <dgm:param type="dstNode" val="gear1dstNode"/>
+          <dgm:param type="begPts" val="midR"/>
+          <dgm:param type="endPts" val="tCtr"/>
+        </dgm:alg>
+        <dgm:shape xmlns:r="http://schemas.openxmlformats.org/officeDocument/2006/relationships" type="conn" r:blip="">
+          <dgm:adjLst/>
+        </dgm:shape>
+        <dgm:presOf axis="self"/>
+        <dgm:constrLst>
+          <dgm:constr type="w" val="10"/>
+          <dgm:constr type="h" val="10"/>
+          <dgm:constr type="begPad"/>
+          <dgm:constr type="endPad"/>
+        </dgm:constrLst>
+        <dgm:ruleLst/>
+      </dgm:layoutNode>
+    </dgm:forEach>
+    <dgm:forEach name="Name17" axis="ch" ptType="sibTrans" hideLastTrans="0" st="2" cnt="1">
+      <dgm:layoutNode name="connector2" styleLbl="sibTrans2D1">
+        <dgm:alg type="conn">
+          <dgm:param type="connRout" val="curve"/>
+          <dgm:param type="srcNode" val="gear2srcNode"/>
+          <dgm:param type="dstNode" val="gear2dstNode"/>
+          <dgm:param type="begPts" val="midL"/>
+          <dgm:param type="endPts" val="midL"/>
+        </dgm:alg>
+        <dgm:shape xmlns:r="http://schemas.openxmlformats.org/officeDocument/2006/relationships" type="conn" r:blip="">
+          <dgm:adjLst/>
+        </dgm:shape>
+        <dgm:presOf axis="self"/>
+        <dgm:constrLst>
+          <dgm:constr type="w" val="10"/>
+          <dgm:constr type="h" val="10"/>
+          <dgm:constr type="begPad"/>
+          <dgm:constr type="endPad"/>
+        </dgm:constrLst>
+        <dgm:ruleLst/>
+      </dgm:layoutNode>
+    </dgm:forEach>
+    <dgm:forEach name="Name18" axis="ch" ptType="sibTrans" hideLastTrans="0" st="3" cnt="1">
+      <dgm:layoutNode name="connector3" styleLbl="sibTrans2D1">
+        <dgm:alg type="conn">
+          <dgm:param type="connRout" val="curve"/>
+          <dgm:param type="srcNode" val="gear3srcNode"/>
+          <dgm:param type="dstNode" val="gear3dstNode"/>
+          <dgm:param type="begPts" val="midL"/>
+          <dgm:param type="endPts" val="midL"/>
+        </dgm:alg>
+        <dgm:shape xmlns:r="http://schemas.openxmlformats.org/officeDocument/2006/relationships" type="conn" r:blip="">
+          <dgm:adjLst/>
+        </dgm:shape>
+        <dgm:presOf axis="self"/>
+        <dgm:constrLst>
+          <dgm:constr type="w" val="10"/>
+          <dgm:constr type="h" val="10"/>
+          <dgm:constr type="begPad"/>
+          <dgm:constr type="endPad"/>
+        </dgm:constrLst>
+        <dgm:ruleLst/>
+      </dgm:layoutNode>
+    </dgm:forEach>
+  </dgm:layoutNode>
+</dgm:layoutDef>
+</file>
+
+<file path=ppt/diagrams/layout5.xml><?xml version="1.0" encoding="utf-8"?>
+<dgm:layoutDef xmlns:dgm="http://schemas.openxmlformats.org/drawingml/2006/diagram" xmlns:a="http://schemas.openxmlformats.org/drawingml/2006/main" uniqueId="urn:microsoft.com/office/officeart/2005/8/layout/matrix3">
+  <dgm:title val=""/>
+  <dgm:desc val=""/>
+  <dgm:catLst>
+    <dgm:cat type="matrix" pri="1000"/>
+    <dgm:cat type="convert" pri="18000"/>
+  </dgm:catLst>
+  <dgm:sampData>
+    <dgm:dataModel>
+      <dgm:ptLst>
+        <dgm:pt modelId="0" type="doc"/>
+        <dgm:pt modelId="1">
+          <dgm:prSet phldr="1"/>
+        </dgm:pt>
+        <dgm:pt modelId="2">
+          <dgm:prSet phldr="1"/>
+        </dgm:pt>
+        <dgm:pt modelId="3">
+          <dgm:prSet phldr="1"/>
+        </dgm:pt>
+        <dgm:pt modelId="4">
+          <dgm:prSet phldr="1"/>
+        </dgm:pt>
+      </dgm:ptLst>
+      <dgm:cxnLst>
+        <dgm:cxn modelId="5" srcId="0" destId="1" srcOrd="0" destOrd="0"/>
+        <dgm:cxn modelId="6" srcId="0" destId="2" srcOrd="1" destOrd="0"/>
+        <dgm:cxn modelId="7" srcId="0" destId="3" srcOrd="0" destOrd="0"/>
+        <dgm:cxn modelId="8" srcId="0" destId="4" srcOrd="1" destOrd="0"/>
+      </dgm:cxnLst>
+      <dgm:bg/>
+      <dgm:whole/>
+    </dgm:dataModel>
+  </dgm:sampData>
+  <dgm:styleData useDef="1">
+    <dgm:dataModel>
+      <dgm:ptLst/>
+      <dgm:bg/>
+      <dgm:whole/>
+    </dgm:dataModel>
+  </dgm:styleData>
+  <dgm:clrData useDef="1">
+    <dgm:dataModel>
+      <dgm:ptLst/>
+      <dgm:bg/>
+      <dgm:whole/>
+    </dgm:dataModel>
+  </dgm:clrData>
+  <dgm:layoutNode name="matrix">
+    <dgm:varLst>
+      <dgm:chMax val="1"/>
+      <dgm:dir/>
+      <dgm:resizeHandles val="exact"/>
+    </dgm:varLst>
+    <dgm:alg type="composite">
+      <dgm:param type="ar" val="1"/>
+    </dgm:alg>
+    <dgm:shape xmlns:r="http://schemas.openxmlformats.org/officeDocument/2006/relationships" r:blip="">
+      <dgm:adjLst/>
+    </dgm:shape>
+    <dgm:presOf/>
+    <dgm:choose name="Name0">
+      <dgm:if name="Name1" func="var" arg="dir" op="equ" val="norm">
+        <dgm:constrLst>
+          <dgm:constr type="w" for="ch" forName="diamond" refType="w"/>
+          <dgm:constr type="h" for="ch" forName="diamond" refType="h"/>
+          <dgm:constr type="w" for="ch" forName="quad1" refType="w" fact="0.39"/>
+          <dgm:constr type="h" for="ch" forName="quad1" refType="h" fact="0.39"/>
+          <dgm:constr type="ctrX" for="ch" forName="quad1" refType="w" fact="0.29"/>
+          <dgm:constr type="ctrY" for="ch" forName="quad1" refType="h" fact="0.29"/>
+          <dgm:constr type="w" for="ch" forName="quad2" refType="w" fact="0.39"/>
+          <dgm:constr type="h" for="ch" forName="quad2" refType="h" fact="0.39"/>
+          <dgm:constr type="ctrX" for="ch" forName="quad2" refType="w" fact="0.71"/>
+          <dgm:constr type="ctrY" for="ch" forName="quad2" refType="h" fact="0.29"/>
+          <dgm:constr type="w" for="ch" forName="quad3" refType="w" fact="0.39"/>
+          <dgm:constr type="h" for="ch" forName="quad3" refType="h" fact="0.39"/>
+          <dgm:constr type="ctrX" for="ch" forName="quad3" refType="w" fact="0.29"/>
+          <dgm:constr type="ctrY" for="ch" forName="quad3" refType="h" fact="0.71"/>
+          <dgm:constr type="w" for="ch" forName="quad4" refType="w" fact="0.39"/>
+          <dgm:constr type="h" for="ch" forName="quad4" refType="h" fact="0.39"/>
+          <dgm:constr type="ctrX" for="ch" forName="quad4" refType="w" fact="0.71"/>
+          <dgm:constr type="ctrY" for="ch" forName="quad4" refType="h" fact="0.71"/>
+          <dgm:constr type="primFontSz" for="des" ptType="node" op="equ" val="65"/>
+        </dgm:constrLst>
+      </dgm:if>
+      <dgm:else name="Name2">
+        <dgm:constrLst>
+          <dgm:constr type="w" for="ch" forName="diamond" refType="w"/>
+          <dgm:constr type="h" for="ch" forName="diamond" refType="h"/>
+          <dgm:constr type="w" for="ch" forName="quad1" refType="w" fact="0.39"/>
+          <dgm:constr type="h" for="ch" forName="quad1" refType="h" fact="0.39"/>
+          <dgm:constr type="ctrX" for="ch" forName="quad1" refType="w" fact="0.71"/>
+          <dgm:constr type="ctrY" for="ch" forName="quad1" refType="h" fact="0.29"/>
+          <dgm:constr type="w" for="ch" forName="quad2" refType="w" fact="0.39"/>
+          <dgm:constr type="h" for="ch" forName="quad2" refType="h" fact="0.39"/>
+          <dgm:constr type="ctrX" for="ch" forName="quad2" refType="w" fact="0.29"/>
+          <dgm:constr type="ctrY" for="ch" forName="quad2" refType="h" fact="0.29"/>
+          <dgm:constr type="w" for="ch" forName="quad3" refType="w" fact="0.39"/>
+          <dgm:constr type="h" for="ch" forName="quad3" refType="h" fact="0.39"/>
+          <dgm:constr type="ctrX" for="ch" forName="quad3" refType="w" fact="0.71"/>
+          <dgm:constr type="ctrY" for="ch" forName="quad3" refType="h" fact="0.71"/>
+          <dgm:constr type="w" for="ch" forName="quad4" refType="w" fact="0.39"/>
+          <dgm:constr type="h" for="ch" forName="quad4" refType="h" fact="0.39"/>
+          <dgm:constr type="ctrX" for="ch" forName="quad4" refType="w" fact="0.29"/>
+          <dgm:constr type="ctrY" for="ch" forName="quad4" refType="h" fact="0.71"/>
+          <dgm:constr type="primFontSz" for="des" ptType="node" op="equ" val="65"/>
+        </dgm:constrLst>
+      </dgm:else>
+    </dgm:choose>
+    <dgm:ruleLst/>
+    <dgm:choose name="Name3">
+      <dgm:if name="Name4" axis="ch" ptType="node" func="cnt" op="gte" val="1">
+        <dgm:layoutNode name="diamond" styleLbl="bgShp">
+          <dgm:alg type="sp"/>
+          <dgm:shape xmlns:r="http://schemas.openxmlformats.org/officeDocument/2006/relationships" type="diamond" r:blip="">
+            <dgm:adjLst/>
+          </dgm:shape>
+          <dgm:presOf/>
+          <dgm:constrLst>
+            <dgm:constr type="w" refType="h" op="equ"/>
+          </dgm:constrLst>
+          <dgm:ruleLst/>
+        </dgm:layoutNode>
+        <dgm:layoutNode name="quad1">
+          <dgm:varLst>
+            <dgm:chMax val="0"/>
+            <dgm:chPref val="0"/>
+            <dgm:bulletEnabled val="1"/>
+          </dgm:varLst>
+          <dgm:alg type="tx"/>
+          <dgm:shape xmlns:r="http://schemas.openxmlformats.org/officeDocument/2006/relationships" type="roundRect" r:blip="">
+            <dgm:adjLst/>
+          </dgm:shape>
+          <dgm:presOf axis="ch desOrSelf" ptType="node node" st="1 1" cnt="1 0"/>
+          <dgm:constrLst>
+            <dgm:constr type="w" refType="h" op="equ"/>
+            <dgm:constr type="tMarg" refType="primFontSz" fact="0.3"/>
+            <dgm:constr type="bMarg" refType="primFontSz" fact="0.3"/>
+            <dgm:constr type="lMarg" refType="primFontSz" fact="0.3"/>
+            <dgm:constr type="rMarg" refType="primFontSz" fact="0.3"/>
+          </dgm:constrLst>
+          <dgm:ruleLst>
+            <dgm:rule type="primFontSz" val="5" fact="NaN" max="NaN"/>
+          </dgm:ruleLst>
+        </dgm:layoutNode>
+        <dgm:layoutNode name="quad2">
+          <dgm:varLst>
+            <dgm:chMax val="0"/>
+            <dgm:chPref val="0"/>
+            <dgm:bulletEnabled val="1"/>
+          </dgm:varLst>
+          <dgm:alg type="tx"/>
+          <dgm:shape xmlns:r="http://schemas.openxmlformats.org/officeDocument/2006/relationships" type="roundRect" r:blip="">
+            <dgm:adjLst/>
+          </dgm:shape>
+          <dgm:presOf axis="ch desOrSelf" ptType="node node" st="2 1" cnt="1 0"/>
+          <dgm:constrLst>
+            <dgm:constr type="w" refType="h" op="equ"/>
+            <dgm:constr type="tMarg" refType="primFontSz" fact="0.3"/>
+            <dgm:constr type="bMarg" refType="primFontSz" fact="0.3"/>
+            <dgm:constr type="lMarg" refType="primFontSz" fact="0.3"/>
+            <dgm:constr type="rMarg" refType="primFontSz" fact="0.3"/>
+          </dgm:constrLst>
+          <dgm:ruleLst>
+            <dgm:rule type="primFontSz" val="5" fact="NaN" max="NaN"/>
+          </dgm:ruleLst>
+        </dgm:layoutNode>
+        <dgm:layoutNode name="quad3">
+          <dgm:varLst>
+            <dgm:chMax val="0"/>
+            <dgm:chPref val="0"/>
+            <dgm:bulletEnabled val="1"/>
+          </dgm:varLst>
+          <dgm:alg type="tx"/>
+          <dgm:shape xmlns:r="http://schemas.openxmlformats.org/officeDocument/2006/relationships" type="roundRect" r:blip="">
+            <dgm:adjLst/>
+          </dgm:shape>
+          <dgm:presOf axis="ch desOrSelf" ptType="node node" st="3 1" cnt="1 0"/>
+          <dgm:constrLst>
+            <dgm:constr type="w" refType="h" op="equ"/>
+            <dgm:constr type="tMarg" refType="primFontSz" fact="0.3"/>
+            <dgm:constr type="bMarg" refType="primFontSz" fact="0.3"/>
+            <dgm:constr type="lMarg" refType="primFontSz" fact="0.3"/>
+            <dgm:constr type="rMarg" refType="primFontSz" fact="0.3"/>
+          </dgm:constrLst>
+          <dgm:ruleLst>
+            <dgm:rule type="primFontSz" val="5" fact="NaN" max="NaN"/>
+          </dgm:ruleLst>
+        </dgm:layoutNode>
+        <dgm:layoutNode name="quad4">
+          <dgm:varLst>
+            <dgm:chMax val="0"/>
+            <dgm:chPref val="0"/>
+            <dgm:bulletEnabled val="1"/>
+          </dgm:varLst>
+          <dgm:alg type="tx"/>
+          <dgm:shape xmlns:r="http://schemas.openxmlformats.org/officeDocument/2006/relationships" type="roundRect" r:blip="">
+            <dgm:adjLst/>
+          </dgm:shape>
+          <dgm:presOf axis="ch desOrSelf" ptType="node node" st="4 1" cnt="1 0"/>
+          <dgm:constrLst>
+            <dgm:constr type="w" refType="h" op="equ"/>
+            <dgm:constr type="tMarg" refType="primFontSz" fact="0.3"/>
+            <dgm:constr type="bMarg" refType="primFontSz" fact="0.3"/>
+            <dgm:constr type="lMarg" refType="primFontSz" fact="0.3"/>
+            <dgm:constr type="rMarg" refType="primFontSz" fact="0.3"/>
+          </dgm:constrLst>
+          <dgm:ruleLst>
+            <dgm:rule type="primFontSz" val="5" fact="NaN" max="NaN"/>
+          </dgm:ruleLst>
+        </dgm:layoutNode>
+      </dgm:if>
+      <dgm:else name="Name5"/>
+    </dgm:choose>
+  </dgm:layoutNode>
+</dgm:layoutDef>
+</file>
+
 <file path=ppt/diagrams/quickStyle1.xml><?xml version="1.0" encoding="utf-8"?>
 <dgm:styleDef xmlns:dgm="http://schemas.openxmlformats.org/drawingml/2006/diagram" xmlns:a="http://schemas.openxmlformats.org/drawingml/2006/main" uniqueId="urn:microsoft.com/office/officeart/2005/8/quickstyle/simple1">
   <dgm:title val=""/>
@@ -7708,6 +11150,2074 @@
 </file>
 
 <file path=ppt/diagrams/quickStyle3.xml><?xml version="1.0" encoding="utf-8"?>
+<dgm:styleDef xmlns:dgm="http://schemas.openxmlformats.org/drawingml/2006/diagram" xmlns:a="http://schemas.openxmlformats.org/drawingml/2006/main" uniqueId="urn:microsoft.com/office/officeart/2005/8/quickstyle/simple1">
+  <dgm:title val=""/>
+  <dgm:desc val=""/>
+  <dgm:catLst>
+    <dgm:cat type="simple" pri="10100"/>
+  </dgm:catLst>
+  <dgm:scene3d>
+    <a:camera prst="orthographicFront"/>
+    <a:lightRig rig="threePt" dir="t"/>
+  </dgm:scene3d>
+  <dgm:styleLbl name="node0">
+    <dgm:scene3d>
+      <a:camera prst="orthographicFront"/>
+      <a:lightRig rig="threePt" dir="t"/>
+    </dgm:scene3d>
+    <dgm:sp3d/>
+    <dgm:txPr/>
+    <dgm:style>
+      <a:lnRef idx="2">
+        <a:scrgbClr r="0" g="0" b="0"/>
+      </a:lnRef>
+      <a:fillRef idx="1">
+        <a:scrgbClr r="0" g="0" b="0"/>
+      </a:fillRef>
+      <a:effectRef idx="0">
+        <a:scrgbClr r="0" g="0" b="0"/>
+      </a:effectRef>
+      <a:fontRef idx="minor">
+        <a:schemeClr val="lt1"/>
+      </a:fontRef>
+    </dgm:style>
+  </dgm:styleLbl>
+  <dgm:styleLbl name="lnNode1">
+    <dgm:scene3d>
+      <a:camera prst="orthographicFront"/>
+      <a:lightRig rig="threePt" dir="t"/>
+    </dgm:scene3d>
+    <dgm:sp3d/>
+    <dgm:txPr/>
+    <dgm:style>
+      <a:lnRef idx="2">
+        <a:scrgbClr r="0" g="0" b="0"/>
+      </a:lnRef>
+      <a:fillRef idx="1">
+        <a:scrgbClr r="0" g="0" b="0"/>
+      </a:fillRef>
+      <a:effectRef idx="0">
+        <a:scrgbClr r="0" g="0" b="0"/>
+      </a:effectRef>
+      <a:fontRef idx="minor">
+        <a:schemeClr val="lt1"/>
+      </a:fontRef>
+    </dgm:style>
+  </dgm:styleLbl>
+  <dgm:styleLbl name="vennNode1">
+    <dgm:scene3d>
+      <a:camera prst="orthographicFront"/>
+      <a:lightRig rig="threePt" dir="t"/>
+    </dgm:scene3d>
+    <dgm:sp3d/>
+    <dgm:txPr/>
+    <dgm:style>
+      <a:lnRef idx="2">
+        <a:scrgbClr r="0" g="0" b="0"/>
+      </a:lnRef>
+      <a:fillRef idx="1">
+        <a:scrgbClr r="0" g="0" b="0"/>
+      </a:fillRef>
+      <a:effectRef idx="0">
+        <a:scrgbClr r="0" g="0" b="0"/>
+      </a:effectRef>
+      <a:fontRef idx="minor">
+        <a:schemeClr val="tx1"/>
+      </a:fontRef>
+    </dgm:style>
+  </dgm:styleLbl>
+  <dgm:styleLbl name="alignNode1">
+    <dgm:scene3d>
+      <a:camera prst="orthographicFront"/>
+      <a:lightRig rig="threePt" dir="t"/>
+    </dgm:scene3d>
+    <dgm:sp3d/>
+    <dgm:txPr/>
+    <dgm:style>
+      <a:lnRef idx="2">
+        <a:scrgbClr r="0" g="0" b="0"/>
+      </a:lnRef>
+      <a:fillRef idx="1">
+        <a:scrgbClr r="0" g="0" b="0"/>
+      </a:fillRef>
+      <a:effectRef idx="0">
+        <a:scrgbClr r="0" g="0" b="0"/>
+      </a:effectRef>
+      <a:fontRef idx="minor">
+        <a:schemeClr val="lt1"/>
+      </a:fontRef>
+    </dgm:style>
+  </dgm:styleLbl>
+  <dgm:styleLbl name="node1">
+    <dgm:scene3d>
+      <a:camera prst="orthographicFront"/>
+      <a:lightRig rig="threePt" dir="t"/>
+    </dgm:scene3d>
+    <dgm:sp3d/>
+    <dgm:txPr/>
+    <dgm:style>
+      <a:lnRef idx="2">
+        <a:scrgbClr r="0" g="0" b="0"/>
+      </a:lnRef>
+      <a:fillRef idx="1">
+        <a:scrgbClr r="0" g="0" b="0"/>
+      </a:fillRef>
+      <a:effectRef idx="0">
+        <a:scrgbClr r="0" g="0" b="0"/>
+      </a:effectRef>
+      <a:fontRef idx="minor">
+        <a:schemeClr val="lt1"/>
+      </a:fontRef>
+    </dgm:style>
+  </dgm:styleLbl>
+  <dgm:styleLbl name="node2">
+    <dgm:scene3d>
+      <a:camera prst="orthographicFront"/>
+      <a:lightRig rig="threePt" dir="t"/>
+    </dgm:scene3d>
+    <dgm:sp3d/>
+    <dgm:txPr/>
+    <dgm:style>
+      <a:lnRef idx="2">
+        <a:scrgbClr r="0" g="0" b="0"/>
+      </a:lnRef>
+      <a:fillRef idx="1">
+        <a:scrgbClr r="0" g="0" b="0"/>
+      </a:fillRef>
+      <a:effectRef idx="0">
+        <a:scrgbClr r="0" g="0" b="0"/>
+      </a:effectRef>
+      <a:fontRef idx="minor">
+        <a:schemeClr val="lt1"/>
+      </a:fontRef>
+    </dgm:style>
+  </dgm:styleLbl>
+  <dgm:styleLbl name="node3">
+    <dgm:scene3d>
+      <a:camera prst="orthographicFront"/>
+      <a:lightRig rig="threePt" dir="t"/>
+    </dgm:scene3d>
+    <dgm:sp3d/>
+    <dgm:txPr/>
+    <dgm:style>
+      <a:lnRef idx="2">
+        <a:scrgbClr r="0" g="0" b="0"/>
+      </a:lnRef>
+      <a:fillRef idx="1">
+        <a:scrgbClr r="0" g="0" b="0"/>
+      </a:fillRef>
+      <a:effectRef idx="0">
+        <a:scrgbClr r="0" g="0" b="0"/>
+      </a:effectRef>
+      <a:fontRef idx="minor">
+        <a:schemeClr val="lt1"/>
+      </a:fontRef>
+    </dgm:style>
+  </dgm:styleLbl>
+  <dgm:styleLbl name="node4">
+    <dgm:scene3d>
+      <a:camera prst="orthographicFront"/>
+      <a:lightRig rig="threePt" dir="t"/>
+    </dgm:scene3d>
+    <dgm:sp3d/>
+    <dgm:txPr/>
+    <dgm:style>
+      <a:lnRef idx="2">
+        <a:scrgbClr r="0" g="0" b="0"/>
+      </a:lnRef>
+      <a:fillRef idx="1">
+        <a:scrgbClr r="0" g="0" b="0"/>
+      </a:fillRef>
+      <a:effectRef idx="0">
+        <a:scrgbClr r="0" g="0" b="0"/>
+      </a:effectRef>
+      <a:fontRef idx="minor">
+        <a:schemeClr val="lt1"/>
+      </a:fontRef>
+    </dgm:style>
+  </dgm:styleLbl>
+  <dgm:styleLbl name="fgImgPlace1">
+    <dgm:scene3d>
+      <a:camera prst="orthographicFront"/>
+      <a:lightRig rig="threePt" dir="t"/>
+    </dgm:scene3d>
+    <dgm:sp3d/>
+    <dgm:txPr/>
+    <dgm:style>
+      <a:lnRef idx="2">
+        <a:scrgbClr r="0" g="0" b="0"/>
+      </a:lnRef>
+      <a:fillRef idx="1">
+        <a:scrgbClr r="0" g="0" b="0"/>
+      </a:fillRef>
+      <a:effectRef idx="0">
+        <a:scrgbClr r="0" g="0" b="0"/>
+      </a:effectRef>
+      <a:fontRef idx="minor"/>
+    </dgm:style>
+  </dgm:styleLbl>
+  <dgm:styleLbl name="alignImgPlace1">
+    <dgm:scene3d>
+      <a:camera prst="orthographicFront"/>
+      <a:lightRig rig="threePt" dir="t"/>
+    </dgm:scene3d>
+    <dgm:sp3d/>
+    <dgm:txPr/>
+    <dgm:style>
+      <a:lnRef idx="2">
+        <a:scrgbClr r="0" g="0" b="0"/>
+      </a:lnRef>
+      <a:fillRef idx="1">
+        <a:scrgbClr r="0" g="0" b="0"/>
+      </a:fillRef>
+      <a:effectRef idx="0">
+        <a:scrgbClr r="0" g="0" b="0"/>
+      </a:effectRef>
+      <a:fontRef idx="minor"/>
+    </dgm:style>
+  </dgm:styleLbl>
+  <dgm:styleLbl name="bgImgPlace1">
+    <dgm:scene3d>
+      <a:camera prst="orthographicFront"/>
+      <a:lightRig rig="threePt" dir="t"/>
+    </dgm:scene3d>
+    <dgm:sp3d/>
+    <dgm:txPr/>
+    <dgm:style>
+      <a:lnRef idx="2">
+        <a:scrgbClr r="0" g="0" b="0"/>
+      </a:lnRef>
+      <a:fillRef idx="1">
+        <a:scrgbClr r="0" g="0" b="0"/>
+      </a:fillRef>
+      <a:effectRef idx="0">
+        <a:scrgbClr r="0" g="0" b="0"/>
+      </a:effectRef>
+      <a:fontRef idx="minor"/>
+    </dgm:style>
+  </dgm:styleLbl>
+  <dgm:styleLbl name="sibTrans2D1">
+    <dgm:scene3d>
+      <a:camera prst="orthographicFront"/>
+      <a:lightRig rig="threePt" dir="t"/>
+    </dgm:scene3d>
+    <dgm:sp3d/>
+    <dgm:txPr/>
+    <dgm:style>
+      <a:lnRef idx="0">
+        <a:scrgbClr r="0" g="0" b="0"/>
+      </a:lnRef>
+      <a:fillRef idx="1">
+        <a:scrgbClr r="0" g="0" b="0"/>
+      </a:fillRef>
+      <a:effectRef idx="0">
+        <a:scrgbClr r="0" g="0" b="0"/>
+      </a:effectRef>
+      <a:fontRef idx="minor">
+        <a:schemeClr val="lt1"/>
+      </a:fontRef>
+    </dgm:style>
+  </dgm:styleLbl>
+  <dgm:styleLbl name="fgSibTrans2D1">
+    <dgm:scene3d>
+      <a:camera prst="orthographicFront"/>
+      <a:lightRig rig="threePt" dir="t"/>
+    </dgm:scene3d>
+    <dgm:sp3d/>
+    <dgm:txPr/>
+    <dgm:style>
+      <a:lnRef idx="0">
+        <a:scrgbClr r="0" g="0" b="0"/>
+      </a:lnRef>
+      <a:fillRef idx="1">
+        <a:scrgbClr r="0" g="0" b="0"/>
+      </a:fillRef>
+      <a:effectRef idx="0">
+        <a:scrgbClr r="0" g="0" b="0"/>
+      </a:effectRef>
+      <a:fontRef idx="minor">
+        <a:schemeClr val="lt1"/>
+      </a:fontRef>
+    </dgm:style>
+  </dgm:styleLbl>
+  <dgm:styleLbl name="bgSibTrans2D1">
+    <dgm:scene3d>
+      <a:camera prst="orthographicFront"/>
+      <a:lightRig rig="threePt" dir="t"/>
+    </dgm:scene3d>
+    <dgm:sp3d/>
+    <dgm:txPr/>
+    <dgm:style>
+      <a:lnRef idx="0">
+        <a:scrgbClr r="0" g="0" b="0"/>
+      </a:lnRef>
+      <a:fillRef idx="1">
+        <a:scrgbClr r="0" g="0" b="0"/>
+      </a:fillRef>
+      <a:effectRef idx="0">
+        <a:scrgbClr r="0" g="0" b="0"/>
+      </a:effectRef>
+      <a:fontRef idx="minor">
+        <a:schemeClr val="lt1"/>
+      </a:fontRef>
+    </dgm:style>
+  </dgm:styleLbl>
+  <dgm:styleLbl name="sibTrans1D1">
+    <dgm:scene3d>
+      <a:camera prst="orthographicFront"/>
+      <a:lightRig rig="threePt" dir="t"/>
+    </dgm:scene3d>
+    <dgm:sp3d/>
+    <dgm:txPr/>
+    <dgm:style>
+      <a:lnRef idx="1">
+        <a:scrgbClr r="0" g="0" b="0"/>
+      </a:lnRef>
+      <a:fillRef idx="0">
+        <a:scrgbClr r="0" g="0" b="0"/>
+      </a:fillRef>
+      <a:effectRef idx="0">
+        <a:scrgbClr r="0" g="0" b="0"/>
+      </a:effectRef>
+      <a:fontRef idx="minor"/>
+    </dgm:style>
+  </dgm:styleLbl>
+  <dgm:styleLbl name="callout">
+    <dgm:scene3d>
+      <a:camera prst="orthographicFront"/>
+      <a:lightRig rig="threePt" dir="t"/>
+    </dgm:scene3d>
+    <dgm:sp3d/>
+    <dgm:txPr/>
+    <dgm:style>
+      <a:lnRef idx="2">
+        <a:scrgbClr r="0" g="0" b="0"/>
+      </a:lnRef>
+      <a:fillRef idx="1">
+        <a:scrgbClr r="0" g="0" b="0"/>
+      </a:fillRef>
+      <a:effectRef idx="0">
+        <a:scrgbClr r="0" g="0" b="0"/>
+      </a:effectRef>
+      <a:fontRef idx="minor"/>
+    </dgm:style>
+  </dgm:styleLbl>
+  <dgm:styleLbl name="asst0">
+    <dgm:scene3d>
+      <a:camera prst="orthographicFront"/>
+      <a:lightRig rig="threePt" dir="t"/>
+    </dgm:scene3d>
+    <dgm:sp3d/>
+    <dgm:txPr/>
+    <dgm:style>
+      <a:lnRef idx="2">
+        <a:scrgbClr r="0" g="0" b="0"/>
+      </a:lnRef>
+      <a:fillRef idx="1">
+        <a:scrgbClr r="0" g="0" b="0"/>
+      </a:fillRef>
+      <a:effectRef idx="0">
+        <a:scrgbClr r="0" g="0" b="0"/>
+      </a:effectRef>
+      <a:fontRef idx="minor">
+        <a:schemeClr val="lt1"/>
+      </a:fontRef>
+    </dgm:style>
+  </dgm:styleLbl>
+  <dgm:styleLbl name="asst1">
+    <dgm:scene3d>
+      <a:camera prst="orthographicFront"/>
+      <a:lightRig rig="threePt" dir="t"/>
+    </dgm:scene3d>
+    <dgm:sp3d/>
+    <dgm:txPr/>
+    <dgm:style>
+      <a:lnRef idx="2">
+        <a:scrgbClr r="0" g="0" b="0"/>
+      </a:lnRef>
+      <a:fillRef idx="1">
+        <a:scrgbClr r="0" g="0" b="0"/>
+      </a:fillRef>
+      <a:effectRef idx="0">
+        <a:scrgbClr r="0" g="0" b="0"/>
+      </a:effectRef>
+      <a:fontRef idx="minor">
+        <a:schemeClr val="lt1"/>
+      </a:fontRef>
+    </dgm:style>
+  </dgm:styleLbl>
+  <dgm:styleLbl name="asst2">
+    <dgm:scene3d>
+      <a:camera prst="orthographicFront"/>
+      <a:lightRig rig="threePt" dir="t"/>
+    </dgm:scene3d>
+    <dgm:sp3d/>
+    <dgm:txPr/>
+    <dgm:style>
+      <a:lnRef idx="2">
+        <a:scrgbClr r="0" g="0" b="0"/>
+      </a:lnRef>
+      <a:fillRef idx="1">
+        <a:scrgbClr r="0" g="0" b="0"/>
+      </a:fillRef>
+      <a:effectRef idx="0">
+        <a:scrgbClr r="0" g="0" b="0"/>
+      </a:effectRef>
+      <a:fontRef idx="minor">
+        <a:schemeClr val="lt1"/>
+      </a:fontRef>
+    </dgm:style>
+  </dgm:styleLbl>
+  <dgm:styleLbl name="asst3">
+    <dgm:scene3d>
+      <a:camera prst="orthographicFront"/>
+      <a:lightRig rig="threePt" dir="t"/>
+    </dgm:scene3d>
+    <dgm:sp3d/>
+    <dgm:txPr/>
+    <dgm:style>
+      <a:lnRef idx="2">
+        <a:scrgbClr r="0" g="0" b="0"/>
+      </a:lnRef>
+      <a:fillRef idx="1">
+        <a:scrgbClr r="0" g="0" b="0"/>
+      </a:fillRef>
+      <a:effectRef idx="0">
+        <a:scrgbClr r="0" g="0" b="0"/>
+      </a:effectRef>
+      <a:fontRef idx="minor">
+        <a:schemeClr val="lt1"/>
+      </a:fontRef>
+    </dgm:style>
+  </dgm:styleLbl>
+  <dgm:styleLbl name="asst4">
+    <dgm:scene3d>
+      <a:camera prst="orthographicFront"/>
+      <a:lightRig rig="threePt" dir="t"/>
+    </dgm:scene3d>
+    <dgm:sp3d/>
+    <dgm:txPr/>
+    <dgm:style>
+      <a:lnRef idx="2">
+        <a:scrgbClr r="0" g="0" b="0"/>
+      </a:lnRef>
+      <a:fillRef idx="1">
+        <a:scrgbClr r="0" g="0" b="0"/>
+      </a:fillRef>
+      <a:effectRef idx="0">
+        <a:scrgbClr r="0" g="0" b="0"/>
+      </a:effectRef>
+      <a:fontRef idx="minor">
+        <a:schemeClr val="lt1"/>
+      </a:fontRef>
+    </dgm:style>
+  </dgm:styleLbl>
+  <dgm:styleLbl name="parChTrans2D1">
+    <dgm:scene3d>
+      <a:camera prst="orthographicFront"/>
+      <a:lightRig rig="threePt" dir="t"/>
+    </dgm:scene3d>
+    <dgm:sp3d/>
+    <dgm:txPr/>
+    <dgm:style>
+      <a:lnRef idx="2">
+        <a:scrgbClr r="0" g="0" b="0"/>
+      </a:lnRef>
+      <a:fillRef idx="1">
+        <a:scrgbClr r="0" g="0" b="0"/>
+      </a:fillRef>
+      <a:effectRef idx="0">
+        <a:scrgbClr r="0" g="0" b="0"/>
+      </a:effectRef>
+      <a:fontRef idx="minor">
+        <a:schemeClr val="lt1"/>
+      </a:fontRef>
+    </dgm:style>
+  </dgm:styleLbl>
+  <dgm:styleLbl name="parChTrans2D2">
+    <dgm:scene3d>
+      <a:camera prst="orthographicFront"/>
+      <a:lightRig rig="threePt" dir="t"/>
+    </dgm:scene3d>
+    <dgm:sp3d/>
+    <dgm:txPr/>
+    <dgm:style>
+      <a:lnRef idx="2">
+        <a:scrgbClr r="0" g="0" b="0"/>
+      </a:lnRef>
+      <a:fillRef idx="1">
+        <a:scrgbClr r="0" g="0" b="0"/>
+      </a:fillRef>
+      <a:effectRef idx="0">
+        <a:scrgbClr r="0" g="0" b="0"/>
+      </a:effectRef>
+      <a:fontRef idx="minor">
+        <a:schemeClr val="lt1"/>
+      </a:fontRef>
+    </dgm:style>
+  </dgm:styleLbl>
+  <dgm:styleLbl name="parChTrans2D3">
+    <dgm:scene3d>
+      <a:camera prst="orthographicFront"/>
+      <a:lightRig rig="threePt" dir="t"/>
+    </dgm:scene3d>
+    <dgm:sp3d/>
+    <dgm:txPr/>
+    <dgm:style>
+      <a:lnRef idx="2">
+        <a:scrgbClr r="0" g="0" b="0"/>
+      </a:lnRef>
+      <a:fillRef idx="1">
+        <a:scrgbClr r="0" g="0" b="0"/>
+      </a:fillRef>
+      <a:effectRef idx="0">
+        <a:scrgbClr r="0" g="0" b="0"/>
+      </a:effectRef>
+      <a:fontRef idx="minor">
+        <a:schemeClr val="lt1"/>
+      </a:fontRef>
+    </dgm:style>
+  </dgm:styleLbl>
+  <dgm:styleLbl name="parChTrans2D4">
+    <dgm:scene3d>
+      <a:camera prst="orthographicFront"/>
+      <a:lightRig rig="threePt" dir="t"/>
+    </dgm:scene3d>
+    <dgm:sp3d/>
+    <dgm:txPr/>
+    <dgm:style>
+      <a:lnRef idx="2">
+        <a:scrgbClr r="0" g="0" b="0"/>
+      </a:lnRef>
+      <a:fillRef idx="1">
+        <a:scrgbClr r="0" g="0" b="0"/>
+      </a:fillRef>
+      <a:effectRef idx="0">
+        <a:scrgbClr r="0" g="0" b="0"/>
+      </a:effectRef>
+      <a:fontRef idx="minor">
+        <a:schemeClr val="lt1"/>
+      </a:fontRef>
+    </dgm:style>
+  </dgm:styleLbl>
+  <dgm:styleLbl name="parChTrans1D1">
+    <dgm:scene3d>
+      <a:camera prst="orthographicFront"/>
+      <a:lightRig rig="threePt" dir="t"/>
+    </dgm:scene3d>
+    <dgm:sp3d/>
+    <dgm:txPr/>
+    <dgm:style>
+      <a:lnRef idx="2">
+        <a:scrgbClr r="0" g="0" b="0"/>
+      </a:lnRef>
+      <a:fillRef idx="0">
+        <a:scrgbClr r="0" g="0" b="0"/>
+      </a:fillRef>
+      <a:effectRef idx="0">
+        <a:scrgbClr r="0" g="0" b="0"/>
+      </a:effectRef>
+      <a:fontRef idx="minor"/>
+    </dgm:style>
+  </dgm:styleLbl>
+  <dgm:styleLbl name="parChTrans1D2">
+    <dgm:scene3d>
+      <a:camera prst="orthographicFront"/>
+      <a:lightRig rig="threePt" dir="t"/>
+    </dgm:scene3d>
+    <dgm:sp3d/>
+    <dgm:txPr/>
+    <dgm:style>
+      <a:lnRef idx="2">
+        <a:scrgbClr r="0" g="0" b="0"/>
+      </a:lnRef>
+      <a:fillRef idx="0">
+        <a:scrgbClr r="0" g="0" b="0"/>
+      </a:fillRef>
+      <a:effectRef idx="0">
+        <a:scrgbClr r="0" g="0" b="0"/>
+      </a:effectRef>
+      <a:fontRef idx="minor"/>
+    </dgm:style>
+  </dgm:styleLbl>
+  <dgm:styleLbl name="parChTrans1D3">
+    <dgm:scene3d>
+      <a:camera prst="orthographicFront"/>
+      <a:lightRig rig="threePt" dir="t"/>
+    </dgm:scene3d>
+    <dgm:sp3d/>
+    <dgm:txPr/>
+    <dgm:style>
+      <a:lnRef idx="2">
+        <a:scrgbClr r="0" g="0" b="0"/>
+      </a:lnRef>
+      <a:fillRef idx="0">
+        <a:scrgbClr r="0" g="0" b="0"/>
+      </a:fillRef>
+      <a:effectRef idx="0">
+        <a:scrgbClr r="0" g="0" b="0"/>
+      </a:effectRef>
+      <a:fontRef idx="minor"/>
+    </dgm:style>
+  </dgm:styleLbl>
+  <dgm:styleLbl name="parChTrans1D4">
+    <dgm:scene3d>
+      <a:camera prst="orthographicFront"/>
+      <a:lightRig rig="threePt" dir="t"/>
+    </dgm:scene3d>
+    <dgm:sp3d/>
+    <dgm:txPr/>
+    <dgm:style>
+      <a:lnRef idx="2">
+        <a:scrgbClr r="0" g="0" b="0"/>
+      </a:lnRef>
+      <a:fillRef idx="0">
+        <a:scrgbClr r="0" g="0" b="0"/>
+      </a:fillRef>
+      <a:effectRef idx="0">
+        <a:scrgbClr r="0" g="0" b="0"/>
+      </a:effectRef>
+      <a:fontRef idx="minor"/>
+    </dgm:style>
+  </dgm:styleLbl>
+  <dgm:styleLbl name="fgAcc1">
+    <dgm:scene3d>
+      <a:camera prst="orthographicFront"/>
+      <a:lightRig rig="threePt" dir="t"/>
+    </dgm:scene3d>
+    <dgm:sp3d/>
+    <dgm:txPr/>
+    <dgm:style>
+      <a:lnRef idx="2">
+        <a:scrgbClr r="0" g="0" b="0"/>
+      </a:lnRef>
+      <a:fillRef idx="1">
+        <a:scrgbClr r="0" g="0" b="0"/>
+      </a:fillRef>
+      <a:effectRef idx="0">
+        <a:scrgbClr r="0" g="0" b="0"/>
+      </a:effectRef>
+      <a:fontRef idx="minor"/>
+    </dgm:style>
+  </dgm:styleLbl>
+  <dgm:styleLbl name="conFgAcc1">
+    <dgm:scene3d>
+      <a:camera prst="orthographicFront"/>
+      <a:lightRig rig="threePt" dir="t"/>
+    </dgm:scene3d>
+    <dgm:sp3d/>
+    <dgm:txPr/>
+    <dgm:style>
+      <a:lnRef idx="2">
+        <a:scrgbClr r="0" g="0" b="0"/>
+      </a:lnRef>
+      <a:fillRef idx="1">
+        <a:scrgbClr r="0" g="0" b="0"/>
+      </a:fillRef>
+      <a:effectRef idx="0">
+        <a:scrgbClr r="0" g="0" b="0"/>
+      </a:effectRef>
+      <a:fontRef idx="minor"/>
+    </dgm:style>
+  </dgm:styleLbl>
+  <dgm:styleLbl name="alignAcc1">
+    <dgm:scene3d>
+      <a:camera prst="orthographicFront"/>
+      <a:lightRig rig="threePt" dir="t"/>
+    </dgm:scene3d>
+    <dgm:sp3d/>
+    <dgm:txPr/>
+    <dgm:style>
+      <a:lnRef idx="2">
+        <a:scrgbClr r="0" g="0" b="0"/>
+      </a:lnRef>
+      <a:fillRef idx="1">
+        <a:scrgbClr r="0" g="0" b="0"/>
+      </a:fillRef>
+      <a:effectRef idx="0">
+        <a:scrgbClr r="0" g="0" b="0"/>
+      </a:effectRef>
+      <a:fontRef idx="minor"/>
+    </dgm:style>
+  </dgm:styleLbl>
+  <dgm:styleLbl name="trAlignAcc1">
+    <dgm:scene3d>
+      <a:camera prst="orthographicFront"/>
+      <a:lightRig rig="threePt" dir="t"/>
+    </dgm:scene3d>
+    <dgm:sp3d/>
+    <dgm:txPr/>
+    <dgm:style>
+      <a:lnRef idx="1">
+        <a:scrgbClr r="0" g="0" b="0"/>
+      </a:lnRef>
+      <a:fillRef idx="1">
+        <a:scrgbClr r="0" g="0" b="0"/>
+      </a:fillRef>
+      <a:effectRef idx="0">
+        <a:scrgbClr r="0" g="0" b="0"/>
+      </a:effectRef>
+      <a:fontRef idx="minor"/>
+    </dgm:style>
+  </dgm:styleLbl>
+  <dgm:styleLbl name="bgAcc1">
+    <dgm:scene3d>
+      <a:camera prst="orthographicFront"/>
+      <a:lightRig rig="threePt" dir="t"/>
+    </dgm:scene3d>
+    <dgm:sp3d/>
+    <dgm:txPr/>
+    <dgm:style>
+      <a:lnRef idx="2">
+        <a:scrgbClr r="0" g="0" b="0"/>
+      </a:lnRef>
+      <a:fillRef idx="1">
+        <a:scrgbClr r="0" g="0" b="0"/>
+      </a:fillRef>
+      <a:effectRef idx="0">
+        <a:scrgbClr r="0" g="0" b="0"/>
+      </a:effectRef>
+      <a:fontRef idx="minor"/>
+    </dgm:style>
+  </dgm:styleLbl>
+  <dgm:styleLbl name="solidFgAcc1">
+    <dgm:scene3d>
+      <a:camera prst="orthographicFront"/>
+      <a:lightRig rig="threePt" dir="t"/>
+    </dgm:scene3d>
+    <dgm:sp3d/>
+    <dgm:txPr/>
+    <dgm:style>
+      <a:lnRef idx="2">
+        <a:scrgbClr r="0" g="0" b="0"/>
+      </a:lnRef>
+      <a:fillRef idx="1">
+        <a:scrgbClr r="0" g="0" b="0"/>
+      </a:fillRef>
+      <a:effectRef idx="0">
+        <a:scrgbClr r="0" g="0" b="0"/>
+      </a:effectRef>
+      <a:fontRef idx="minor"/>
+    </dgm:style>
+  </dgm:styleLbl>
+  <dgm:styleLbl name="solidAlignAcc1">
+    <dgm:scene3d>
+      <a:camera prst="orthographicFront"/>
+      <a:lightRig rig="threePt" dir="t"/>
+    </dgm:scene3d>
+    <dgm:sp3d/>
+    <dgm:txPr/>
+    <dgm:style>
+      <a:lnRef idx="2">
+        <a:scrgbClr r="0" g="0" b="0"/>
+      </a:lnRef>
+      <a:fillRef idx="1">
+        <a:scrgbClr r="0" g="0" b="0"/>
+      </a:fillRef>
+      <a:effectRef idx="0">
+        <a:scrgbClr r="0" g="0" b="0"/>
+      </a:effectRef>
+      <a:fontRef idx="minor"/>
+    </dgm:style>
+  </dgm:styleLbl>
+  <dgm:styleLbl name="solidBgAcc1">
+    <dgm:scene3d>
+      <a:camera prst="orthographicFront"/>
+      <a:lightRig rig="threePt" dir="t"/>
+    </dgm:scene3d>
+    <dgm:sp3d/>
+    <dgm:txPr/>
+    <dgm:style>
+      <a:lnRef idx="2">
+        <a:scrgbClr r="0" g="0" b="0"/>
+      </a:lnRef>
+      <a:fillRef idx="1">
+        <a:scrgbClr r="0" g="0" b="0"/>
+      </a:fillRef>
+      <a:effectRef idx="0">
+        <a:scrgbClr r="0" g="0" b="0"/>
+      </a:effectRef>
+      <a:fontRef idx="minor"/>
+    </dgm:style>
+  </dgm:styleLbl>
+  <dgm:styleLbl name="fgAccFollowNode1">
+    <dgm:scene3d>
+      <a:camera prst="orthographicFront"/>
+      <a:lightRig rig="threePt" dir="t"/>
+    </dgm:scene3d>
+    <dgm:sp3d/>
+    <dgm:txPr/>
+    <dgm:style>
+      <a:lnRef idx="2">
+        <a:scrgbClr r="0" g="0" b="0"/>
+      </a:lnRef>
+      <a:fillRef idx="1">
+        <a:scrgbClr r="0" g="0" b="0"/>
+      </a:fillRef>
+      <a:effectRef idx="0">
+        <a:scrgbClr r="0" g="0" b="0"/>
+      </a:effectRef>
+      <a:fontRef idx="minor"/>
+    </dgm:style>
+  </dgm:styleLbl>
+  <dgm:styleLbl name="alignAccFollowNode1">
+    <dgm:scene3d>
+      <a:camera prst="orthographicFront"/>
+      <a:lightRig rig="threePt" dir="t"/>
+    </dgm:scene3d>
+    <dgm:sp3d/>
+    <dgm:txPr/>
+    <dgm:style>
+      <a:lnRef idx="2">
+        <a:scrgbClr r="0" g="0" b="0"/>
+      </a:lnRef>
+      <a:fillRef idx="1">
+        <a:scrgbClr r="0" g="0" b="0"/>
+      </a:fillRef>
+      <a:effectRef idx="0">
+        <a:scrgbClr r="0" g="0" b="0"/>
+      </a:effectRef>
+      <a:fontRef idx="minor"/>
+    </dgm:style>
+  </dgm:styleLbl>
+  <dgm:styleLbl name="bgAccFollowNode1">
+    <dgm:scene3d>
+      <a:camera prst="orthographicFront"/>
+      <a:lightRig rig="threePt" dir="t"/>
+    </dgm:scene3d>
+    <dgm:sp3d/>
+    <dgm:txPr/>
+    <dgm:style>
+      <a:lnRef idx="2">
+        <a:scrgbClr r="0" g="0" b="0"/>
+      </a:lnRef>
+      <a:fillRef idx="1">
+        <a:scrgbClr r="0" g="0" b="0"/>
+      </a:fillRef>
+      <a:effectRef idx="0">
+        <a:scrgbClr r="0" g="0" b="0"/>
+      </a:effectRef>
+      <a:fontRef idx="minor"/>
+    </dgm:style>
+  </dgm:styleLbl>
+  <dgm:styleLbl name="fgAcc0">
+    <dgm:scene3d>
+      <a:camera prst="orthographicFront"/>
+      <a:lightRig rig="threePt" dir="t"/>
+    </dgm:scene3d>
+    <dgm:sp3d/>
+    <dgm:txPr/>
+    <dgm:style>
+      <a:lnRef idx="2">
+        <a:scrgbClr r="0" g="0" b="0"/>
+      </a:lnRef>
+      <a:fillRef idx="1">
+        <a:scrgbClr r="0" g="0" b="0"/>
+      </a:fillRef>
+      <a:effectRef idx="0">
+        <a:scrgbClr r="0" g="0" b="0"/>
+      </a:effectRef>
+      <a:fontRef idx="minor"/>
+    </dgm:style>
+  </dgm:styleLbl>
+  <dgm:styleLbl name="fgAcc2">
+    <dgm:scene3d>
+      <a:camera prst="orthographicFront"/>
+      <a:lightRig rig="threePt" dir="t"/>
+    </dgm:scene3d>
+    <dgm:sp3d/>
+    <dgm:txPr/>
+    <dgm:style>
+      <a:lnRef idx="2">
+        <a:scrgbClr r="0" g="0" b="0"/>
+      </a:lnRef>
+      <a:fillRef idx="1">
+        <a:scrgbClr r="0" g="0" b="0"/>
+      </a:fillRef>
+      <a:effectRef idx="0">
+        <a:scrgbClr r="0" g="0" b="0"/>
+      </a:effectRef>
+      <a:fontRef idx="minor"/>
+    </dgm:style>
+  </dgm:styleLbl>
+  <dgm:styleLbl name="fgAcc3">
+    <dgm:scene3d>
+      <a:camera prst="orthographicFront"/>
+      <a:lightRig rig="threePt" dir="t"/>
+    </dgm:scene3d>
+    <dgm:sp3d/>
+    <dgm:txPr/>
+    <dgm:style>
+      <a:lnRef idx="2">
+        <a:scrgbClr r="0" g="0" b="0"/>
+      </a:lnRef>
+      <a:fillRef idx="1">
+        <a:scrgbClr r="0" g="0" b="0"/>
+      </a:fillRef>
+      <a:effectRef idx="0">
+        <a:scrgbClr r="0" g="0" b="0"/>
+      </a:effectRef>
+      <a:fontRef idx="minor"/>
+    </dgm:style>
+  </dgm:styleLbl>
+  <dgm:styleLbl name="fgAcc4">
+    <dgm:scene3d>
+      <a:camera prst="orthographicFront"/>
+      <a:lightRig rig="threePt" dir="t"/>
+    </dgm:scene3d>
+    <dgm:sp3d/>
+    <dgm:txPr/>
+    <dgm:style>
+      <a:lnRef idx="2">
+        <a:scrgbClr r="0" g="0" b="0"/>
+      </a:lnRef>
+      <a:fillRef idx="1">
+        <a:scrgbClr r="0" g="0" b="0"/>
+      </a:fillRef>
+      <a:effectRef idx="0">
+        <a:scrgbClr r="0" g="0" b="0"/>
+      </a:effectRef>
+      <a:fontRef idx="minor"/>
+    </dgm:style>
+  </dgm:styleLbl>
+  <dgm:styleLbl name="bgShp">
+    <dgm:scene3d>
+      <a:camera prst="orthographicFront"/>
+      <a:lightRig rig="threePt" dir="t"/>
+    </dgm:scene3d>
+    <dgm:sp3d/>
+    <dgm:txPr/>
+    <dgm:style>
+      <a:lnRef idx="0">
+        <a:scrgbClr r="0" g="0" b="0"/>
+      </a:lnRef>
+      <a:fillRef idx="1">
+        <a:scrgbClr r="0" g="0" b="0"/>
+      </a:fillRef>
+      <a:effectRef idx="0">
+        <a:scrgbClr r="0" g="0" b="0"/>
+      </a:effectRef>
+      <a:fontRef idx="minor"/>
+    </dgm:style>
+  </dgm:styleLbl>
+  <dgm:styleLbl name="dkBgShp">
+    <dgm:scene3d>
+      <a:camera prst="orthographicFront"/>
+      <a:lightRig rig="threePt" dir="t"/>
+    </dgm:scene3d>
+    <dgm:sp3d/>
+    <dgm:txPr/>
+    <dgm:style>
+      <a:lnRef idx="0">
+        <a:scrgbClr r="0" g="0" b="0"/>
+      </a:lnRef>
+      <a:fillRef idx="1">
+        <a:scrgbClr r="0" g="0" b="0"/>
+      </a:fillRef>
+      <a:effectRef idx="0">
+        <a:scrgbClr r="0" g="0" b="0"/>
+      </a:effectRef>
+      <a:fontRef idx="minor"/>
+    </dgm:style>
+  </dgm:styleLbl>
+  <dgm:styleLbl name="trBgShp">
+    <dgm:scene3d>
+      <a:camera prst="orthographicFront"/>
+      <a:lightRig rig="threePt" dir="t"/>
+    </dgm:scene3d>
+    <dgm:sp3d/>
+    <dgm:txPr/>
+    <dgm:style>
+      <a:lnRef idx="0">
+        <a:scrgbClr r="0" g="0" b="0"/>
+      </a:lnRef>
+      <a:fillRef idx="1">
+        <a:scrgbClr r="0" g="0" b="0"/>
+      </a:fillRef>
+      <a:effectRef idx="0">
+        <a:scrgbClr r="0" g="0" b="0"/>
+      </a:effectRef>
+      <a:fontRef idx="minor"/>
+    </dgm:style>
+  </dgm:styleLbl>
+  <dgm:styleLbl name="fgShp">
+    <dgm:scene3d>
+      <a:camera prst="orthographicFront"/>
+      <a:lightRig rig="threePt" dir="t"/>
+    </dgm:scene3d>
+    <dgm:sp3d/>
+    <dgm:txPr/>
+    <dgm:style>
+      <a:lnRef idx="2">
+        <a:scrgbClr r="0" g="0" b="0"/>
+      </a:lnRef>
+      <a:fillRef idx="1">
+        <a:scrgbClr r="0" g="0" b="0"/>
+      </a:fillRef>
+      <a:effectRef idx="0">
+        <a:scrgbClr r="0" g="0" b="0"/>
+      </a:effectRef>
+      <a:fontRef idx="minor"/>
+    </dgm:style>
+  </dgm:styleLbl>
+  <dgm:styleLbl name="revTx">
+    <dgm:scene3d>
+      <a:camera prst="orthographicFront"/>
+      <a:lightRig rig="threePt" dir="t"/>
+    </dgm:scene3d>
+    <dgm:sp3d/>
+    <dgm:txPr/>
+    <dgm:style>
+      <a:lnRef idx="0">
+        <a:scrgbClr r="0" g="0" b="0"/>
+      </a:lnRef>
+      <a:fillRef idx="0">
+        <a:scrgbClr r="0" g="0" b="0"/>
+      </a:fillRef>
+      <a:effectRef idx="0">
+        <a:scrgbClr r="0" g="0" b="0"/>
+      </a:effectRef>
+      <a:fontRef idx="minor"/>
+    </dgm:style>
+  </dgm:styleLbl>
+</dgm:styleDef>
+</file>
+
+<file path=ppt/diagrams/quickStyle4.xml><?xml version="1.0" encoding="utf-8"?>
+<dgm:styleDef xmlns:dgm="http://schemas.openxmlformats.org/drawingml/2006/diagram" xmlns:a="http://schemas.openxmlformats.org/drawingml/2006/main" uniqueId="urn:microsoft.com/office/officeart/2005/8/quickstyle/simple1">
+  <dgm:title val=""/>
+  <dgm:desc val=""/>
+  <dgm:catLst>
+    <dgm:cat type="simple" pri="10100"/>
+  </dgm:catLst>
+  <dgm:scene3d>
+    <a:camera prst="orthographicFront"/>
+    <a:lightRig rig="threePt" dir="t"/>
+  </dgm:scene3d>
+  <dgm:styleLbl name="node0">
+    <dgm:scene3d>
+      <a:camera prst="orthographicFront"/>
+      <a:lightRig rig="threePt" dir="t"/>
+    </dgm:scene3d>
+    <dgm:sp3d/>
+    <dgm:txPr/>
+    <dgm:style>
+      <a:lnRef idx="2">
+        <a:scrgbClr r="0" g="0" b="0"/>
+      </a:lnRef>
+      <a:fillRef idx="1">
+        <a:scrgbClr r="0" g="0" b="0"/>
+      </a:fillRef>
+      <a:effectRef idx="0">
+        <a:scrgbClr r="0" g="0" b="0"/>
+      </a:effectRef>
+      <a:fontRef idx="minor">
+        <a:schemeClr val="lt1"/>
+      </a:fontRef>
+    </dgm:style>
+  </dgm:styleLbl>
+  <dgm:styleLbl name="lnNode1">
+    <dgm:scene3d>
+      <a:camera prst="orthographicFront"/>
+      <a:lightRig rig="threePt" dir="t"/>
+    </dgm:scene3d>
+    <dgm:sp3d/>
+    <dgm:txPr/>
+    <dgm:style>
+      <a:lnRef idx="2">
+        <a:scrgbClr r="0" g="0" b="0"/>
+      </a:lnRef>
+      <a:fillRef idx="1">
+        <a:scrgbClr r="0" g="0" b="0"/>
+      </a:fillRef>
+      <a:effectRef idx="0">
+        <a:scrgbClr r="0" g="0" b="0"/>
+      </a:effectRef>
+      <a:fontRef idx="minor">
+        <a:schemeClr val="lt1"/>
+      </a:fontRef>
+    </dgm:style>
+  </dgm:styleLbl>
+  <dgm:styleLbl name="vennNode1">
+    <dgm:scene3d>
+      <a:camera prst="orthographicFront"/>
+      <a:lightRig rig="threePt" dir="t"/>
+    </dgm:scene3d>
+    <dgm:sp3d/>
+    <dgm:txPr/>
+    <dgm:style>
+      <a:lnRef idx="2">
+        <a:scrgbClr r="0" g="0" b="0"/>
+      </a:lnRef>
+      <a:fillRef idx="1">
+        <a:scrgbClr r="0" g="0" b="0"/>
+      </a:fillRef>
+      <a:effectRef idx="0">
+        <a:scrgbClr r="0" g="0" b="0"/>
+      </a:effectRef>
+      <a:fontRef idx="minor">
+        <a:schemeClr val="tx1"/>
+      </a:fontRef>
+    </dgm:style>
+  </dgm:styleLbl>
+  <dgm:styleLbl name="alignNode1">
+    <dgm:scene3d>
+      <a:camera prst="orthographicFront"/>
+      <a:lightRig rig="threePt" dir="t"/>
+    </dgm:scene3d>
+    <dgm:sp3d/>
+    <dgm:txPr/>
+    <dgm:style>
+      <a:lnRef idx="2">
+        <a:scrgbClr r="0" g="0" b="0"/>
+      </a:lnRef>
+      <a:fillRef idx="1">
+        <a:scrgbClr r="0" g="0" b="0"/>
+      </a:fillRef>
+      <a:effectRef idx="0">
+        <a:scrgbClr r="0" g="0" b="0"/>
+      </a:effectRef>
+      <a:fontRef idx="minor">
+        <a:schemeClr val="lt1"/>
+      </a:fontRef>
+    </dgm:style>
+  </dgm:styleLbl>
+  <dgm:styleLbl name="node1">
+    <dgm:scene3d>
+      <a:camera prst="orthographicFront"/>
+      <a:lightRig rig="threePt" dir="t"/>
+    </dgm:scene3d>
+    <dgm:sp3d/>
+    <dgm:txPr/>
+    <dgm:style>
+      <a:lnRef idx="2">
+        <a:scrgbClr r="0" g="0" b="0"/>
+      </a:lnRef>
+      <a:fillRef idx="1">
+        <a:scrgbClr r="0" g="0" b="0"/>
+      </a:fillRef>
+      <a:effectRef idx="0">
+        <a:scrgbClr r="0" g="0" b="0"/>
+      </a:effectRef>
+      <a:fontRef idx="minor">
+        <a:schemeClr val="lt1"/>
+      </a:fontRef>
+    </dgm:style>
+  </dgm:styleLbl>
+  <dgm:styleLbl name="node2">
+    <dgm:scene3d>
+      <a:camera prst="orthographicFront"/>
+      <a:lightRig rig="threePt" dir="t"/>
+    </dgm:scene3d>
+    <dgm:sp3d/>
+    <dgm:txPr/>
+    <dgm:style>
+      <a:lnRef idx="2">
+        <a:scrgbClr r="0" g="0" b="0"/>
+      </a:lnRef>
+      <a:fillRef idx="1">
+        <a:scrgbClr r="0" g="0" b="0"/>
+      </a:fillRef>
+      <a:effectRef idx="0">
+        <a:scrgbClr r="0" g="0" b="0"/>
+      </a:effectRef>
+      <a:fontRef idx="minor">
+        <a:schemeClr val="lt1"/>
+      </a:fontRef>
+    </dgm:style>
+  </dgm:styleLbl>
+  <dgm:styleLbl name="node3">
+    <dgm:scene3d>
+      <a:camera prst="orthographicFront"/>
+      <a:lightRig rig="threePt" dir="t"/>
+    </dgm:scene3d>
+    <dgm:sp3d/>
+    <dgm:txPr/>
+    <dgm:style>
+      <a:lnRef idx="2">
+        <a:scrgbClr r="0" g="0" b="0"/>
+      </a:lnRef>
+      <a:fillRef idx="1">
+        <a:scrgbClr r="0" g="0" b="0"/>
+      </a:fillRef>
+      <a:effectRef idx="0">
+        <a:scrgbClr r="0" g="0" b="0"/>
+      </a:effectRef>
+      <a:fontRef idx="minor">
+        <a:schemeClr val="lt1"/>
+      </a:fontRef>
+    </dgm:style>
+  </dgm:styleLbl>
+  <dgm:styleLbl name="node4">
+    <dgm:scene3d>
+      <a:camera prst="orthographicFront"/>
+      <a:lightRig rig="threePt" dir="t"/>
+    </dgm:scene3d>
+    <dgm:sp3d/>
+    <dgm:txPr/>
+    <dgm:style>
+      <a:lnRef idx="2">
+        <a:scrgbClr r="0" g="0" b="0"/>
+      </a:lnRef>
+      <a:fillRef idx="1">
+        <a:scrgbClr r="0" g="0" b="0"/>
+      </a:fillRef>
+      <a:effectRef idx="0">
+        <a:scrgbClr r="0" g="0" b="0"/>
+      </a:effectRef>
+      <a:fontRef idx="minor">
+        <a:schemeClr val="lt1"/>
+      </a:fontRef>
+    </dgm:style>
+  </dgm:styleLbl>
+  <dgm:styleLbl name="fgImgPlace1">
+    <dgm:scene3d>
+      <a:camera prst="orthographicFront"/>
+      <a:lightRig rig="threePt" dir="t"/>
+    </dgm:scene3d>
+    <dgm:sp3d/>
+    <dgm:txPr/>
+    <dgm:style>
+      <a:lnRef idx="2">
+        <a:scrgbClr r="0" g="0" b="0"/>
+      </a:lnRef>
+      <a:fillRef idx="1">
+        <a:scrgbClr r="0" g="0" b="0"/>
+      </a:fillRef>
+      <a:effectRef idx="0">
+        <a:scrgbClr r="0" g="0" b="0"/>
+      </a:effectRef>
+      <a:fontRef idx="minor"/>
+    </dgm:style>
+  </dgm:styleLbl>
+  <dgm:styleLbl name="alignImgPlace1">
+    <dgm:scene3d>
+      <a:camera prst="orthographicFront"/>
+      <a:lightRig rig="threePt" dir="t"/>
+    </dgm:scene3d>
+    <dgm:sp3d/>
+    <dgm:txPr/>
+    <dgm:style>
+      <a:lnRef idx="2">
+        <a:scrgbClr r="0" g="0" b="0"/>
+      </a:lnRef>
+      <a:fillRef idx="1">
+        <a:scrgbClr r="0" g="0" b="0"/>
+      </a:fillRef>
+      <a:effectRef idx="0">
+        <a:scrgbClr r="0" g="0" b="0"/>
+      </a:effectRef>
+      <a:fontRef idx="minor"/>
+    </dgm:style>
+  </dgm:styleLbl>
+  <dgm:styleLbl name="bgImgPlace1">
+    <dgm:scene3d>
+      <a:camera prst="orthographicFront"/>
+      <a:lightRig rig="threePt" dir="t"/>
+    </dgm:scene3d>
+    <dgm:sp3d/>
+    <dgm:txPr/>
+    <dgm:style>
+      <a:lnRef idx="2">
+        <a:scrgbClr r="0" g="0" b="0"/>
+      </a:lnRef>
+      <a:fillRef idx="1">
+        <a:scrgbClr r="0" g="0" b="0"/>
+      </a:fillRef>
+      <a:effectRef idx="0">
+        <a:scrgbClr r="0" g="0" b="0"/>
+      </a:effectRef>
+      <a:fontRef idx="minor"/>
+    </dgm:style>
+  </dgm:styleLbl>
+  <dgm:styleLbl name="sibTrans2D1">
+    <dgm:scene3d>
+      <a:camera prst="orthographicFront"/>
+      <a:lightRig rig="threePt" dir="t"/>
+    </dgm:scene3d>
+    <dgm:sp3d/>
+    <dgm:txPr/>
+    <dgm:style>
+      <a:lnRef idx="0">
+        <a:scrgbClr r="0" g="0" b="0"/>
+      </a:lnRef>
+      <a:fillRef idx="1">
+        <a:scrgbClr r="0" g="0" b="0"/>
+      </a:fillRef>
+      <a:effectRef idx="0">
+        <a:scrgbClr r="0" g="0" b="0"/>
+      </a:effectRef>
+      <a:fontRef idx="minor">
+        <a:schemeClr val="lt1"/>
+      </a:fontRef>
+    </dgm:style>
+  </dgm:styleLbl>
+  <dgm:styleLbl name="fgSibTrans2D1">
+    <dgm:scene3d>
+      <a:camera prst="orthographicFront"/>
+      <a:lightRig rig="threePt" dir="t"/>
+    </dgm:scene3d>
+    <dgm:sp3d/>
+    <dgm:txPr/>
+    <dgm:style>
+      <a:lnRef idx="0">
+        <a:scrgbClr r="0" g="0" b="0"/>
+      </a:lnRef>
+      <a:fillRef idx="1">
+        <a:scrgbClr r="0" g="0" b="0"/>
+      </a:fillRef>
+      <a:effectRef idx="0">
+        <a:scrgbClr r="0" g="0" b="0"/>
+      </a:effectRef>
+      <a:fontRef idx="minor">
+        <a:schemeClr val="lt1"/>
+      </a:fontRef>
+    </dgm:style>
+  </dgm:styleLbl>
+  <dgm:styleLbl name="bgSibTrans2D1">
+    <dgm:scene3d>
+      <a:camera prst="orthographicFront"/>
+      <a:lightRig rig="threePt" dir="t"/>
+    </dgm:scene3d>
+    <dgm:sp3d/>
+    <dgm:txPr/>
+    <dgm:style>
+      <a:lnRef idx="0">
+        <a:scrgbClr r="0" g="0" b="0"/>
+      </a:lnRef>
+      <a:fillRef idx="1">
+        <a:scrgbClr r="0" g="0" b="0"/>
+      </a:fillRef>
+      <a:effectRef idx="0">
+        <a:scrgbClr r="0" g="0" b="0"/>
+      </a:effectRef>
+      <a:fontRef idx="minor">
+        <a:schemeClr val="lt1"/>
+      </a:fontRef>
+    </dgm:style>
+  </dgm:styleLbl>
+  <dgm:styleLbl name="sibTrans1D1">
+    <dgm:scene3d>
+      <a:camera prst="orthographicFront"/>
+      <a:lightRig rig="threePt" dir="t"/>
+    </dgm:scene3d>
+    <dgm:sp3d/>
+    <dgm:txPr/>
+    <dgm:style>
+      <a:lnRef idx="1">
+        <a:scrgbClr r="0" g="0" b="0"/>
+      </a:lnRef>
+      <a:fillRef idx="0">
+        <a:scrgbClr r="0" g="0" b="0"/>
+      </a:fillRef>
+      <a:effectRef idx="0">
+        <a:scrgbClr r="0" g="0" b="0"/>
+      </a:effectRef>
+      <a:fontRef idx="minor"/>
+    </dgm:style>
+  </dgm:styleLbl>
+  <dgm:styleLbl name="callout">
+    <dgm:scene3d>
+      <a:camera prst="orthographicFront"/>
+      <a:lightRig rig="threePt" dir="t"/>
+    </dgm:scene3d>
+    <dgm:sp3d/>
+    <dgm:txPr/>
+    <dgm:style>
+      <a:lnRef idx="2">
+        <a:scrgbClr r="0" g="0" b="0"/>
+      </a:lnRef>
+      <a:fillRef idx="1">
+        <a:scrgbClr r="0" g="0" b="0"/>
+      </a:fillRef>
+      <a:effectRef idx="0">
+        <a:scrgbClr r="0" g="0" b="0"/>
+      </a:effectRef>
+      <a:fontRef idx="minor"/>
+    </dgm:style>
+  </dgm:styleLbl>
+  <dgm:styleLbl name="asst0">
+    <dgm:scene3d>
+      <a:camera prst="orthographicFront"/>
+      <a:lightRig rig="threePt" dir="t"/>
+    </dgm:scene3d>
+    <dgm:sp3d/>
+    <dgm:txPr/>
+    <dgm:style>
+      <a:lnRef idx="2">
+        <a:scrgbClr r="0" g="0" b="0"/>
+      </a:lnRef>
+      <a:fillRef idx="1">
+        <a:scrgbClr r="0" g="0" b="0"/>
+      </a:fillRef>
+      <a:effectRef idx="0">
+        <a:scrgbClr r="0" g="0" b="0"/>
+      </a:effectRef>
+      <a:fontRef idx="minor">
+        <a:schemeClr val="lt1"/>
+      </a:fontRef>
+    </dgm:style>
+  </dgm:styleLbl>
+  <dgm:styleLbl name="asst1">
+    <dgm:scene3d>
+      <a:camera prst="orthographicFront"/>
+      <a:lightRig rig="threePt" dir="t"/>
+    </dgm:scene3d>
+    <dgm:sp3d/>
+    <dgm:txPr/>
+    <dgm:style>
+      <a:lnRef idx="2">
+        <a:scrgbClr r="0" g="0" b="0"/>
+      </a:lnRef>
+      <a:fillRef idx="1">
+        <a:scrgbClr r="0" g="0" b="0"/>
+      </a:fillRef>
+      <a:effectRef idx="0">
+        <a:scrgbClr r="0" g="0" b="0"/>
+      </a:effectRef>
+      <a:fontRef idx="minor">
+        <a:schemeClr val="lt1"/>
+      </a:fontRef>
+    </dgm:style>
+  </dgm:styleLbl>
+  <dgm:styleLbl name="asst2">
+    <dgm:scene3d>
+      <a:camera prst="orthographicFront"/>
+      <a:lightRig rig="threePt" dir="t"/>
+    </dgm:scene3d>
+    <dgm:sp3d/>
+    <dgm:txPr/>
+    <dgm:style>
+      <a:lnRef idx="2">
+        <a:scrgbClr r="0" g="0" b="0"/>
+      </a:lnRef>
+      <a:fillRef idx="1">
+        <a:scrgbClr r="0" g="0" b="0"/>
+      </a:fillRef>
+      <a:effectRef idx="0">
+        <a:scrgbClr r="0" g="0" b="0"/>
+      </a:effectRef>
+      <a:fontRef idx="minor">
+        <a:schemeClr val="lt1"/>
+      </a:fontRef>
+    </dgm:style>
+  </dgm:styleLbl>
+  <dgm:styleLbl name="asst3">
+    <dgm:scene3d>
+      <a:camera prst="orthographicFront"/>
+      <a:lightRig rig="threePt" dir="t"/>
+    </dgm:scene3d>
+    <dgm:sp3d/>
+    <dgm:txPr/>
+    <dgm:style>
+      <a:lnRef idx="2">
+        <a:scrgbClr r="0" g="0" b="0"/>
+      </a:lnRef>
+      <a:fillRef idx="1">
+        <a:scrgbClr r="0" g="0" b="0"/>
+      </a:fillRef>
+      <a:effectRef idx="0">
+        <a:scrgbClr r="0" g="0" b="0"/>
+      </a:effectRef>
+      <a:fontRef idx="minor">
+        <a:schemeClr val="lt1"/>
+      </a:fontRef>
+    </dgm:style>
+  </dgm:styleLbl>
+  <dgm:styleLbl name="asst4">
+    <dgm:scene3d>
+      <a:camera prst="orthographicFront"/>
+      <a:lightRig rig="threePt" dir="t"/>
+    </dgm:scene3d>
+    <dgm:sp3d/>
+    <dgm:txPr/>
+    <dgm:style>
+      <a:lnRef idx="2">
+        <a:scrgbClr r="0" g="0" b="0"/>
+      </a:lnRef>
+      <a:fillRef idx="1">
+        <a:scrgbClr r="0" g="0" b="0"/>
+      </a:fillRef>
+      <a:effectRef idx="0">
+        <a:scrgbClr r="0" g="0" b="0"/>
+      </a:effectRef>
+      <a:fontRef idx="minor">
+        <a:schemeClr val="lt1"/>
+      </a:fontRef>
+    </dgm:style>
+  </dgm:styleLbl>
+  <dgm:styleLbl name="parChTrans2D1">
+    <dgm:scene3d>
+      <a:camera prst="orthographicFront"/>
+      <a:lightRig rig="threePt" dir="t"/>
+    </dgm:scene3d>
+    <dgm:sp3d/>
+    <dgm:txPr/>
+    <dgm:style>
+      <a:lnRef idx="2">
+        <a:scrgbClr r="0" g="0" b="0"/>
+      </a:lnRef>
+      <a:fillRef idx="1">
+        <a:scrgbClr r="0" g="0" b="0"/>
+      </a:fillRef>
+      <a:effectRef idx="0">
+        <a:scrgbClr r="0" g="0" b="0"/>
+      </a:effectRef>
+      <a:fontRef idx="minor">
+        <a:schemeClr val="lt1"/>
+      </a:fontRef>
+    </dgm:style>
+  </dgm:styleLbl>
+  <dgm:styleLbl name="parChTrans2D2">
+    <dgm:scene3d>
+      <a:camera prst="orthographicFront"/>
+      <a:lightRig rig="threePt" dir="t"/>
+    </dgm:scene3d>
+    <dgm:sp3d/>
+    <dgm:txPr/>
+    <dgm:style>
+      <a:lnRef idx="2">
+        <a:scrgbClr r="0" g="0" b="0"/>
+      </a:lnRef>
+      <a:fillRef idx="1">
+        <a:scrgbClr r="0" g="0" b="0"/>
+      </a:fillRef>
+      <a:effectRef idx="0">
+        <a:scrgbClr r="0" g="0" b="0"/>
+      </a:effectRef>
+      <a:fontRef idx="minor">
+        <a:schemeClr val="lt1"/>
+      </a:fontRef>
+    </dgm:style>
+  </dgm:styleLbl>
+  <dgm:styleLbl name="parChTrans2D3">
+    <dgm:scene3d>
+      <a:camera prst="orthographicFront"/>
+      <a:lightRig rig="threePt" dir="t"/>
+    </dgm:scene3d>
+    <dgm:sp3d/>
+    <dgm:txPr/>
+    <dgm:style>
+      <a:lnRef idx="2">
+        <a:scrgbClr r="0" g="0" b="0"/>
+      </a:lnRef>
+      <a:fillRef idx="1">
+        <a:scrgbClr r="0" g="0" b="0"/>
+      </a:fillRef>
+      <a:effectRef idx="0">
+        <a:scrgbClr r="0" g="0" b="0"/>
+      </a:effectRef>
+      <a:fontRef idx="minor">
+        <a:schemeClr val="lt1"/>
+      </a:fontRef>
+    </dgm:style>
+  </dgm:styleLbl>
+  <dgm:styleLbl name="parChTrans2D4">
+    <dgm:scene3d>
+      <a:camera prst="orthographicFront"/>
+      <a:lightRig rig="threePt" dir="t"/>
+    </dgm:scene3d>
+    <dgm:sp3d/>
+    <dgm:txPr/>
+    <dgm:style>
+      <a:lnRef idx="2">
+        <a:scrgbClr r="0" g="0" b="0"/>
+      </a:lnRef>
+      <a:fillRef idx="1">
+        <a:scrgbClr r="0" g="0" b="0"/>
+      </a:fillRef>
+      <a:effectRef idx="0">
+        <a:scrgbClr r="0" g="0" b="0"/>
+      </a:effectRef>
+      <a:fontRef idx="minor">
+        <a:schemeClr val="lt1"/>
+      </a:fontRef>
+    </dgm:style>
+  </dgm:styleLbl>
+  <dgm:styleLbl name="parChTrans1D1">
+    <dgm:scene3d>
+      <a:camera prst="orthographicFront"/>
+      <a:lightRig rig="threePt" dir="t"/>
+    </dgm:scene3d>
+    <dgm:sp3d/>
+    <dgm:txPr/>
+    <dgm:style>
+      <a:lnRef idx="2">
+        <a:scrgbClr r="0" g="0" b="0"/>
+      </a:lnRef>
+      <a:fillRef idx="0">
+        <a:scrgbClr r="0" g="0" b="0"/>
+      </a:fillRef>
+      <a:effectRef idx="0">
+        <a:scrgbClr r="0" g="0" b="0"/>
+      </a:effectRef>
+      <a:fontRef idx="minor"/>
+    </dgm:style>
+  </dgm:styleLbl>
+  <dgm:styleLbl name="parChTrans1D2">
+    <dgm:scene3d>
+      <a:camera prst="orthographicFront"/>
+      <a:lightRig rig="threePt" dir="t"/>
+    </dgm:scene3d>
+    <dgm:sp3d/>
+    <dgm:txPr/>
+    <dgm:style>
+      <a:lnRef idx="2">
+        <a:scrgbClr r="0" g="0" b="0"/>
+      </a:lnRef>
+      <a:fillRef idx="0">
+        <a:scrgbClr r="0" g="0" b="0"/>
+      </a:fillRef>
+      <a:effectRef idx="0">
+        <a:scrgbClr r="0" g="0" b="0"/>
+      </a:effectRef>
+      <a:fontRef idx="minor"/>
+    </dgm:style>
+  </dgm:styleLbl>
+  <dgm:styleLbl name="parChTrans1D3">
+    <dgm:scene3d>
+      <a:camera prst="orthographicFront"/>
+      <a:lightRig rig="threePt" dir="t"/>
+    </dgm:scene3d>
+    <dgm:sp3d/>
+    <dgm:txPr/>
+    <dgm:style>
+      <a:lnRef idx="2">
+        <a:scrgbClr r="0" g="0" b="0"/>
+      </a:lnRef>
+      <a:fillRef idx="0">
+        <a:scrgbClr r="0" g="0" b="0"/>
+      </a:fillRef>
+      <a:effectRef idx="0">
+        <a:scrgbClr r="0" g="0" b="0"/>
+      </a:effectRef>
+      <a:fontRef idx="minor"/>
+    </dgm:style>
+  </dgm:styleLbl>
+  <dgm:styleLbl name="parChTrans1D4">
+    <dgm:scene3d>
+      <a:camera prst="orthographicFront"/>
+      <a:lightRig rig="threePt" dir="t"/>
+    </dgm:scene3d>
+    <dgm:sp3d/>
+    <dgm:txPr/>
+    <dgm:style>
+      <a:lnRef idx="2">
+        <a:scrgbClr r="0" g="0" b="0"/>
+      </a:lnRef>
+      <a:fillRef idx="0">
+        <a:scrgbClr r="0" g="0" b="0"/>
+      </a:fillRef>
+      <a:effectRef idx="0">
+        <a:scrgbClr r="0" g="0" b="0"/>
+      </a:effectRef>
+      <a:fontRef idx="minor"/>
+    </dgm:style>
+  </dgm:styleLbl>
+  <dgm:styleLbl name="fgAcc1">
+    <dgm:scene3d>
+      <a:camera prst="orthographicFront"/>
+      <a:lightRig rig="threePt" dir="t"/>
+    </dgm:scene3d>
+    <dgm:sp3d/>
+    <dgm:txPr/>
+    <dgm:style>
+      <a:lnRef idx="2">
+        <a:scrgbClr r="0" g="0" b="0"/>
+      </a:lnRef>
+      <a:fillRef idx="1">
+        <a:scrgbClr r="0" g="0" b="0"/>
+      </a:fillRef>
+      <a:effectRef idx="0">
+        <a:scrgbClr r="0" g="0" b="0"/>
+      </a:effectRef>
+      <a:fontRef idx="minor"/>
+    </dgm:style>
+  </dgm:styleLbl>
+  <dgm:styleLbl name="conFgAcc1">
+    <dgm:scene3d>
+      <a:camera prst="orthographicFront"/>
+      <a:lightRig rig="threePt" dir="t"/>
+    </dgm:scene3d>
+    <dgm:sp3d/>
+    <dgm:txPr/>
+    <dgm:style>
+      <a:lnRef idx="2">
+        <a:scrgbClr r="0" g="0" b="0"/>
+      </a:lnRef>
+      <a:fillRef idx="1">
+        <a:scrgbClr r="0" g="0" b="0"/>
+      </a:fillRef>
+      <a:effectRef idx="0">
+        <a:scrgbClr r="0" g="0" b="0"/>
+      </a:effectRef>
+      <a:fontRef idx="minor"/>
+    </dgm:style>
+  </dgm:styleLbl>
+  <dgm:styleLbl name="alignAcc1">
+    <dgm:scene3d>
+      <a:camera prst="orthographicFront"/>
+      <a:lightRig rig="threePt" dir="t"/>
+    </dgm:scene3d>
+    <dgm:sp3d/>
+    <dgm:txPr/>
+    <dgm:style>
+      <a:lnRef idx="2">
+        <a:scrgbClr r="0" g="0" b="0"/>
+      </a:lnRef>
+      <a:fillRef idx="1">
+        <a:scrgbClr r="0" g="0" b="0"/>
+      </a:fillRef>
+      <a:effectRef idx="0">
+        <a:scrgbClr r="0" g="0" b="0"/>
+      </a:effectRef>
+      <a:fontRef idx="minor"/>
+    </dgm:style>
+  </dgm:styleLbl>
+  <dgm:styleLbl name="trAlignAcc1">
+    <dgm:scene3d>
+      <a:camera prst="orthographicFront"/>
+      <a:lightRig rig="threePt" dir="t"/>
+    </dgm:scene3d>
+    <dgm:sp3d/>
+    <dgm:txPr/>
+    <dgm:style>
+      <a:lnRef idx="1">
+        <a:scrgbClr r="0" g="0" b="0"/>
+      </a:lnRef>
+      <a:fillRef idx="1">
+        <a:scrgbClr r="0" g="0" b="0"/>
+      </a:fillRef>
+      <a:effectRef idx="0">
+        <a:scrgbClr r="0" g="0" b="0"/>
+      </a:effectRef>
+      <a:fontRef idx="minor"/>
+    </dgm:style>
+  </dgm:styleLbl>
+  <dgm:styleLbl name="bgAcc1">
+    <dgm:scene3d>
+      <a:camera prst="orthographicFront"/>
+      <a:lightRig rig="threePt" dir="t"/>
+    </dgm:scene3d>
+    <dgm:sp3d/>
+    <dgm:txPr/>
+    <dgm:style>
+      <a:lnRef idx="2">
+        <a:scrgbClr r="0" g="0" b="0"/>
+      </a:lnRef>
+      <a:fillRef idx="1">
+        <a:scrgbClr r="0" g="0" b="0"/>
+      </a:fillRef>
+      <a:effectRef idx="0">
+        <a:scrgbClr r="0" g="0" b="0"/>
+      </a:effectRef>
+      <a:fontRef idx="minor"/>
+    </dgm:style>
+  </dgm:styleLbl>
+  <dgm:styleLbl name="solidFgAcc1">
+    <dgm:scene3d>
+      <a:camera prst="orthographicFront"/>
+      <a:lightRig rig="threePt" dir="t"/>
+    </dgm:scene3d>
+    <dgm:sp3d/>
+    <dgm:txPr/>
+    <dgm:style>
+      <a:lnRef idx="2">
+        <a:scrgbClr r="0" g="0" b="0"/>
+      </a:lnRef>
+      <a:fillRef idx="1">
+        <a:scrgbClr r="0" g="0" b="0"/>
+      </a:fillRef>
+      <a:effectRef idx="0">
+        <a:scrgbClr r="0" g="0" b="0"/>
+      </a:effectRef>
+      <a:fontRef idx="minor"/>
+    </dgm:style>
+  </dgm:styleLbl>
+  <dgm:styleLbl name="solidAlignAcc1">
+    <dgm:scene3d>
+      <a:camera prst="orthographicFront"/>
+      <a:lightRig rig="threePt" dir="t"/>
+    </dgm:scene3d>
+    <dgm:sp3d/>
+    <dgm:txPr/>
+    <dgm:style>
+      <a:lnRef idx="2">
+        <a:scrgbClr r="0" g="0" b="0"/>
+      </a:lnRef>
+      <a:fillRef idx="1">
+        <a:scrgbClr r="0" g="0" b="0"/>
+      </a:fillRef>
+      <a:effectRef idx="0">
+        <a:scrgbClr r="0" g="0" b="0"/>
+      </a:effectRef>
+      <a:fontRef idx="minor"/>
+    </dgm:style>
+  </dgm:styleLbl>
+  <dgm:styleLbl name="solidBgAcc1">
+    <dgm:scene3d>
+      <a:camera prst="orthographicFront"/>
+      <a:lightRig rig="threePt" dir="t"/>
+    </dgm:scene3d>
+    <dgm:sp3d/>
+    <dgm:txPr/>
+    <dgm:style>
+      <a:lnRef idx="2">
+        <a:scrgbClr r="0" g="0" b="0"/>
+      </a:lnRef>
+      <a:fillRef idx="1">
+        <a:scrgbClr r="0" g="0" b="0"/>
+      </a:fillRef>
+      <a:effectRef idx="0">
+        <a:scrgbClr r="0" g="0" b="0"/>
+      </a:effectRef>
+      <a:fontRef idx="minor"/>
+    </dgm:style>
+  </dgm:styleLbl>
+  <dgm:styleLbl name="fgAccFollowNode1">
+    <dgm:scene3d>
+      <a:camera prst="orthographicFront"/>
+      <a:lightRig rig="threePt" dir="t"/>
+    </dgm:scene3d>
+    <dgm:sp3d/>
+    <dgm:txPr/>
+    <dgm:style>
+      <a:lnRef idx="2">
+        <a:scrgbClr r="0" g="0" b="0"/>
+      </a:lnRef>
+      <a:fillRef idx="1">
+        <a:scrgbClr r="0" g="0" b="0"/>
+      </a:fillRef>
+      <a:effectRef idx="0">
+        <a:scrgbClr r="0" g="0" b="0"/>
+      </a:effectRef>
+      <a:fontRef idx="minor"/>
+    </dgm:style>
+  </dgm:styleLbl>
+  <dgm:styleLbl name="alignAccFollowNode1">
+    <dgm:scene3d>
+      <a:camera prst="orthographicFront"/>
+      <a:lightRig rig="threePt" dir="t"/>
+    </dgm:scene3d>
+    <dgm:sp3d/>
+    <dgm:txPr/>
+    <dgm:style>
+      <a:lnRef idx="2">
+        <a:scrgbClr r="0" g="0" b="0"/>
+      </a:lnRef>
+      <a:fillRef idx="1">
+        <a:scrgbClr r="0" g="0" b="0"/>
+      </a:fillRef>
+      <a:effectRef idx="0">
+        <a:scrgbClr r="0" g="0" b="0"/>
+      </a:effectRef>
+      <a:fontRef idx="minor"/>
+    </dgm:style>
+  </dgm:styleLbl>
+  <dgm:styleLbl name="bgAccFollowNode1">
+    <dgm:scene3d>
+      <a:camera prst="orthographicFront"/>
+      <a:lightRig rig="threePt" dir="t"/>
+    </dgm:scene3d>
+    <dgm:sp3d/>
+    <dgm:txPr/>
+    <dgm:style>
+      <a:lnRef idx="2">
+        <a:scrgbClr r="0" g="0" b="0"/>
+      </a:lnRef>
+      <a:fillRef idx="1">
+        <a:scrgbClr r="0" g="0" b="0"/>
+      </a:fillRef>
+      <a:effectRef idx="0">
+        <a:scrgbClr r="0" g="0" b="0"/>
+      </a:effectRef>
+      <a:fontRef idx="minor"/>
+    </dgm:style>
+  </dgm:styleLbl>
+  <dgm:styleLbl name="fgAcc0">
+    <dgm:scene3d>
+      <a:camera prst="orthographicFront"/>
+      <a:lightRig rig="threePt" dir="t"/>
+    </dgm:scene3d>
+    <dgm:sp3d/>
+    <dgm:txPr/>
+    <dgm:style>
+      <a:lnRef idx="2">
+        <a:scrgbClr r="0" g="0" b="0"/>
+      </a:lnRef>
+      <a:fillRef idx="1">
+        <a:scrgbClr r="0" g="0" b="0"/>
+      </a:fillRef>
+      <a:effectRef idx="0">
+        <a:scrgbClr r="0" g="0" b="0"/>
+      </a:effectRef>
+      <a:fontRef idx="minor"/>
+    </dgm:style>
+  </dgm:styleLbl>
+  <dgm:styleLbl name="fgAcc2">
+    <dgm:scene3d>
+      <a:camera prst="orthographicFront"/>
+      <a:lightRig rig="threePt" dir="t"/>
+    </dgm:scene3d>
+    <dgm:sp3d/>
+    <dgm:txPr/>
+    <dgm:style>
+      <a:lnRef idx="2">
+        <a:scrgbClr r="0" g="0" b="0"/>
+      </a:lnRef>
+      <a:fillRef idx="1">
+        <a:scrgbClr r="0" g="0" b="0"/>
+      </a:fillRef>
+      <a:effectRef idx="0">
+        <a:scrgbClr r="0" g="0" b="0"/>
+      </a:effectRef>
+      <a:fontRef idx="minor"/>
+    </dgm:style>
+  </dgm:styleLbl>
+  <dgm:styleLbl name="fgAcc3">
+    <dgm:scene3d>
+      <a:camera prst="orthographicFront"/>
+      <a:lightRig rig="threePt" dir="t"/>
+    </dgm:scene3d>
+    <dgm:sp3d/>
+    <dgm:txPr/>
+    <dgm:style>
+      <a:lnRef idx="2">
+        <a:scrgbClr r="0" g="0" b="0"/>
+      </a:lnRef>
+      <a:fillRef idx="1">
+        <a:scrgbClr r="0" g="0" b="0"/>
+      </a:fillRef>
+      <a:effectRef idx="0">
+        <a:scrgbClr r="0" g="0" b="0"/>
+      </a:effectRef>
+      <a:fontRef idx="minor"/>
+    </dgm:style>
+  </dgm:styleLbl>
+  <dgm:styleLbl name="fgAcc4">
+    <dgm:scene3d>
+      <a:camera prst="orthographicFront"/>
+      <a:lightRig rig="threePt" dir="t"/>
+    </dgm:scene3d>
+    <dgm:sp3d/>
+    <dgm:txPr/>
+    <dgm:style>
+      <a:lnRef idx="2">
+        <a:scrgbClr r="0" g="0" b="0"/>
+      </a:lnRef>
+      <a:fillRef idx="1">
+        <a:scrgbClr r="0" g="0" b="0"/>
+      </a:fillRef>
+      <a:effectRef idx="0">
+        <a:scrgbClr r="0" g="0" b="0"/>
+      </a:effectRef>
+      <a:fontRef idx="minor"/>
+    </dgm:style>
+  </dgm:styleLbl>
+  <dgm:styleLbl name="bgShp">
+    <dgm:scene3d>
+      <a:camera prst="orthographicFront"/>
+      <a:lightRig rig="threePt" dir="t"/>
+    </dgm:scene3d>
+    <dgm:sp3d/>
+    <dgm:txPr/>
+    <dgm:style>
+      <a:lnRef idx="0">
+        <a:scrgbClr r="0" g="0" b="0"/>
+      </a:lnRef>
+      <a:fillRef idx="1">
+        <a:scrgbClr r="0" g="0" b="0"/>
+      </a:fillRef>
+      <a:effectRef idx="0">
+        <a:scrgbClr r="0" g="0" b="0"/>
+      </a:effectRef>
+      <a:fontRef idx="minor"/>
+    </dgm:style>
+  </dgm:styleLbl>
+  <dgm:styleLbl name="dkBgShp">
+    <dgm:scene3d>
+      <a:camera prst="orthographicFront"/>
+      <a:lightRig rig="threePt" dir="t"/>
+    </dgm:scene3d>
+    <dgm:sp3d/>
+    <dgm:txPr/>
+    <dgm:style>
+      <a:lnRef idx="0">
+        <a:scrgbClr r="0" g="0" b="0"/>
+      </a:lnRef>
+      <a:fillRef idx="1">
+        <a:scrgbClr r="0" g="0" b="0"/>
+      </a:fillRef>
+      <a:effectRef idx="0">
+        <a:scrgbClr r="0" g="0" b="0"/>
+      </a:effectRef>
+      <a:fontRef idx="minor"/>
+    </dgm:style>
+  </dgm:styleLbl>
+  <dgm:styleLbl name="trBgShp">
+    <dgm:scene3d>
+      <a:camera prst="orthographicFront"/>
+      <a:lightRig rig="threePt" dir="t"/>
+    </dgm:scene3d>
+    <dgm:sp3d/>
+    <dgm:txPr/>
+    <dgm:style>
+      <a:lnRef idx="0">
+        <a:scrgbClr r="0" g="0" b="0"/>
+      </a:lnRef>
+      <a:fillRef idx="1">
+        <a:scrgbClr r="0" g="0" b="0"/>
+      </a:fillRef>
+      <a:effectRef idx="0">
+        <a:scrgbClr r="0" g="0" b="0"/>
+      </a:effectRef>
+      <a:fontRef idx="minor"/>
+    </dgm:style>
+  </dgm:styleLbl>
+  <dgm:styleLbl name="fgShp">
+    <dgm:scene3d>
+      <a:camera prst="orthographicFront"/>
+      <a:lightRig rig="threePt" dir="t"/>
+    </dgm:scene3d>
+    <dgm:sp3d/>
+    <dgm:txPr/>
+    <dgm:style>
+      <a:lnRef idx="2">
+        <a:scrgbClr r="0" g="0" b="0"/>
+      </a:lnRef>
+      <a:fillRef idx="1">
+        <a:scrgbClr r="0" g="0" b="0"/>
+      </a:fillRef>
+      <a:effectRef idx="0">
+        <a:scrgbClr r="0" g="0" b="0"/>
+      </a:effectRef>
+      <a:fontRef idx="minor"/>
+    </dgm:style>
+  </dgm:styleLbl>
+  <dgm:styleLbl name="revTx">
+    <dgm:scene3d>
+      <a:camera prst="orthographicFront"/>
+      <a:lightRig rig="threePt" dir="t"/>
+    </dgm:scene3d>
+    <dgm:sp3d/>
+    <dgm:txPr/>
+    <dgm:style>
+      <a:lnRef idx="0">
+        <a:scrgbClr r="0" g="0" b="0"/>
+      </a:lnRef>
+      <a:fillRef idx="0">
+        <a:scrgbClr r="0" g="0" b="0"/>
+      </a:fillRef>
+      <a:effectRef idx="0">
+        <a:scrgbClr r="0" g="0" b="0"/>
+      </a:effectRef>
+      <a:fontRef idx="minor"/>
+    </dgm:style>
+  </dgm:styleLbl>
+</dgm:styleDef>
+</file>
+
+<file path=ppt/diagrams/quickStyle5.xml><?xml version="1.0" encoding="utf-8"?>
 <dgm:styleDef xmlns:dgm="http://schemas.openxmlformats.org/drawingml/2006/diagram" xmlns:a="http://schemas.openxmlformats.org/drawingml/2006/main" uniqueId="urn:microsoft.com/office/officeart/2005/8/quickstyle/simple1">
   <dgm:title val=""/>
   <dgm:desc val=""/>
@@ -12577,6 +18087,14 @@
 <file path=ppt/slides/slide12.xml><?xml version="1.0" encoding="utf-8"?>
 <p:sld xmlns:a="http://schemas.openxmlformats.org/drawingml/2006/main" xmlns:r="http://schemas.openxmlformats.org/officeDocument/2006/relationships" xmlns:p="http://schemas.openxmlformats.org/presentationml/2006/main">
   <p:cSld>
+    <p:bg>
+      <p:bgPr>
+        <a:solidFill>
+          <a:schemeClr val="bg1"/>
+        </a:solidFill>
+        <a:effectLst/>
+      </p:bgPr>
+    </p:bg>
     <p:spTree>
       <p:nvGrpSpPr>
         <p:cNvPr id="1" name=""/>
@@ -12607,21 +18125,163 @@
             <p:ph type="title"/>
           </p:nvPr>
         </p:nvSpPr>
-        <p:spPr/>
+        <p:spPr>
+          <a:xfrm>
+            <a:off x="838200" y="365125"/>
+            <a:ext cx="10515600" cy="1325563"/>
+          </a:xfrm>
+        </p:spPr>
         <p:txBody>
-          <a:bodyPr/>
+          <a:bodyPr>
+            <a:normAutofit/>
+          </a:bodyPr>
           <a:lstStyle/>
           <a:p>
+            <a:r>
+              <a:rPr lang="en-US" dirty="0"/>
+              <a:t>Modeling</a:t>
+            </a:r>
+          </a:p>
+        </p:txBody>
+      </p:sp>
+      <p:graphicFrame>
+        <p:nvGraphicFramePr>
+          <p:cNvPr id="5" name="Content Placeholder 2">
+            <a:extLst>
+              <a:ext uri="{FF2B5EF4-FFF2-40B4-BE49-F238E27FC236}">
+                <a16:creationId xmlns:a16="http://schemas.microsoft.com/office/drawing/2014/main" id="{B122E2A8-ACC3-44EB-977C-744D0E249361}"/>
+              </a:ext>
+            </a:extLst>
+          </p:cNvPr>
+          <p:cNvGraphicFramePr>
+            <a:graphicFrameLocks noGrp="1"/>
+          </p:cNvGraphicFramePr>
+          <p:nvPr>
+            <p:ph idx="1"/>
+            <p:extLst>
+              <p:ext uri="{D42A27DB-BD31-4B8C-83A1-F6EECF244321}">
+                <p14:modId xmlns:p14="http://schemas.microsoft.com/office/powerpoint/2010/main" val="3261175419"/>
+              </p:ext>
+            </p:extLst>
+          </p:nvPr>
+        </p:nvGraphicFramePr>
+        <p:xfrm>
+          <a:off x="180753" y="818707"/>
+          <a:ext cx="11748977" cy="5358256"/>
+        </p:xfrm>
+        <a:graphic>
+          <a:graphicData uri="http://schemas.openxmlformats.org/drawingml/2006/diagram">
+            <dgm:relIds xmlns:dgm="http://schemas.openxmlformats.org/drawingml/2006/diagram" xmlns:r="http://schemas.openxmlformats.org/officeDocument/2006/relationships" r:dm="rId2" r:lo="rId3" r:qs="rId4" r:cs="rId5"/>
+          </a:graphicData>
+        </a:graphic>
+      </p:graphicFrame>
+    </p:spTree>
+    <p:extLst>
+      <p:ext uri="{BB962C8B-B14F-4D97-AF65-F5344CB8AC3E}">
+        <p14:creationId xmlns:p14="http://schemas.microsoft.com/office/powerpoint/2010/main" val="2885061166"/>
+      </p:ext>
+    </p:extLst>
+  </p:cSld>
+  <p:clrMapOvr>
+    <a:masterClrMapping/>
+  </p:clrMapOvr>
+</p:sld>
+</file>
+
+<file path=ppt/slides/slide13.xml><?xml version="1.0" encoding="utf-8"?>
+<p:sld xmlns:a="http://schemas.openxmlformats.org/drawingml/2006/main" xmlns:r="http://schemas.openxmlformats.org/officeDocument/2006/relationships" xmlns:p="http://schemas.openxmlformats.org/presentationml/2006/main">
+  <p:cSld>
+    <p:bg>
+      <p:bgPr>
+        <a:solidFill>
+          <a:schemeClr val="bg1"/>
+        </a:solidFill>
+        <a:effectLst/>
+      </p:bgPr>
+    </p:bg>
+    <p:spTree>
+      <p:nvGrpSpPr>
+        <p:cNvPr id="1" name=""/>
+        <p:cNvGrpSpPr/>
+        <p:nvPr/>
+      </p:nvGrpSpPr>
+      <p:grpSpPr>
+        <a:xfrm>
+          <a:off x="0" y="0"/>
+          <a:ext cx="0" cy="0"/>
+          <a:chOff x="0" y="0"/>
+          <a:chExt cx="0" cy="0"/>
+        </a:xfrm>
+      </p:grpSpPr>
+      <p:sp>
+        <p:nvSpPr>
+          <p:cNvPr id="12" name="Flowchart: Document 11">
+            <a:extLst>
+              <a:ext uri="{FF2B5EF4-FFF2-40B4-BE49-F238E27FC236}">
+                <a16:creationId xmlns:a16="http://schemas.microsoft.com/office/drawing/2014/main" id="{D12DDE76-C203-4047-9998-63900085B5E8}"/>
+              </a:ext>
+              <a:ext uri="{C183D7F6-B498-43B3-948B-1728B52AA6E4}">
+                <adec:decorative xmlns:adec="http://schemas.microsoft.com/office/drawing/2017/decorative" val="1"/>
+              </a:ext>
+            </a:extLst>
+          </p:cNvPr>
+          <p:cNvSpPr>
+            <a:spLocks noGrp="1" noRot="1" noChangeAspect="1" noMove="1" noResize="1" noEditPoints="1" noAdjustHandles="1" noChangeArrowheads="1" noChangeShapeType="1" noTextEdit="1"/>
+          </p:cNvSpPr>
+          <p:nvPr>
+            <p:extLst>
+              <p:ext uri="{386F3935-93C4-4BCD-93E2-E3B085C9AB24}">
+                <p16:designElem xmlns:p16="http://schemas.microsoft.com/office/powerpoint/2015/main" val="1"/>
+              </p:ext>
+            </p:extLst>
+          </p:nvPr>
+        </p:nvSpPr>
+        <p:spPr>
+          <a:xfrm>
+            <a:off x="638175" y="0"/>
+            <a:ext cx="3248025" cy="3400426"/>
+          </a:xfrm>
+          <a:prstGeom prst="flowChartDocument">
+            <a:avLst/>
+          </a:prstGeom>
+          <a:solidFill>
+            <a:schemeClr val="accent1"/>
+          </a:solidFill>
+          <a:ln>
+            <a:noFill/>
+          </a:ln>
+        </p:spPr>
+        <p:style>
+          <a:lnRef idx="2">
+            <a:schemeClr val="accent1">
+              <a:shade val="50000"/>
+            </a:schemeClr>
+          </a:lnRef>
+          <a:fillRef idx="1">
+            <a:schemeClr val="accent1"/>
+          </a:fillRef>
+          <a:effectRef idx="0">
+            <a:schemeClr val="accent1"/>
+          </a:effectRef>
+          <a:fontRef idx="minor">
+            <a:schemeClr val="lt1"/>
+          </a:fontRef>
+        </p:style>
+        <p:txBody>
+          <a:bodyPr rtlCol="0" anchor="ctr"/>
+          <a:lstStyle/>
+          <a:p>
+            <a:pPr algn="ctr"/>
             <a:endParaRPr lang="en-US"/>
           </a:p>
         </p:txBody>
       </p:sp>
       <p:sp>
         <p:nvSpPr>
-          <p:cNvPr id="3" name="Content Placeholder 2">
+          <p:cNvPr id="2" name="Title 1">
             <a:extLst>
               <a:ext uri="{FF2B5EF4-FFF2-40B4-BE49-F238E27FC236}">
-                <a16:creationId xmlns:a16="http://schemas.microsoft.com/office/drawing/2014/main" id="{880308EE-B066-8948-BFD3-F29B28369CC6}"/>
+                <a16:creationId xmlns:a16="http://schemas.microsoft.com/office/drawing/2014/main" id="{5A995542-64E9-6048-B9CB-F3F18FD7AA4C}"/>
               </a:ext>
             </a:extLst>
           </p:cNvPr>
@@ -12629,22 +18289,653 @@
             <a:spLocks noGrp="1"/>
           </p:cNvSpPr>
           <p:nvPr>
-            <p:ph idx="1"/>
+            <p:ph type="title"/>
           </p:nvPr>
         </p:nvSpPr>
-        <p:spPr/>
+        <p:spPr>
+          <a:xfrm>
+            <a:off x="838200" y="171162"/>
+            <a:ext cx="2840182" cy="2371148"/>
+          </a:xfrm>
+        </p:spPr>
         <p:txBody>
-          <a:bodyPr/>
+          <a:bodyPr vert="horz" lIns="91440" tIns="45720" rIns="91440" bIns="45720" rtlCol="0" anchor="ctr">
+            <a:normAutofit/>
+          </a:bodyPr>
           <a:lstStyle/>
           <a:p>
+            <a:r>
+              <a:rPr lang="en-US" sz="3200" kern="1200" dirty="0">
+                <a:solidFill>
+                  <a:srgbClr val="FFFFFF"/>
+                </a:solidFill>
+                <a:latin typeface="+mj-lt"/>
+                <a:ea typeface="+mj-ea"/>
+                <a:cs typeface="+mj-cs"/>
+              </a:rPr>
+              <a:t>Logistic regression with caret</a:t>
+            </a:r>
+          </a:p>
+        </p:txBody>
+      </p:sp>
+      <p:pic>
+        <p:nvPicPr>
+          <p:cNvPr id="4" name="Picture 3">
+            <a:extLst>
+              <a:ext uri="{FF2B5EF4-FFF2-40B4-BE49-F238E27FC236}">
+                <a16:creationId xmlns:a16="http://schemas.microsoft.com/office/drawing/2014/main" id="{55E27941-32F9-C24A-8143-5872B9E1F0B9}"/>
+              </a:ext>
+            </a:extLst>
+          </p:cNvPr>
+          <p:cNvPicPr>
+            <a:picLocks noChangeAspect="1"/>
+          </p:cNvPicPr>
+          <p:nvPr/>
+        </p:nvPicPr>
+        <p:blipFill>
+          <a:blip r:embed="rId2"/>
+          <a:stretch>
+            <a:fillRect/>
+          </a:stretch>
+        </p:blipFill>
+        <p:spPr>
+          <a:xfrm>
+            <a:off x="5671097" y="640080"/>
+            <a:ext cx="4421209" cy="5578816"/>
+          </a:xfrm>
+          <a:prstGeom prst="rect">
+            <a:avLst/>
+          </a:prstGeom>
+        </p:spPr>
+      </p:pic>
+    </p:spTree>
+    <p:extLst>
+      <p:ext uri="{BB962C8B-B14F-4D97-AF65-F5344CB8AC3E}">
+        <p14:creationId xmlns:p14="http://schemas.microsoft.com/office/powerpoint/2010/main" val="490687475"/>
+      </p:ext>
+    </p:extLst>
+  </p:cSld>
+  <p:clrMapOvr>
+    <a:masterClrMapping/>
+  </p:clrMapOvr>
+</p:sld>
+</file>
+
+<file path=ppt/slides/slide14.xml><?xml version="1.0" encoding="utf-8"?>
+<p:sld xmlns:a="http://schemas.openxmlformats.org/drawingml/2006/main" xmlns:r="http://schemas.openxmlformats.org/officeDocument/2006/relationships" xmlns:p="http://schemas.openxmlformats.org/presentationml/2006/main">
+  <p:cSld>
+    <p:bg>
+      <p:bgPr>
+        <a:solidFill>
+          <a:schemeClr val="bg1"/>
+        </a:solidFill>
+        <a:effectLst/>
+      </p:bgPr>
+    </p:bg>
+    <p:spTree>
+      <p:nvGrpSpPr>
+        <p:cNvPr id="1" name=""/>
+        <p:cNvGrpSpPr/>
+        <p:nvPr/>
+      </p:nvGrpSpPr>
+      <p:grpSpPr>
+        <a:xfrm>
+          <a:off x="0" y="0"/>
+          <a:ext cx="0" cy="0"/>
+          <a:chOff x="0" y="0"/>
+          <a:chExt cx="0" cy="0"/>
+        </a:xfrm>
+      </p:grpSpPr>
+      <p:sp>
+        <p:nvSpPr>
+          <p:cNvPr id="17" name="Flowchart: Document 16">
+            <a:extLst>
+              <a:ext uri="{FF2B5EF4-FFF2-40B4-BE49-F238E27FC236}">
+                <a16:creationId xmlns:a16="http://schemas.microsoft.com/office/drawing/2014/main" id="{D12DDE76-C203-4047-9998-63900085B5E8}"/>
+              </a:ext>
+              <a:ext uri="{C183D7F6-B498-43B3-948B-1728B52AA6E4}">
+                <adec:decorative xmlns:adec="http://schemas.microsoft.com/office/drawing/2017/decorative" val="1"/>
+              </a:ext>
+            </a:extLst>
+          </p:cNvPr>
+          <p:cNvSpPr>
+            <a:spLocks noGrp="1" noRot="1" noChangeAspect="1" noMove="1" noResize="1" noEditPoints="1" noAdjustHandles="1" noChangeArrowheads="1" noChangeShapeType="1" noTextEdit="1"/>
+          </p:cNvSpPr>
+          <p:nvPr>
+            <p:extLst>
+              <p:ext uri="{386F3935-93C4-4BCD-93E2-E3B085C9AB24}">
+                <p16:designElem xmlns:p16="http://schemas.microsoft.com/office/powerpoint/2015/main" val="1"/>
+              </p:ext>
+            </p:extLst>
+          </p:nvPr>
+        </p:nvSpPr>
+        <p:spPr>
+          <a:xfrm>
+            <a:off x="638175" y="0"/>
+            <a:ext cx="3248025" cy="3400426"/>
+          </a:xfrm>
+          <a:prstGeom prst="flowChartDocument">
+            <a:avLst/>
+          </a:prstGeom>
+          <a:solidFill>
+            <a:schemeClr val="accent1"/>
+          </a:solidFill>
+          <a:ln>
+            <a:noFill/>
+          </a:ln>
+        </p:spPr>
+        <p:style>
+          <a:lnRef idx="2">
+            <a:schemeClr val="accent1">
+              <a:shade val="50000"/>
+            </a:schemeClr>
+          </a:lnRef>
+          <a:fillRef idx="1">
+            <a:schemeClr val="accent1"/>
+          </a:fillRef>
+          <a:effectRef idx="0">
+            <a:schemeClr val="accent1"/>
+          </a:effectRef>
+          <a:fontRef idx="minor">
+            <a:schemeClr val="lt1"/>
+          </a:fontRef>
+        </p:style>
+        <p:txBody>
+          <a:bodyPr rtlCol="0" anchor="ctr"/>
+          <a:lstStyle/>
+          <a:p>
+            <a:pPr algn="ctr"/>
             <a:endParaRPr lang="en-US"/>
+          </a:p>
+        </p:txBody>
+      </p:sp>
+      <p:sp>
+        <p:nvSpPr>
+          <p:cNvPr id="2" name="Title 1">
+            <a:extLst>
+              <a:ext uri="{FF2B5EF4-FFF2-40B4-BE49-F238E27FC236}">
+                <a16:creationId xmlns:a16="http://schemas.microsoft.com/office/drawing/2014/main" id="{5A995542-64E9-6048-B9CB-F3F18FD7AA4C}"/>
+              </a:ext>
+            </a:extLst>
+          </p:cNvPr>
+          <p:cNvSpPr>
+            <a:spLocks noGrp="1"/>
+          </p:cNvSpPr>
+          <p:nvPr>
+            <p:ph type="title"/>
+          </p:nvPr>
+        </p:nvSpPr>
+        <p:spPr>
+          <a:xfrm>
+            <a:off x="838200" y="171162"/>
+            <a:ext cx="2840182" cy="2371148"/>
+          </a:xfrm>
+        </p:spPr>
+        <p:txBody>
+          <a:bodyPr vert="horz" lIns="91440" tIns="45720" rIns="91440" bIns="45720" rtlCol="0" anchor="ctr">
+            <a:normAutofit/>
+          </a:bodyPr>
+          <a:lstStyle/>
+          <a:p>
+            <a:r>
+              <a:rPr lang="en-US" sz="3200" kern="1200" dirty="0">
+                <a:solidFill>
+                  <a:srgbClr val="FFFFFF"/>
+                </a:solidFill>
+                <a:latin typeface="+mj-lt"/>
+                <a:ea typeface="+mj-ea"/>
+                <a:cs typeface="+mj-cs"/>
+              </a:rPr>
+              <a:t>Logistic regression with random forest</a:t>
+            </a:r>
+          </a:p>
+        </p:txBody>
+      </p:sp>
+      <p:pic>
+        <p:nvPicPr>
+          <p:cNvPr id="5" name="Picture 4" descr="A screenshot of text&#10;&#10;Description automatically generated">
+            <a:extLst>
+              <a:ext uri="{FF2B5EF4-FFF2-40B4-BE49-F238E27FC236}">
+                <a16:creationId xmlns:a16="http://schemas.microsoft.com/office/drawing/2014/main" id="{5EF7FC19-0B83-2E43-AB8D-828E957C8D95}"/>
+              </a:ext>
+            </a:extLst>
+          </p:cNvPr>
+          <p:cNvPicPr>
+            <a:picLocks noChangeAspect="1"/>
+          </p:cNvPicPr>
+          <p:nvPr/>
+        </p:nvPicPr>
+        <p:blipFill>
+          <a:blip r:embed="rId2"/>
+          <a:stretch>
+            <a:fillRect/>
+          </a:stretch>
+        </p:blipFill>
+        <p:spPr>
+          <a:xfrm>
+            <a:off x="5671097" y="640080"/>
+            <a:ext cx="4421209" cy="5578816"/>
+          </a:xfrm>
+          <a:prstGeom prst="rect">
+            <a:avLst/>
+          </a:prstGeom>
+        </p:spPr>
+      </p:pic>
+    </p:spTree>
+    <p:extLst>
+      <p:ext uri="{BB962C8B-B14F-4D97-AF65-F5344CB8AC3E}">
+        <p14:creationId xmlns:p14="http://schemas.microsoft.com/office/powerpoint/2010/main" val="519983334"/>
+      </p:ext>
+    </p:extLst>
+  </p:cSld>
+  <p:clrMapOvr>
+    <a:masterClrMapping/>
+  </p:clrMapOvr>
+</p:sld>
+</file>
+
+<file path=ppt/slides/slide15.xml><?xml version="1.0" encoding="utf-8"?>
+<p:sld xmlns:a="http://schemas.openxmlformats.org/drawingml/2006/main" xmlns:r="http://schemas.openxmlformats.org/officeDocument/2006/relationships" xmlns:p="http://schemas.openxmlformats.org/presentationml/2006/main">
+  <p:cSld>
+    <p:bg>
+      <p:bgPr>
+        <a:solidFill>
+          <a:schemeClr val="bg1"/>
+        </a:solidFill>
+        <a:effectLst/>
+      </p:bgPr>
+    </p:bg>
+    <p:spTree>
+      <p:nvGrpSpPr>
+        <p:cNvPr id="1" name=""/>
+        <p:cNvGrpSpPr/>
+        <p:nvPr/>
+      </p:nvGrpSpPr>
+      <p:grpSpPr>
+        <a:xfrm>
+          <a:off x="0" y="0"/>
+          <a:ext cx="0" cy="0"/>
+          <a:chOff x="0" y="0"/>
+          <a:chExt cx="0" cy="0"/>
+        </a:xfrm>
+      </p:grpSpPr>
+      <p:sp>
+        <p:nvSpPr>
+          <p:cNvPr id="2" name="Title 1">
+            <a:extLst>
+              <a:ext uri="{FF2B5EF4-FFF2-40B4-BE49-F238E27FC236}">
+                <a16:creationId xmlns:a16="http://schemas.microsoft.com/office/drawing/2014/main" id="{02D62726-D2DF-3A4A-A0C2-99D61B8C2E7C}"/>
+              </a:ext>
+            </a:extLst>
+          </p:cNvPr>
+          <p:cNvSpPr>
+            <a:spLocks noGrp="1"/>
+          </p:cNvSpPr>
+          <p:nvPr>
+            <p:ph type="title"/>
+          </p:nvPr>
+        </p:nvSpPr>
+        <p:spPr>
+          <a:xfrm>
+            <a:off x="870204" y="606564"/>
+            <a:ext cx="10451592" cy="1325563"/>
+          </a:xfrm>
+        </p:spPr>
+        <p:txBody>
+          <a:bodyPr anchor="ctr">
+            <a:normAutofit/>
+          </a:bodyPr>
+          <a:lstStyle/>
+          <a:p>
+            <a:r>
+              <a:rPr lang="en-US" dirty="0"/>
+              <a:t>So who was likely to survive?</a:t>
+            </a:r>
+          </a:p>
+        </p:txBody>
+      </p:sp>
+      <p:sp>
+        <p:nvSpPr>
+          <p:cNvPr id="17" name="Rectangle 16">
+            <a:extLst>
+              <a:ext uri="{FF2B5EF4-FFF2-40B4-BE49-F238E27FC236}">
+                <a16:creationId xmlns:a16="http://schemas.microsoft.com/office/drawing/2014/main" id="{A5711A0E-A428-4ED1-96CB-33D69FD842E4}"/>
+              </a:ext>
+              <a:ext uri="{C183D7F6-B498-43B3-948B-1728B52AA6E4}">
+                <adec:decorative xmlns:adec="http://schemas.microsoft.com/office/drawing/2017/decorative" val="1"/>
+              </a:ext>
+            </a:extLst>
+          </p:cNvPr>
+          <p:cNvSpPr>
+            <a:spLocks noGrp="1" noRot="1" noChangeAspect="1" noMove="1" noResize="1" noEditPoints="1" noAdjustHandles="1" noChangeArrowheads="1" noChangeShapeType="1" noTextEdit="1"/>
+          </p:cNvSpPr>
+          <p:nvPr>
+            <p:extLst>
+              <p:ext uri="{386F3935-93C4-4BCD-93E2-E3B085C9AB24}">
+                <p16:designElem xmlns:p16="http://schemas.microsoft.com/office/powerpoint/2015/main" val="1"/>
+              </p:ext>
+            </p:extLst>
+          </p:nvPr>
+        </p:nvSpPr>
+        <p:spPr>
+          <a:xfrm>
+            <a:off x="1000874" y="2043803"/>
+            <a:ext cx="10190252" cy="80683"/>
+          </a:xfrm>
+          <a:prstGeom prst="rect">
+            <a:avLst/>
+          </a:prstGeom>
+          <a:solidFill>
+            <a:schemeClr val="tx1">
+              <a:lumMod val="50000"/>
+              <a:lumOff val="50000"/>
+              <a:alpha val="65000"/>
+            </a:schemeClr>
+          </a:solidFill>
+          <a:ln>
+            <a:noFill/>
+          </a:ln>
+        </p:spPr>
+        <p:style>
+          <a:lnRef idx="2">
+            <a:schemeClr val="accent1">
+              <a:shade val="50000"/>
+            </a:schemeClr>
+          </a:lnRef>
+          <a:fillRef idx="1">
+            <a:schemeClr val="accent1"/>
+          </a:fillRef>
+          <a:effectRef idx="0">
+            <a:schemeClr val="accent1"/>
+          </a:effectRef>
+          <a:fontRef idx="minor">
+            <a:schemeClr val="lt1"/>
+          </a:fontRef>
+        </p:style>
+        <p:txBody>
+          <a:bodyPr rtlCol="0" anchor="ctr"/>
+          <a:lstStyle/>
+          <a:p>
+            <a:pPr marL="0" marR="0" lvl="0" indent="0" algn="ctr" defTabSz="457200" rtl="0" eaLnBrk="1" fontAlgn="auto" latinLnBrk="0" hangingPunct="1">
+              <a:lnSpc>
+                <a:spcPct val="100000"/>
+              </a:lnSpc>
+              <a:spcBef>
+                <a:spcPts val="0"/>
+              </a:spcBef>
+              <a:spcAft>
+                <a:spcPts val="0"/>
+              </a:spcAft>
+              <a:buClrTx/>
+              <a:buSzTx/>
+              <a:buFontTx/>
+              <a:buNone/>
+              <a:tabLst/>
+              <a:defRPr/>
+            </a:pPr>
+            <a:endParaRPr kumimoji="0" lang="en-US" sz="1800" b="0" i="0" u="none" strike="noStrike" kern="1200" cap="none" spc="0" normalizeH="0" baseline="0" noProof="0">
+              <a:ln>
+                <a:noFill/>
+              </a:ln>
+              <a:solidFill>
+                <a:prstClr val="white"/>
+              </a:solidFill>
+              <a:effectLst/>
+              <a:uLnTx/>
+              <a:uFillTx/>
+              <a:latin typeface="Calibri" panose="020F0502020204030204"/>
+              <a:ea typeface="+mn-ea"/>
+              <a:cs typeface="+mn-cs"/>
+            </a:endParaRPr>
+          </a:p>
+        </p:txBody>
+      </p:sp>
+      <p:graphicFrame>
+        <p:nvGraphicFramePr>
+          <p:cNvPr id="12" name="Content Placeholder 2">
+            <a:extLst>
+              <a:ext uri="{FF2B5EF4-FFF2-40B4-BE49-F238E27FC236}">
+                <a16:creationId xmlns:a16="http://schemas.microsoft.com/office/drawing/2014/main" id="{90F11312-FD6C-47B2-A53E-F528DCFF609B}"/>
+              </a:ext>
+            </a:extLst>
+          </p:cNvPr>
+          <p:cNvGraphicFramePr>
+            <a:graphicFrameLocks noGrp="1"/>
+          </p:cNvGraphicFramePr>
+          <p:nvPr>
+            <p:ph idx="1"/>
+            <p:extLst>
+              <p:ext uri="{D42A27DB-BD31-4B8C-83A1-F6EECF244321}">
+                <p14:modId xmlns:p14="http://schemas.microsoft.com/office/powerpoint/2010/main" val="4082721852"/>
+              </p:ext>
+            </p:extLst>
+          </p:nvPr>
+        </p:nvGraphicFramePr>
+        <p:xfrm>
+          <a:off x="1000874" y="2385390"/>
+          <a:ext cx="10190252" cy="3617845"/>
+        </p:xfrm>
+        <a:graphic>
+          <a:graphicData uri="http://schemas.openxmlformats.org/drawingml/2006/diagram">
+            <dgm:relIds xmlns:dgm="http://schemas.openxmlformats.org/drawingml/2006/diagram" xmlns:r="http://schemas.openxmlformats.org/officeDocument/2006/relationships" r:dm="rId2" r:lo="rId3" r:qs="rId4" r:cs="rId5"/>
+          </a:graphicData>
+        </a:graphic>
+      </p:graphicFrame>
+    </p:spTree>
+    <p:extLst>
+      <p:ext uri="{BB962C8B-B14F-4D97-AF65-F5344CB8AC3E}">
+        <p14:creationId xmlns:p14="http://schemas.microsoft.com/office/powerpoint/2010/main" val="2038573074"/>
+      </p:ext>
+    </p:extLst>
+  </p:cSld>
+  <p:clrMapOvr>
+    <a:masterClrMapping/>
+  </p:clrMapOvr>
+</p:sld>
+</file>
+
+<file path=ppt/slides/slide16.xml><?xml version="1.0" encoding="utf-8"?>
+<p:sld xmlns:a="http://schemas.openxmlformats.org/drawingml/2006/main" xmlns:r="http://schemas.openxmlformats.org/officeDocument/2006/relationships" xmlns:p="http://schemas.openxmlformats.org/presentationml/2006/main">
+  <p:cSld>
+    <p:bg>
+      <p:bgPr>
+        <a:solidFill>
+          <a:schemeClr val="bg1"/>
+        </a:solidFill>
+        <a:effectLst/>
+      </p:bgPr>
+    </p:bg>
+    <p:spTree>
+      <p:nvGrpSpPr>
+        <p:cNvPr id="1" name=""/>
+        <p:cNvGrpSpPr/>
+        <p:nvPr/>
+      </p:nvGrpSpPr>
+      <p:grpSpPr>
+        <a:xfrm>
+          <a:off x="0" y="0"/>
+          <a:ext cx="0" cy="0"/>
+          <a:chOff x="0" y="0"/>
+          <a:chExt cx="0" cy="0"/>
+        </a:xfrm>
+      </p:grpSpPr>
+      <p:sp>
+        <p:nvSpPr>
+          <p:cNvPr id="7" name="Rectangle 6">
+            <a:extLst>
+              <a:ext uri="{FF2B5EF4-FFF2-40B4-BE49-F238E27FC236}">
+                <a16:creationId xmlns:a16="http://schemas.microsoft.com/office/drawing/2014/main" id="{23962611-DFD5-4092-AAFD-559E3DFCE2C9}"/>
+              </a:ext>
+              <a:ext uri="{C183D7F6-B498-43B3-948B-1728B52AA6E4}">
+                <adec:decorative xmlns:adec="http://schemas.microsoft.com/office/drawing/2017/decorative" val="1"/>
+              </a:ext>
+            </a:extLst>
+          </p:cNvPr>
+          <p:cNvSpPr>
+            <a:spLocks noGrp="1" noRot="1" noChangeAspect="1" noMove="1" noResize="1" noEditPoints="1" noAdjustHandles="1" noChangeArrowheads="1" noChangeShapeType="1" noTextEdit="1"/>
+          </p:cNvSpPr>
+          <p:nvPr>
+            <p:extLst>
+              <p:ext uri="{386F3935-93C4-4BCD-93E2-E3B085C9AB24}">
+                <p16:designElem xmlns:p16="http://schemas.microsoft.com/office/powerpoint/2015/main" val="1"/>
+              </p:ext>
+            </p:extLst>
+          </p:nvPr>
+        </p:nvSpPr>
+        <p:spPr>
+          <a:xfrm>
+            <a:off x="475488" y="0"/>
+            <a:ext cx="10910292" cy="6858000"/>
+          </a:xfrm>
+          <a:prstGeom prst="rect">
+            <a:avLst/>
+          </a:prstGeom>
+          <a:gradFill>
+            <a:gsLst>
+              <a:gs pos="0">
+                <a:schemeClr val="accent1">
+                  <a:lumMod val="90000"/>
+                </a:schemeClr>
+              </a:gs>
+              <a:gs pos="25000">
+                <a:schemeClr val="accent1">
+                  <a:lumMod val="90000"/>
+                </a:schemeClr>
+              </a:gs>
+              <a:gs pos="94000">
+                <a:schemeClr val="bg2">
+                  <a:lumMod val="25000"/>
+                </a:schemeClr>
+              </a:gs>
+              <a:gs pos="100000">
+                <a:schemeClr val="bg2">
+                  <a:lumMod val="25000"/>
+                </a:schemeClr>
+              </a:gs>
+            </a:gsLst>
+            <a:lin ang="4200000" scaled="0"/>
+          </a:gradFill>
+          <a:ln>
+            <a:noFill/>
+          </a:ln>
+        </p:spPr>
+        <p:style>
+          <a:lnRef idx="2">
+            <a:schemeClr val="accent1">
+              <a:shade val="50000"/>
+            </a:schemeClr>
+          </a:lnRef>
+          <a:fillRef idx="1">
+            <a:schemeClr val="accent1"/>
+          </a:fillRef>
+          <a:effectRef idx="0">
+            <a:schemeClr val="accent1"/>
+          </a:effectRef>
+          <a:fontRef idx="minor">
+            <a:schemeClr val="lt1"/>
+          </a:fontRef>
+        </p:style>
+        <p:txBody>
+          <a:bodyPr rtlCol="0" anchor="ctr"/>
+          <a:lstStyle/>
+          <a:p>
+            <a:pPr algn="ctr"/>
+            <a:endParaRPr lang="en-US"/>
+          </a:p>
+        </p:txBody>
+      </p:sp>
+      <p:pic>
+        <p:nvPicPr>
+          <p:cNvPr id="9" name="Picture 8">
+            <a:extLst>
+              <a:ext uri="{FF2B5EF4-FFF2-40B4-BE49-F238E27FC236}">
+                <a16:creationId xmlns:a16="http://schemas.microsoft.com/office/drawing/2014/main" id="{2270F1FA-0425-408F-9861-80BF5AFB276D}"/>
+              </a:ext>
+              <a:ext uri="{C183D7F6-B498-43B3-948B-1728B52AA6E4}">
+                <adec:decorative xmlns:adec="http://schemas.microsoft.com/office/drawing/2017/decorative" val="1"/>
+              </a:ext>
+            </a:extLst>
+          </p:cNvPr>
+          <p:cNvPicPr>
+            <a:picLocks noGrp="1" noRot="1" noChangeAspect="1" noMove="1" noResize="1" noEditPoints="1" noAdjustHandles="1" noChangeArrowheads="1" noChangeShapeType="1" noCrop="1"/>
+          </p:cNvPicPr>
+          <p:nvPr>
+            <p:extLst>
+              <p:ext uri="{386F3935-93C4-4BCD-93E2-E3B085C9AB24}">
+                <p16:designElem xmlns:p16="http://schemas.microsoft.com/office/powerpoint/2015/main" val="1"/>
+              </p:ext>
+            </p:extLst>
+          </p:nvPr>
+        </p:nvPicPr>
+        <p:blipFill>
+          <a:blip r:embed="rId2">
+            <a:extLst>
+              <a:ext uri="{28A0092B-C50C-407E-A947-70E740481C1C}">
+                <a14:useLocalDpi xmlns:a14="http://schemas.microsoft.com/office/drawing/2010/main" val="0"/>
+              </a:ext>
+            </a:extLst>
+          </a:blip>
+          <a:stretch>
+            <a:fillRect/>
+          </a:stretch>
+        </p:blipFill>
+        <p:spPr>
+          <a:xfrm>
+            <a:off x="0" y="0"/>
+            <a:ext cx="12192000" cy="6858000"/>
+          </a:xfrm>
+          <a:prstGeom prst="rect">
+            <a:avLst/>
+          </a:prstGeom>
+        </p:spPr>
+      </p:pic>
+      <p:sp>
+        <p:nvSpPr>
+          <p:cNvPr id="2" name="Title 1">
+            <a:extLst>
+              <a:ext uri="{FF2B5EF4-FFF2-40B4-BE49-F238E27FC236}">
+                <a16:creationId xmlns:a16="http://schemas.microsoft.com/office/drawing/2014/main" id="{5C6D70B5-18CE-9240-A28E-114545348B4B}"/>
+              </a:ext>
+            </a:extLst>
+          </p:cNvPr>
+          <p:cNvSpPr>
+            <a:spLocks noGrp="1"/>
+          </p:cNvSpPr>
+          <p:nvPr>
+            <p:ph type="title"/>
+          </p:nvPr>
+        </p:nvSpPr>
+        <p:spPr>
+          <a:xfrm>
+            <a:off x="3045368" y="2043663"/>
+            <a:ext cx="6105194" cy="2031055"/>
+          </a:xfrm>
+        </p:spPr>
+        <p:txBody>
+          <a:bodyPr vert="horz" lIns="91440" tIns="45720" rIns="91440" bIns="45720" rtlCol="0" anchor="b">
+            <a:normAutofit/>
+          </a:bodyPr>
+          <a:lstStyle/>
+          <a:p>
+            <a:pPr algn="ctr"/>
+            <a:r>
+              <a:rPr lang="en-US" sz="6000" kern="1200" dirty="0">
+                <a:solidFill>
+                  <a:srgbClr val="FFFFFF"/>
+                </a:solidFill>
+                <a:latin typeface="+mj-lt"/>
+                <a:ea typeface="+mj-ea"/>
+                <a:cs typeface="+mj-cs"/>
+              </a:rPr>
+              <a:t>Thanks for you attention!</a:t>
+            </a:r>
           </a:p>
         </p:txBody>
       </p:sp>
     </p:spTree>
     <p:extLst>
       <p:ext uri="{BB962C8B-B14F-4D97-AF65-F5344CB8AC3E}">
-        <p14:creationId xmlns:p14="http://schemas.microsoft.com/office/powerpoint/2010/main" val="2885061166"/>
+        <p14:creationId xmlns:p14="http://schemas.microsoft.com/office/powerpoint/2010/main" val="1142519250"/>
       </p:ext>
     </p:extLst>
   </p:cSld>
@@ -14973,4 +21264,24 @@
     </a:ext>
   </a:extLst>
 </a:theme>
+</file>
+
+<file path=ppt/webextensions/taskpanes.xml><?xml version="1.0" encoding="utf-8"?>
+<wetp:taskpanes xmlns:wetp="http://schemas.microsoft.com/office/webextensions/taskpanes/2010/11">
+  <wetp:taskpane dockstate="right" visibility="0" width="350" row="0">
+    <wetp:webextensionref xmlns:r="http://schemas.openxmlformats.org/officeDocument/2006/relationships" r:id="rId1"/>
+  </wetp:taskpane>
+</wetp:taskpanes>
+</file>
+
+<file path=ppt/webextensions/webextension1.xml><?xml version="1.0" encoding="utf-8"?>
+<we:webextension xmlns:we="http://schemas.microsoft.com/office/webextensions/webextension/2010/11" id="{BBA49753-A726-3846-8FED-A17A144B369C}">
+  <we:reference id="wa104178141" version="3.10.0.152" store="en-US" storeType="OMEX"/>
+  <we:alternateReferences>
+    <we:reference id="wa104178141" version="3.10.0.152" store="" storeType="OMEX"/>
+  </we:alternateReferences>
+  <we:properties/>
+  <we:bindings/>
+  <we:snapshot xmlns:r="http://schemas.openxmlformats.org/officeDocument/2006/relationships"/>
+</we:webextension>
 </file>